--- a/Literature/Presentation/mmWave_Radar_Presentation.pptx
+++ b/Literature/Presentation/mmWave_Radar_Presentation.pptx
@@ -5,22 +5,27 @@
     <p:sldMasterId id="2147483648" r:id="rId1"/>
   </p:sldMasterIdLst>
   <p:notesMasterIdLst>
-    <p:notesMasterId r:id="rId15"/>
+    <p:notesMasterId r:id="rId20"/>
   </p:notesMasterIdLst>
   <p:sldIdLst>
     <p:sldId id="256" r:id="rId2"/>
     <p:sldId id="257" r:id="rId3"/>
-    <p:sldId id="265" r:id="rId4"/>
-    <p:sldId id="258" r:id="rId5"/>
-    <p:sldId id="267" r:id="rId6"/>
-    <p:sldId id="259" r:id="rId7"/>
-    <p:sldId id="260" r:id="rId8"/>
-    <p:sldId id="261" r:id="rId9"/>
-    <p:sldId id="268" r:id="rId10"/>
-    <p:sldId id="262" r:id="rId11"/>
-    <p:sldId id="263" r:id="rId12"/>
-    <p:sldId id="269" r:id="rId13"/>
-    <p:sldId id="264" r:id="rId14"/>
+    <p:sldId id="270" r:id="rId4"/>
+    <p:sldId id="272" r:id="rId5"/>
+    <p:sldId id="274" r:id="rId6"/>
+    <p:sldId id="276" r:id="rId7"/>
+    <p:sldId id="273" r:id="rId8"/>
+    <p:sldId id="265" r:id="rId9"/>
+    <p:sldId id="258" r:id="rId10"/>
+    <p:sldId id="267" r:id="rId11"/>
+    <p:sldId id="259" r:id="rId12"/>
+    <p:sldId id="260" r:id="rId13"/>
+    <p:sldId id="261" r:id="rId14"/>
+    <p:sldId id="268" r:id="rId15"/>
+    <p:sldId id="262" r:id="rId16"/>
+    <p:sldId id="263" r:id="rId17"/>
+    <p:sldId id="269" r:id="rId18"/>
+    <p:sldId id="264" r:id="rId19"/>
   </p:sldIdLst>
   <p:sldSz cx="9144000" cy="6858000" type="screen4x3"/>
   <p:notesSz cx="6858000" cy="9144000"/>
@@ -32046,7 +32051,7 @@
           <a:p>
             <a:fld id="{914561EA-877F-40EB-BD03-9F9D93CF8F08}" type="datetimeFigureOut">
               <a:rPr lang="en-US" smtClean="0"/>
-              <a:t>2/10/2025</a:t>
+              <a:t>2/12/2025</a:t>
             </a:fld>
             <a:endParaRPr lang="en-US"/>
           </a:p>
@@ -32617,7 +32622,7 @@
           <a:p>
             <a:fld id="{BD2C7A22-6547-4ACB-A9F1-2D7DE146703E}" type="datetime1">
               <a:rPr lang="en-US" smtClean="0"/>
-              <a:t>2/10/2025</a:t>
+              <a:t>2/12/2025</a:t>
             </a:fld>
             <a:endParaRPr lang="en-US"/>
           </a:p>
@@ -32785,7 +32790,7 @@
           <a:p>
             <a:fld id="{9EF8D618-897A-4A91-A19B-65765E26A75D}" type="datetime1">
               <a:rPr lang="en-US" smtClean="0"/>
-              <a:t>2/10/2025</a:t>
+              <a:t>2/12/2025</a:t>
             </a:fld>
             <a:endParaRPr lang="en-US"/>
           </a:p>
@@ -32963,7 +32968,7 @@
           <a:p>
             <a:fld id="{A4C94BFA-9C25-4BA2-A577-3E425F9EA4FC}" type="datetime1">
               <a:rPr lang="en-US" smtClean="0"/>
-              <a:t>2/10/2025</a:t>
+              <a:t>2/12/2025</a:t>
             </a:fld>
             <a:endParaRPr lang="en-US"/>
           </a:p>
@@ -33131,9 +33136,9 @@
           <a:p>
             <a:fld id="{AC4E01CF-F137-4C1E-BF71-7150B21C8696}" type="datetime1">
               <a:rPr lang="en-US" smtClean="0"/>
-              <a:t>2/10/2025</a:t>
+              <a:t>2/12/2025</a:t>
             </a:fld>
-            <a:endParaRPr lang="en-US"/>
+            <a:endParaRPr lang="en-US" dirty="0"/>
           </a:p>
         </p:txBody>
       </p:sp>
@@ -33376,7 +33381,7 @@
           <a:p>
             <a:fld id="{585D7A9D-D406-4130-BF38-5364AAA70A0A}" type="datetime1">
               <a:rPr lang="en-US" smtClean="0"/>
-              <a:t>2/10/2025</a:t>
+              <a:t>2/12/2025</a:t>
             </a:fld>
             <a:endParaRPr lang="en-US"/>
           </a:p>
@@ -33661,7 +33666,7 @@
           <a:p>
             <a:fld id="{70C11EB2-E42E-4223-8873-D04D88E8A115}" type="datetime1">
               <a:rPr lang="en-US" smtClean="0"/>
-              <a:t>2/10/2025</a:t>
+              <a:t>2/12/2025</a:t>
             </a:fld>
             <a:endParaRPr lang="en-US"/>
           </a:p>
@@ -34080,7 +34085,7 @@
           <a:p>
             <a:fld id="{6C693725-B362-4680-AC13-DA10BC5F0D0D}" type="datetime1">
               <a:rPr lang="en-US" smtClean="0"/>
-              <a:t>2/10/2025</a:t>
+              <a:t>2/12/2025</a:t>
             </a:fld>
             <a:endParaRPr lang="en-US"/>
           </a:p>
@@ -34197,7 +34202,7 @@
           <a:p>
             <a:fld id="{2DFDF563-3738-41E9-B1EB-8E5ED5EFCD56}" type="datetime1">
               <a:rPr lang="en-US" smtClean="0"/>
-              <a:t>2/10/2025</a:t>
+              <a:t>2/12/2025</a:t>
             </a:fld>
             <a:endParaRPr lang="en-US"/>
           </a:p>
@@ -34292,7 +34297,7 @@
           <a:p>
             <a:fld id="{9B8735CA-FCF5-4F40-814C-CDF87D00B41B}" type="datetime1">
               <a:rPr lang="en-US" smtClean="0"/>
-              <a:t>2/10/2025</a:t>
+              <a:t>2/12/2025</a:t>
             </a:fld>
             <a:endParaRPr lang="en-US"/>
           </a:p>
@@ -34567,7 +34572,7 @@
           <a:p>
             <a:fld id="{8AEA26EC-1841-473C-B40C-999170A3C9B3}" type="datetime1">
               <a:rPr lang="en-US" smtClean="0"/>
-              <a:t>2/10/2025</a:t>
+              <a:t>2/12/2025</a:t>
             </a:fld>
             <a:endParaRPr lang="en-US"/>
           </a:p>
@@ -34819,7 +34824,7 @@
           <a:p>
             <a:fld id="{D15E2C38-3373-470D-955D-06B1D42328ED}" type="datetime1">
               <a:rPr lang="en-US" smtClean="0"/>
-              <a:t>2/10/2025</a:t>
+              <a:t>2/12/2025</a:t>
             </a:fld>
             <a:endParaRPr lang="en-US"/>
           </a:p>
@@ -34904,6 +34909,58 @@
       </p:grpSpPr>
       <p:sp>
         <p:nvSpPr>
+          <p:cNvPr id="7" name="Rectangle 6">
+            <a:extLst>
+              <a:ext uri="{FF2B5EF4-FFF2-40B4-BE49-F238E27FC236}">
+                <a16:creationId xmlns:a16="http://schemas.microsoft.com/office/drawing/2014/main" id="{ED20ADB5-2DF3-1F8C-E331-649E0F573DBF}"/>
+              </a:ext>
+            </a:extLst>
+          </p:cNvPr>
+          <p:cNvSpPr/>
+          <p:nvPr userDrawn="1"/>
+        </p:nvSpPr>
+        <p:spPr>
+          <a:xfrm>
+            <a:off x="-370936" y="-60385"/>
+            <a:ext cx="9691777" cy="957532"/>
+          </a:xfrm>
+          <a:prstGeom prst="rect">
+            <a:avLst/>
+          </a:prstGeom>
+          <a:solidFill>
+            <a:schemeClr val="accent6"/>
+          </a:solidFill>
+          <a:ln>
+            <a:solidFill>
+              <a:schemeClr val="accent6"/>
+            </a:solidFill>
+          </a:ln>
+        </p:spPr>
+        <p:style>
+          <a:lnRef idx="1">
+            <a:schemeClr val="accent1"/>
+          </a:lnRef>
+          <a:fillRef idx="3">
+            <a:schemeClr val="accent1"/>
+          </a:fillRef>
+          <a:effectRef idx="2">
+            <a:schemeClr val="accent1"/>
+          </a:effectRef>
+          <a:fontRef idx="minor">
+            <a:schemeClr val="lt1"/>
+          </a:fontRef>
+        </p:style>
+        <p:txBody>
+          <a:bodyPr rtlCol="0" anchor="ctr"/>
+          <a:lstStyle/>
+          <a:p>
+            <a:pPr algn="ctr"/>
+            <a:endParaRPr lang="en-US"/>
+          </a:p>
+        </p:txBody>
+      </p:sp>
+      <p:sp>
+        <p:nvSpPr>
           <p:cNvPr id="2" name="Title Placeholder 1"/>
           <p:cNvSpPr>
             <a:spLocks noGrp="1"/>
@@ -34914,7 +34971,7 @@
         </p:nvSpPr>
         <p:spPr>
           <a:xfrm>
-            <a:off x="457200" y="274638"/>
+            <a:off x="457200" y="688580"/>
             <a:ext cx="8229600" cy="1143000"/>
           </a:xfrm>
           <a:prstGeom prst="rect">
@@ -34946,8 +35003,8 @@
         </p:nvSpPr>
         <p:spPr>
           <a:xfrm>
-            <a:off x="457200" y="1600200"/>
-            <a:ext cx="8229600" cy="4525963"/>
+            <a:off x="457200" y="2337758"/>
+            <a:ext cx="8229600" cy="3788405"/>
           </a:xfrm>
           <a:prstGeom prst="rect">
             <a:avLst/>
@@ -35020,19 +35077,32 @@
             <a:lvl1pPr algn="l">
               <a:defRPr sz="1200">
                 <a:solidFill>
-                  <a:schemeClr val="tx1">
-                    <a:tint val="75000"/>
+                  <a:schemeClr val="bg1">
+                    <a:lumMod val="65000"/>
                   </a:schemeClr>
                 </a:solidFill>
               </a:defRPr>
             </a:lvl1pPr>
           </a:lstStyle>
           <a:p>
-            <a:fld id="{FAB6C156-DF64-4918-9A5B-22F7B5619CFF}" type="datetime1">
-              <a:rPr lang="en-US" smtClean="0"/>
-              <a:t>2/10/2025</a:t>
-            </a:fld>
-            <a:endParaRPr lang="en-US"/>
+            <a:r>
+              <a:rPr lang="en-US" dirty="0"/>
+              <a:t>Luis Fernando Rodriguez </a:t>
+            </a:r>
+            <a:r>
+              <a:rPr lang="en-US" dirty="0" err="1"/>
+              <a:t>Gtz</a:t>
+            </a:r>
+            <a:r>
+              <a:rPr lang="en-US" dirty="0"/>
+              <a:t>.</a:t>
+            </a:r>
+          </a:p>
+          <a:p>
+            <a:r>
+              <a:rPr lang="en-US" dirty="0"/>
+              <a:t>Leander Hackmann.</a:t>
+            </a:r>
           </a:p>
         </p:txBody>
       </p:sp>
@@ -35111,6 +35181,94 @@
               <a:t>‹#›</a:t>
             </a:fld>
             <a:endParaRPr lang="en-US"/>
+          </a:p>
+        </p:txBody>
+      </p:sp>
+      <p:pic>
+        <p:nvPicPr>
+          <p:cNvPr id="2050" name="Picture 2" descr="Fachhochschule Dortmund – Wikipedia">
+            <a:extLst>
+              <a:ext uri="{FF2B5EF4-FFF2-40B4-BE49-F238E27FC236}">
+                <a16:creationId xmlns:a16="http://schemas.microsoft.com/office/drawing/2014/main" id="{B947DFD2-F98A-372B-86AF-4E87721F39BD}"/>
+              </a:ext>
+            </a:extLst>
+          </p:cNvPr>
+          <p:cNvPicPr>
+            <a:picLocks noChangeAspect="1" noChangeArrowheads="1"/>
+          </p:cNvPicPr>
+          <p:nvPr userDrawn="1"/>
+        </p:nvPicPr>
+        <p:blipFill>
+          <a:blip r:embed="rId13">
+            <a:extLst>
+              <a:ext uri="{28A0092B-C50C-407E-A947-70E740481C1C}">
+                <a14:useLocalDpi xmlns:a14="http://schemas.microsoft.com/office/drawing/2010/main" val="0"/>
+              </a:ext>
+            </a:extLst>
+          </a:blip>
+          <a:srcRect/>
+          <a:stretch>
+            <a:fillRect/>
+          </a:stretch>
+        </p:blipFill>
+        <p:spPr bwMode="auto">
+          <a:xfrm>
+            <a:off x="7397151" y="44451"/>
+            <a:ext cx="1746849" cy="630503"/>
+          </a:xfrm>
+          <a:prstGeom prst="rect">
+            <a:avLst/>
+          </a:prstGeom>
+          <a:noFill/>
+          <a:extLst>
+            <a:ext uri="{909E8E84-426E-40DD-AFC4-6F175D3DCCD1}">
+              <a14:hiddenFill xmlns:a14="http://schemas.microsoft.com/office/drawing/2010/main">
+                <a:solidFill>
+                  <a:srgbClr val="FFFFFF"/>
+                </a:solidFill>
+              </a14:hiddenFill>
+            </a:ext>
+          </a:extLst>
+        </p:spPr>
+      </p:pic>
+      <p:sp>
+        <p:nvSpPr>
+          <p:cNvPr id="9" name="TextBox 8">
+            <a:extLst>
+              <a:ext uri="{FF2B5EF4-FFF2-40B4-BE49-F238E27FC236}">
+                <a16:creationId xmlns:a16="http://schemas.microsoft.com/office/drawing/2014/main" id="{5973E615-A8EA-6D4B-AFF8-90BD6A561D1E}"/>
+              </a:ext>
+            </a:extLst>
+          </p:cNvPr>
+          <p:cNvSpPr txBox="1"/>
+          <p:nvPr userDrawn="1"/>
+        </p:nvSpPr>
+        <p:spPr>
+          <a:xfrm>
+            <a:off x="0" y="296992"/>
+            <a:ext cx="2700068" cy="276999"/>
+          </a:xfrm>
+          <a:prstGeom prst="rect">
+            <a:avLst/>
+          </a:prstGeom>
+          <a:noFill/>
+        </p:spPr>
+        <p:txBody>
+          <a:bodyPr wrap="square" rtlCol="0">
+            <a:spAutoFit/>
+          </a:bodyPr>
+          <a:lstStyle/>
+          <a:p>
+            <a:r>
+              <a:rPr lang="en-US" sz="1200" dirty="0">
+                <a:solidFill>
+                  <a:schemeClr val="bg1">
+                    <a:lumMod val="85000"/>
+                  </a:schemeClr>
+                </a:solidFill>
+              </a:rPr>
+              <a:t>Supervisor: Andreas Becker</a:t>
+            </a:r>
           </a:p>
         </p:txBody>
       </p:sp>
@@ -35392,14 +35550,6 @@
 <file path=ppt/slides/slide1.xml><?xml version="1.0" encoding="utf-8"?>
 <p:sld xmlns:a="http://schemas.openxmlformats.org/drawingml/2006/main" xmlns:r="http://schemas.openxmlformats.org/officeDocument/2006/relationships" xmlns:p="http://schemas.openxmlformats.org/presentationml/2006/main">
   <p:cSld>
-    <p:bg>
-      <p:bgPr>
-        <a:solidFill>
-          <a:schemeClr val="bg1"/>
-        </a:solidFill>
-        <a:effectLst/>
-      </p:bgPr>
-    </p:bg>
     <p:spTree>
       <p:nvGrpSpPr>
         <p:cNvPr id="1" name=""/>
@@ -35414,536 +35564,6 @@
           <a:chExt cx="0" cy="0"/>
         </a:xfrm>
       </p:grpSpPr>
-      <p:sp useBgFill="1">
-        <p:nvSpPr>
-          <p:cNvPr id="8" name="Rectangle 7">
-            <a:extLst>
-              <a:ext uri="{FF2B5EF4-FFF2-40B4-BE49-F238E27FC236}">
-                <a16:creationId xmlns:a16="http://schemas.microsoft.com/office/drawing/2014/main" id="{577D6B2E-37A3-429E-A37C-F30ED6487282}"/>
-              </a:ext>
-              <a:ext uri="{C183D7F6-B498-43B3-948B-1728B52AA6E4}">
-                <adec:decorative xmlns:adec="http://schemas.microsoft.com/office/drawing/2017/decorative" val="1"/>
-              </a:ext>
-            </a:extLst>
-          </p:cNvPr>
-          <p:cNvSpPr>
-            <a:spLocks noGrp="1" noRot="1" noChangeAspect="1" noMove="1" noResize="1" noEditPoints="1" noAdjustHandles="1" noChangeArrowheads="1" noChangeShapeType="1" noTextEdit="1"/>
-          </p:cNvSpPr>
-          <p:nvPr>
-            <p:extLst>
-              <p:ext uri="{386F3935-93C4-4BCD-93E2-E3B085C9AB24}">
-                <p16:designElem xmlns:p16="http://schemas.microsoft.com/office/powerpoint/2015/main" val="1"/>
-              </p:ext>
-            </p:extLst>
-          </p:nvPr>
-        </p:nvSpPr>
-        <p:spPr>
-          <a:xfrm>
-            <a:off x="0" y="0"/>
-            <a:ext cx="9144000" cy="6858000"/>
-          </a:xfrm>
-          <a:prstGeom prst="rect">
-            <a:avLst/>
-          </a:prstGeom>
-          <a:ln w="12700" cap="flat" cmpd="sng" algn="ctr">
-            <a:noFill/>
-            <a:prstDash val="solid"/>
-            <a:miter lim="800000"/>
-          </a:ln>
-          <a:effectLst/>
-          <a:extLst>
-            <a:ext uri="{91240B29-F687-4F45-9708-019B960494DF}">
-              <a14:hiddenLine xmlns:a14="http://schemas.microsoft.com/office/drawing/2010/main" w="12700" cap="flat" cmpd="sng" algn="ctr">
-                <a:solidFill>
-                  <a:schemeClr val="accent1">
-                    <a:shade val="50000"/>
-                  </a:schemeClr>
-                </a:solidFill>
-                <a:prstDash val="solid"/>
-                <a:miter lim="800000"/>
-              </a14:hiddenLine>
-            </a:ext>
-          </a:extLst>
-        </p:spPr>
-        <p:style>
-          <a:lnRef idx="2">
-            <a:schemeClr val="accent1">
-              <a:shade val="50000"/>
-            </a:schemeClr>
-          </a:lnRef>
-          <a:fillRef idx="1">
-            <a:schemeClr val="accent1"/>
-          </a:fillRef>
-          <a:effectRef idx="0">
-            <a:schemeClr val="accent1"/>
-          </a:effectRef>
-          <a:fontRef idx="minor">
-            <a:schemeClr val="lt1"/>
-          </a:fontRef>
-        </p:style>
-        <p:txBody>
-          <a:bodyPr rtlCol="0" anchor="ctr"/>
-          <a:lstStyle/>
-          <a:p>
-            <a:pPr algn="ctr"/>
-            <a:endParaRPr lang="en-US"/>
-          </a:p>
-        </p:txBody>
-      </p:sp>
-      <p:sp>
-        <p:nvSpPr>
-          <p:cNvPr id="10" name="Rectangle 9">
-            <a:extLst>
-              <a:ext uri="{FF2B5EF4-FFF2-40B4-BE49-F238E27FC236}">
-                <a16:creationId xmlns:a16="http://schemas.microsoft.com/office/drawing/2014/main" id="{5CEAD642-85CF-4750-8432-7C80C901F001}"/>
-              </a:ext>
-              <a:ext uri="{C183D7F6-B498-43B3-948B-1728B52AA6E4}">
-                <adec:decorative xmlns:adec="http://schemas.microsoft.com/office/drawing/2017/decorative" val="1"/>
-              </a:ext>
-            </a:extLst>
-          </p:cNvPr>
-          <p:cNvSpPr>
-            <a:spLocks noGrp="1" noRot="1" noChangeAspect="1" noMove="1" noResize="1" noEditPoints="1" noAdjustHandles="1" noChangeArrowheads="1" noChangeShapeType="1" noTextEdit="1"/>
-          </p:cNvSpPr>
-          <p:nvPr>
-            <p:extLst>
-              <p:ext uri="{386F3935-93C4-4BCD-93E2-E3B085C9AB24}">
-                <p16:designElem xmlns:p16="http://schemas.microsoft.com/office/powerpoint/2015/main" val="1"/>
-              </p:ext>
-            </p:extLst>
-          </p:nvPr>
-        </p:nvSpPr>
-        <p:spPr>
-          <a:xfrm rot="10800000">
-            <a:off x="-8792" y="-1"/>
-            <a:ext cx="9169464" cy="6868071"/>
-          </a:xfrm>
-          <a:prstGeom prst="rect">
-            <a:avLst/>
-          </a:prstGeom>
-          <a:gradFill>
-            <a:gsLst>
-              <a:gs pos="0">
-                <a:srgbClr val="000000"/>
-              </a:gs>
-              <a:gs pos="100000">
-                <a:schemeClr val="accent1">
-                  <a:lumMod val="75000"/>
-                </a:schemeClr>
-              </a:gs>
-            </a:gsLst>
-            <a:lin ang="4200000" scaled="0"/>
-          </a:gradFill>
-          <a:ln>
-            <a:noFill/>
-          </a:ln>
-        </p:spPr>
-        <p:style>
-          <a:lnRef idx="2">
-            <a:schemeClr val="accent1">
-              <a:shade val="50000"/>
-            </a:schemeClr>
-          </a:lnRef>
-          <a:fillRef idx="1">
-            <a:schemeClr val="accent1"/>
-          </a:fillRef>
-          <a:effectRef idx="0">
-            <a:schemeClr val="accent1"/>
-          </a:effectRef>
-          <a:fontRef idx="minor">
-            <a:schemeClr val="lt1"/>
-          </a:fontRef>
-        </p:style>
-        <p:txBody>
-          <a:bodyPr rtlCol="0" anchor="ctr"/>
-          <a:lstStyle/>
-          <a:p>
-            <a:pPr algn="ctr"/>
-            <a:endParaRPr lang="en-US"/>
-          </a:p>
-        </p:txBody>
-      </p:sp>
-      <p:sp>
-        <p:nvSpPr>
-          <p:cNvPr id="12" name="Rectangle 11">
-            <a:extLst>
-              <a:ext uri="{FF2B5EF4-FFF2-40B4-BE49-F238E27FC236}">
-                <a16:creationId xmlns:a16="http://schemas.microsoft.com/office/drawing/2014/main" id="{FA33EEAE-15D5-4119-8C1E-89D943F911EF}"/>
-              </a:ext>
-              <a:ext uri="{C183D7F6-B498-43B3-948B-1728B52AA6E4}">
-                <adec:decorative xmlns:adec="http://schemas.microsoft.com/office/drawing/2017/decorative" val="1"/>
-              </a:ext>
-            </a:extLst>
-          </p:cNvPr>
-          <p:cNvSpPr>
-            <a:spLocks noGrp="1" noRot="1" noChangeAspect="1" noMove="1" noResize="1" noEditPoints="1" noAdjustHandles="1" noChangeArrowheads="1" noChangeShapeType="1" noTextEdit="1"/>
-          </p:cNvSpPr>
-          <p:nvPr>
-            <p:extLst>
-              <p:ext uri="{386F3935-93C4-4BCD-93E2-E3B085C9AB24}">
-                <p16:designElem xmlns:p16="http://schemas.microsoft.com/office/powerpoint/2015/main" val="1"/>
-              </p:ext>
-            </p:extLst>
-          </p:nvPr>
-        </p:nvSpPr>
-        <p:spPr>
-          <a:xfrm rot="10800000" flipH="1">
-            <a:off x="331469" y="-3"/>
-            <a:ext cx="8829202" cy="6868074"/>
-          </a:xfrm>
-          <a:prstGeom prst="rect">
-            <a:avLst/>
-          </a:prstGeom>
-          <a:gradFill>
-            <a:gsLst>
-              <a:gs pos="21000">
-                <a:schemeClr val="accent1">
-                  <a:lumMod val="50000"/>
-                  <a:alpha val="83000"/>
-                </a:schemeClr>
-              </a:gs>
-              <a:gs pos="100000">
-                <a:schemeClr val="accent1">
-                  <a:alpha val="0"/>
-                </a:schemeClr>
-              </a:gs>
-            </a:gsLst>
-            <a:lin ang="8400000" scaled="0"/>
-          </a:gradFill>
-          <a:ln>
-            <a:noFill/>
-          </a:ln>
-        </p:spPr>
-        <p:style>
-          <a:lnRef idx="2">
-            <a:schemeClr val="accent1">
-              <a:shade val="50000"/>
-            </a:schemeClr>
-          </a:lnRef>
-          <a:fillRef idx="1">
-            <a:schemeClr val="accent1"/>
-          </a:fillRef>
-          <a:effectRef idx="0">
-            <a:schemeClr val="accent1"/>
-          </a:effectRef>
-          <a:fontRef idx="minor">
-            <a:schemeClr val="lt1"/>
-          </a:fontRef>
-        </p:style>
-        <p:txBody>
-          <a:bodyPr rtlCol="0" anchor="ctr"/>
-          <a:lstStyle/>
-          <a:p>
-            <a:pPr algn="ctr"/>
-            <a:endParaRPr lang="en-US"/>
-          </a:p>
-        </p:txBody>
-      </p:sp>
-      <p:sp>
-        <p:nvSpPr>
-          <p:cNvPr id="14" name="Rectangle 13">
-            <a:extLst>
-              <a:ext uri="{FF2B5EF4-FFF2-40B4-BE49-F238E27FC236}">
-                <a16:creationId xmlns:a16="http://schemas.microsoft.com/office/drawing/2014/main" id="{730D8B3B-9B80-4025-B934-26DC7D7CD231}"/>
-              </a:ext>
-              <a:ext uri="{C183D7F6-B498-43B3-948B-1728B52AA6E4}">
-                <adec:decorative xmlns:adec="http://schemas.microsoft.com/office/drawing/2017/decorative" val="1"/>
-              </a:ext>
-            </a:extLst>
-          </p:cNvPr>
-          <p:cNvSpPr>
-            <a:spLocks noGrp="1" noRot="1" noChangeAspect="1" noMove="1" noResize="1" noEditPoints="1" noAdjustHandles="1" noChangeArrowheads="1" noChangeShapeType="1" noTextEdit="1"/>
-          </p:cNvSpPr>
-          <p:nvPr>
-            <p:extLst>
-              <p:ext uri="{386F3935-93C4-4BCD-93E2-E3B085C9AB24}">
-                <p16:designElem xmlns:p16="http://schemas.microsoft.com/office/powerpoint/2015/main" val="1"/>
-              </p:ext>
-            </p:extLst>
-          </p:nvPr>
-        </p:nvSpPr>
-        <p:spPr>
-          <a:xfrm rot="10800000">
-            <a:off x="-11400" y="0"/>
-            <a:ext cx="2717530" cy="6868072"/>
-          </a:xfrm>
-          <a:prstGeom prst="rect">
-            <a:avLst/>
-          </a:prstGeom>
-          <a:gradFill>
-            <a:gsLst>
-              <a:gs pos="0">
-                <a:schemeClr val="accent1">
-                  <a:lumMod val="75000"/>
-                  <a:alpha val="0"/>
-                </a:schemeClr>
-              </a:gs>
-              <a:gs pos="99000">
-                <a:srgbClr val="000000">
-                  <a:alpha val="41000"/>
-                </a:srgbClr>
-              </a:gs>
-            </a:gsLst>
-            <a:lin ang="13200000" scaled="0"/>
-          </a:gradFill>
-          <a:ln>
-            <a:noFill/>
-          </a:ln>
-        </p:spPr>
-        <p:style>
-          <a:lnRef idx="2">
-            <a:schemeClr val="accent1">
-              <a:shade val="50000"/>
-            </a:schemeClr>
-          </a:lnRef>
-          <a:fillRef idx="1">
-            <a:schemeClr val="accent1"/>
-          </a:fillRef>
-          <a:effectRef idx="0">
-            <a:schemeClr val="accent1"/>
-          </a:effectRef>
-          <a:fontRef idx="minor">
-            <a:schemeClr val="lt1"/>
-          </a:fontRef>
-        </p:style>
-        <p:txBody>
-          <a:bodyPr rtlCol="0" anchor="ctr"/>
-          <a:lstStyle/>
-          <a:p>
-            <a:pPr algn="ctr"/>
-            <a:endParaRPr lang="en-US"/>
-          </a:p>
-        </p:txBody>
-      </p:sp>
-      <p:sp>
-        <p:nvSpPr>
-          <p:cNvPr id="16" name="Rectangle 15">
-            <a:extLst>
-              <a:ext uri="{FF2B5EF4-FFF2-40B4-BE49-F238E27FC236}">
-                <a16:creationId xmlns:a16="http://schemas.microsoft.com/office/drawing/2014/main" id="{1064D5D5-227B-4F66-9AEA-46F570E793BD}"/>
-              </a:ext>
-              <a:ext uri="{C183D7F6-B498-43B3-948B-1728B52AA6E4}">
-                <adec:decorative xmlns:adec="http://schemas.microsoft.com/office/drawing/2017/decorative" val="1"/>
-              </a:ext>
-            </a:extLst>
-          </p:cNvPr>
-          <p:cNvSpPr>
-            <a:spLocks noGrp="1" noRot="1" noChangeAspect="1" noMove="1" noResize="1" noEditPoints="1" noAdjustHandles="1" noChangeArrowheads="1" noChangeShapeType="1" noTextEdit="1"/>
-          </p:cNvSpPr>
-          <p:nvPr>
-            <p:extLst>
-              <p:ext uri="{386F3935-93C4-4BCD-93E2-E3B085C9AB24}">
-                <p16:designElem xmlns:p16="http://schemas.microsoft.com/office/powerpoint/2015/main" val="1"/>
-              </p:ext>
-            </p:extLst>
-          </p:nvPr>
-        </p:nvSpPr>
-        <p:spPr>
-          <a:xfrm flipH="1">
-            <a:off x="-11906" y="-3"/>
-            <a:ext cx="9175185" cy="6868076"/>
-          </a:xfrm>
-          <a:prstGeom prst="rect">
-            <a:avLst/>
-          </a:prstGeom>
-          <a:gradFill>
-            <a:gsLst>
-              <a:gs pos="3000">
-                <a:schemeClr val="accent1">
-                  <a:lumMod val="75000"/>
-                  <a:alpha val="0"/>
-                </a:schemeClr>
-              </a:gs>
-              <a:gs pos="100000">
-                <a:srgbClr val="000000">
-                  <a:alpha val="73000"/>
-                </a:srgbClr>
-              </a:gs>
-            </a:gsLst>
-            <a:lin ang="17400000" scaled="0"/>
-          </a:gradFill>
-          <a:ln>
-            <a:noFill/>
-          </a:ln>
-        </p:spPr>
-        <p:style>
-          <a:lnRef idx="2">
-            <a:schemeClr val="accent1">
-              <a:shade val="50000"/>
-            </a:schemeClr>
-          </a:lnRef>
-          <a:fillRef idx="1">
-            <a:schemeClr val="accent1"/>
-          </a:fillRef>
-          <a:effectRef idx="0">
-            <a:schemeClr val="accent1"/>
-          </a:effectRef>
-          <a:fontRef idx="minor">
-            <a:schemeClr val="lt1"/>
-          </a:fontRef>
-        </p:style>
-        <p:txBody>
-          <a:bodyPr rtlCol="0" anchor="ctr"/>
-          <a:lstStyle/>
-          <a:p>
-            <a:pPr algn="ctr"/>
-            <a:endParaRPr lang="en-US"/>
-          </a:p>
-        </p:txBody>
-      </p:sp>
-      <p:sp>
-        <p:nvSpPr>
-          <p:cNvPr id="18" name="Rectangle 17">
-            <a:extLst>
-              <a:ext uri="{FF2B5EF4-FFF2-40B4-BE49-F238E27FC236}">
-                <a16:creationId xmlns:a16="http://schemas.microsoft.com/office/drawing/2014/main" id="{646B67A4-D328-4747-A82B-65E84FA46368}"/>
-              </a:ext>
-              <a:ext uri="{C183D7F6-B498-43B3-948B-1728B52AA6E4}">
-                <adec:decorative xmlns:adec="http://schemas.microsoft.com/office/drawing/2017/decorative" val="1"/>
-              </a:ext>
-            </a:extLst>
-          </p:cNvPr>
-          <p:cNvSpPr>
-            <a:spLocks noGrp="1" noRot="1" noChangeAspect="1" noMove="1" noResize="1" noEditPoints="1" noAdjustHandles="1" noChangeArrowheads="1" noChangeShapeType="1" noTextEdit="1"/>
-          </p:cNvSpPr>
-          <p:nvPr>
-            <p:extLst>
-              <p:ext uri="{386F3935-93C4-4BCD-93E2-E3B085C9AB24}">
-                <p16:designElem xmlns:p16="http://schemas.microsoft.com/office/powerpoint/2015/main" val="1"/>
-              </p:ext>
-            </p:extLst>
-          </p:nvPr>
-        </p:nvSpPr>
-        <p:spPr>
-          <a:xfrm rot="5400000" flipH="1">
-            <a:off x="2505509" y="212908"/>
-            <a:ext cx="6861931" cy="6448394"/>
-          </a:xfrm>
-          <a:prstGeom prst="rect">
-            <a:avLst/>
-          </a:prstGeom>
-          <a:gradFill>
-            <a:gsLst>
-              <a:gs pos="3000">
-                <a:schemeClr val="accent1">
-                  <a:lumMod val="75000"/>
-                  <a:alpha val="0"/>
-                </a:schemeClr>
-              </a:gs>
-              <a:gs pos="100000">
-                <a:srgbClr val="000000">
-                  <a:alpha val="27000"/>
-                </a:srgbClr>
-              </a:gs>
-            </a:gsLst>
-            <a:lin ang="13800000" scaled="0"/>
-          </a:gradFill>
-          <a:ln>
-            <a:noFill/>
-          </a:ln>
-        </p:spPr>
-        <p:style>
-          <a:lnRef idx="2">
-            <a:schemeClr val="accent1">
-              <a:shade val="50000"/>
-            </a:schemeClr>
-          </a:lnRef>
-          <a:fillRef idx="1">
-            <a:schemeClr val="accent1"/>
-          </a:fillRef>
-          <a:effectRef idx="0">
-            <a:schemeClr val="accent1"/>
-          </a:effectRef>
-          <a:fontRef idx="minor">
-            <a:schemeClr val="lt1"/>
-          </a:fontRef>
-        </p:style>
-        <p:txBody>
-          <a:bodyPr rtlCol="0" anchor="ctr"/>
-          <a:lstStyle/>
-          <a:p>
-            <a:pPr algn="ctr"/>
-            <a:endParaRPr lang="en-US"/>
-          </a:p>
-        </p:txBody>
-      </p:sp>
-      <p:sp>
-        <p:nvSpPr>
-          <p:cNvPr id="20" name="Oval 19">
-            <a:extLst>
-              <a:ext uri="{FF2B5EF4-FFF2-40B4-BE49-F238E27FC236}">
-                <a16:creationId xmlns:a16="http://schemas.microsoft.com/office/drawing/2014/main" id="{B5A1B09C-1565-46F8-B70F-621C5EB48A09}"/>
-              </a:ext>
-              <a:ext uri="{C183D7F6-B498-43B3-948B-1728B52AA6E4}">
-                <adec:decorative xmlns:adec="http://schemas.microsoft.com/office/drawing/2017/decorative" val="1"/>
-              </a:ext>
-            </a:extLst>
-          </p:cNvPr>
-          <p:cNvSpPr>
-            <a:spLocks noGrp="1" noRot="1" noChangeAspect="1" noMove="1" noResize="1" noEditPoints="1" noAdjustHandles="1" noChangeArrowheads="1" noChangeShapeType="1" noTextEdit="1"/>
-          </p:cNvSpPr>
-          <p:nvPr>
-            <p:extLst>
-              <p:ext uri="{386F3935-93C4-4BCD-93E2-E3B085C9AB24}">
-                <p16:designElem xmlns:p16="http://schemas.microsoft.com/office/powerpoint/2015/main" val="1"/>
-              </p:ext>
-            </p:extLst>
-          </p:nvPr>
-        </p:nvSpPr>
-        <p:spPr>
-          <a:xfrm rot="5993193">
-            <a:off x="269287" y="1712598"/>
-            <a:ext cx="4967533" cy="3741293"/>
-          </a:xfrm>
-          <a:prstGeom prst="ellipse">
-            <a:avLst/>
-          </a:prstGeom>
-          <a:gradFill>
-            <a:gsLst>
-              <a:gs pos="0">
-                <a:schemeClr val="accent1">
-                  <a:alpha val="26000"/>
-                </a:schemeClr>
-              </a:gs>
-              <a:gs pos="85000">
-                <a:schemeClr val="accent1">
-                  <a:lumMod val="60000"/>
-                  <a:lumOff val="40000"/>
-                  <a:alpha val="0"/>
-                </a:schemeClr>
-              </a:gs>
-            </a:gsLst>
-            <a:lin ang="14400000" scaled="0"/>
-          </a:gradFill>
-          <a:ln>
-            <a:noFill/>
-          </a:ln>
-        </p:spPr>
-        <p:style>
-          <a:lnRef idx="2">
-            <a:schemeClr val="accent1">
-              <a:shade val="50000"/>
-            </a:schemeClr>
-          </a:lnRef>
-          <a:fillRef idx="1">
-            <a:schemeClr val="accent1"/>
-          </a:fillRef>
-          <a:effectRef idx="0">
-            <a:schemeClr val="accent1"/>
-          </a:effectRef>
-          <a:fontRef idx="minor">
-            <a:schemeClr val="lt1"/>
-          </a:fontRef>
-        </p:style>
-        <p:txBody>
-          <a:bodyPr rtlCol="0" anchor="ctr"/>
-          <a:lstStyle/>
-          <a:p>
-            <a:pPr algn="ctr"/>
-            <a:endParaRPr lang="en-US" dirty="0"/>
-          </a:p>
-        </p:txBody>
-      </p:sp>
       <p:sp>
         <p:nvSpPr>
           <p:cNvPr id="2" name="Title 1"/>
@@ -35951,110 +35571,34 @@
             <a:spLocks noGrp="1"/>
           </p:cNvSpPr>
           <p:nvPr>
-            <p:ph type="ctrTitle"/>
+            <p:ph type="title"/>
           </p:nvPr>
         </p:nvSpPr>
         <p:spPr>
           <a:xfrm>
-            <a:off x="3121925" y="818984"/>
-            <a:ext cx="5036024" cy="3178689"/>
+            <a:off x="722312" y="3428492"/>
+            <a:ext cx="4265611" cy="1362075"/>
           </a:xfrm>
         </p:spPr>
         <p:txBody>
-          <a:bodyPr>
-            <a:normAutofit/>
+          <a:bodyPr anchor="t">
+            <a:normAutofit fontScale="90000"/>
           </a:bodyPr>
           <a:lstStyle/>
           <a:p>
-            <a:pPr algn="l">
+            <a:pPr>
               <a:lnSpc>
                 <a:spcPct val="90000"/>
               </a:lnSpc>
             </a:pPr>
             <a:r>
-              <a:rPr lang="en-US" sz="4200">
-                <a:solidFill>
-                  <a:srgbClr val="FFFFFF"/>
-                </a:solidFill>
-              </a:rPr>
-              <a:t>mmWave Radar-Based Object Detection and Collision Avoidance System</a:t>
+              <a:rPr lang="en-US" sz="3100" dirty="0" err="1"/>
+              <a:t>mmWave</a:t>
             </a:r>
-          </a:p>
-        </p:txBody>
-      </p:sp>
-      <p:sp>
-        <p:nvSpPr>
-          <p:cNvPr id="22" name="Rectangle 21">
-            <a:extLst>
-              <a:ext uri="{FF2B5EF4-FFF2-40B4-BE49-F238E27FC236}">
-                <a16:creationId xmlns:a16="http://schemas.microsoft.com/office/drawing/2014/main" id="{8C516CC8-80AC-446C-A56E-9F54B7210402}"/>
-              </a:ext>
-              <a:ext uri="{C183D7F6-B498-43B3-948B-1728B52AA6E4}">
-                <adec:decorative xmlns:adec="http://schemas.microsoft.com/office/drawing/2017/decorative" val="1"/>
-              </a:ext>
-            </a:extLst>
-          </p:cNvPr>
-          <p:cNvSpPr>
-            <a:spLocks noGrp="1" noRot="1" noChangeAspect="1" noMove="1" noResize="1" noEditPoints="1" noAdjustHandles="1" noChangeArrowheads="1" noChangeShapeType="1" noTextEdit="1"/>
-          </p:cNvSpPr>
-          <p:nvPr>
-            <p:extLst>
-              <p:ext uri="{386F3935-93C4-4BCD-93E2-E3B085C9AB24}">
-                <p16:designElem xmlns:p16="http://schemas.microsoft.com/office/powerpoint/2015/main" val="1"/>
-              </p:ext>
-            </p:extLst>
-          </p:nvPr>
-        </p:nvSpPr>
-        <p:spPr>
-          <a:xfrm flipH="1">
-            <a:off x="-2" y="4490110"/>
-            <a:ext cx="9163282" cy="2377962"/>
-          </a:xfrm>
-          <a:prstGeom prst="rect">
-            <a:avLst/>
-          </a:prstGeom>
-          <a:gradFill>
-            <a:gsLst>
-              <a:gs pos="0">
-                <a:schemeClr val="accent1">
-                  <a:lumMod val="75000"/>
-                  <a:alpha val="50000"/>
-                </a:schemeClr>
-              </a:gs>
-              <a:gs pos="99000">
-                <a:srgbClr val="000000">
-                  <a:alpha val="34000"/>
-                </a:srgbClr>
-              </a:gs>
-            </a:gsLst>
-            <a:lin ang="13200000" scaled="0"/>
-          </a:gradFill>
-          <a:ln>
-            <a:noFill/>
-          </a:ln>
-        </p:spPr>
-        <p:style>
-          <a:lnRef idx="2">
-            <a:schemeClr val="accent1">
-              <a:shade val="50000"/>
-            </a:schemeClr>
-          </a:lnRef>
-          <a:fillRef idx="1">
-            <a:schemeClr val="accent1"/>
-          </a:fillRef>
-          <a:effectRef idx="0">
-            <a:schemeClr val="accent1"/>
-          </a:effectRef>
-          <a:fontRef idx="minor">
-            <a:schemeClr val="lt1"/>
-          </a:fontRef>
-        </p:style>
-        <p:txBody>
-          <a:bodyPr rtlCol="0" anchor="ctr"/>
-          <a:lstStyle/>
-          <a:p>
-            <a:pPr algn="ctr"/>
-            <a:endParaRPr lang="en-US"/>
+            <a:r>
+              <a:rPr lang="en-US" sz="3100" dirty="0"/>
+              <a:t> Radar-Based Object Detection and Collision Avoidance System</a:t>
+            </a:r>
           </a:p>
         </p:txBody>
       </p:sp>
@@ -36065,28 +35609,23 @@
             <a:spLocks noGrp="1"/>
           </p:cNvSpPr>
           <p:nvPr>
-            <p:ph type="subTitle" idx="1"/>
+            <p:ph type="body" idx="1"/>
           </p:nvPr>
         </p:nvSpPr>
         <p:spPr>
           <a:xfrm>
-            <a:off x="3214047" y="4960961"/>
-            <a:ext cx="5291920" cy="1078054"/>
+            <a:off x="722313" y="1247775"/>
+            <a:ext cx="4265611" cy="1500187"/>
           </a:xfrm>
         </p:spPr>
         <p:txBody>
-          <a:bodyPr>
+          <a:bodyPr anchor="b">
             <a:normAutofit/>
           </a:bodyPr>
           <a:lstStyle/>
           <a:p>
-            <a:pPr algn="l"/>
             <a:r>
-              <a:rPr lang="en-US">
-                <a:solidFill>
-                  <a:srgbClr val="FFFFFF"/>
-                </a:solidFill>
-              </a:rPr>
+              <a:rPr lang="en-US" dirty="0"/>
               <a:t>Project Summary and Implementation Overview</a:t>
             </a:r>
           </a:p>
@@ -36108,369 +35647,10 @@
             <p:ph type="sldNum" sz="quarter" idx="12"/>
           </p:nvPr>
         </p:nvSpPr>
-        <p:spPr/>
-        <p:txBody>
-          <a:bodyPr/>
-          <a:lstStyle/>
-          <a:p>
-            <a:fld id="{C1FF6DA9-008F-8B48-92A6-B652298478BF}" type="slidenum">
-              <a:rPr lang="en-US" smtClean="0"/>
-              <a:t>1</a:t>
-            </a:fld>
-            <a:endParaRPr lang="en-US"/>
-          </a:p>
-        </p:txBody>
-      </p:sp>
-    </p:spTree>
-  </p:cSld>
-  <p:clrMapOvr>
-    <a:masterClrMapping/>
-  </p:clrMapOvr>
-</p:sld>
-</file>
-
-<file path=ppt/slides/slide10.xml><?xml version="1.0" encoding="utf-8"?>
-<p:sld xmlns:a="http://schemas.openxmlformats.org/drawingml/2006/main" xmlns:r="http://schemas.openxmlformats.org/officeDocument/2006/relationships" xmlns:p="http://schemas.openxmlformats.org/presentationml/2006/main">
-  <p:cSld>
-    <p:bg>
-      <p:bgPr>
-        <a:solidFill>
-          <a:schemeClr val="bg1"/>
-        </a:solidFill>
-        <a:effectLst/>
-      </p:bgPr>
-    </p:bg>
-    <p:spTree>
-      <p:nvGrpSpPr>
-        <p:cNvPr id="1" name=""/>
-        <p:cNvGrpSpPr/>
-        <p:nvPr/>
-      </p:nvGrpSpPr>
-      <p:grpSpPr>
-        <a:xfrm>
-          <a:off x="0" y="0"/>
-          <a:ext cx="0" cy="0"/>
-          <a:chOff x="0" y="0"/>
-          <a:chExt cx="0" cy="0"/>
-        </a:xfrm>
-      </p:grpSpPr>
-      <p:sp useBgFill="1">
-        <p:nvSpPr>
-          <p:cNvPr id="20" name="Rectangle 19">
-            <a:extLst>
-              <a:ext uri="{FF2B5EF4-FFF2-40B4-BE49-F238E27FC236}">
-                <a16:creationId xmlns:a16="http://schemas.microsoft.com/office/drawing/2014/main" id="{BACC6370-2D7E-4714-9D71-7542949D7D5D}"/>
-              </a:ext>
-              <a:ext uri="{C183D7F6-B498-43B3-948B-1728B52AA6E4}">
-                <adec:decorative xmlns:adec="http://schemas.microsoft.com/office/drawing/2017/decorative" val="1"/>
-              </a:ext>
-            </a:extLst>
-          </p:cNvPr>
-          <p:cNvSpPr>
-            <a:spLocks noGrp="1" noRot="1" noChangeAspect="1" noMove="1" noResize="1" noEditPoints="1" noAdjustHandles="1" noChangeArrowheads="1" noChangeShapeType="1" noTextEdit="1"/>
-          </p:cNvSpPr>
-          <p:nvPr>
-            <p:extLst>
-              <p:ext uri="{386F3935-93C4-4BCD-93E2-E3B085C9AB24}">
-                <p16:designElem xmlns:p16="http://schemas.microsoft.com/office/powerpoint/2015/main" val="1"/>
-              </p:ext>
-            </p:extLst>
-          </p:nvPr>
-        </p:nvSpPr>
         <p:spPr>
           <a:xfrm>
-            <a:off x="0" y="0"/>
-            <a:ext cx="9144000" cy="6858000"/>
-          </a:xfrm>
-          <a:prstGeom prst="rect">
-            <a:avLst/>
-          </a:prstGeom>
-          <a:ln w="12700" cap="flat" cmpd="sng" algn="ctr">
-            <a:noFill/>
-            <a:prstDash val="solid"/>
-            <a:miter lim="800000"/>
-          </a:ln>
-          <a:effectLst/>
-          <a:extLst>
-            <a:ext uri="{91240B29-F687-4F45-9708-019B960494DF}">
-              <a14:hiddenLine xmlns:a14="http://schemas.microsoft.com/office/drawing/2010/main" w="12700" cap="flat" cmpd="sng" algn="ctr">
-                <a:solidFill>
-                  <a:schemeClr val="accent1">
-                    <a:shade val="50000"/>
-                  </a:schemeClr>
-                </a:solidFill>
-                <a:prstDash val="solid"/>
-                <a:miter lim="800000"/>
-              </a14:hiddenLine>
-            </a:ext>
-          </a:extLst>
-        </p:spPr>
-        <p:style>
-          <a:lnRef idx="2">
-            <a:schemeClr val="accent1">
-              <a:shade val="50000"/>
-            </a:schemeClr>
-          </a:lnRef>
-          <a:fillRef idx="1">
-            <a:schemeClr val="accent1"/>
-          </a:fillRef>
-          <a:effectRef idx="0">
-            <a:schemeClr val="accent1"/>
-          </a:effectRef>
-          <a:fontRef idx="minor">
-            <a:schemeClr val="lt1"/>
-          </a:fontRef>
-        </p:style>
-        <p:txBody>
-          <a:bodyPr rtlCol="0" anchor="ctr"/>
-          <a:lstStyle/>
-          <a:p>
-            <a:pPr algn="ctr"/>
-            <a:endParaRPr lang="en-US"/>
-          </a:p>
-        </p:txBody>
-      </p:sp>
-      <p:sp>
-        <p:nvSpPr>
-          <p:cNvPr id="22" name="Rectangle 21">
-            <a:extLst>
-              <a:ext uri="{FF2B5EF4-FFF2-40B4-BE49-F238E27FC236}">
-                <a16:creationId xmlns:a16="http://schemas.microsoft.com/office/drawing/2014/main" id="{F68B3F68-107C-434F-AA38-110D5EA91B85}"/>
-              </a:ext>
-              <a:ext uri="{C183D7F6-B498-43B3-948B-1728B52AA6E4}">
-                <adec:decorative xmlns:adec="http://schemas.microsoft.com/office/drawing/2017/decorative" val="1"/>
-              </a:ext>
-            </a:extLst>
-          </p:cNvPr>
-          <p:cNvSpPr>
-            <a:spLocks noGrp="1" noRot="1" noChangeAspect="1" noMove="1" noResize="1" noEditPoints="1" noAdjustHandles="1" noChangeArrowheads="1" noChangeShapeType="1" noTextEdit="1"/>
-          </p:cNvSpPr>
-          <p:nvPr>
-            <p:extLst>
-              <p:ext uri="{386F3935-93C4-4BCD-93E2-E3B085C9AB24}">
-                <p16:designElem xmlns:p16="http://schemas.microsoft.com/office/powerpoint/2015/main" val="1"/>
-              </p:ext>
-            </p:extLst>
-          </p:nvPr>
-        </p:nvSpPr>
-        <p:spPr>
-          <a:xfrm flipH="1">
-            <a:off x="1" y="0"/>
-            <a:ext cx="9143999" cy="2170031"/>
-          </a:xfrm>
-          <a:prstGeom prst="rect">
-            <a:avLst/>
-          </a:prstGeom>
-          <a:gradFill>
-            <a:gsLst>
-              <a:gs pos="0">
-                <a:srgbClr val="000000">
-                  <a:alpha val="96000"/>
-                </a:srgbClr>
-              </a:gs>
-              <a:gs pos="100000">
-                <a:schemeClr val="accent1">
-                  <a:lumMod val="75000"/>
-                </a:schemeClr>
-              </a:gs>
-            </a:gsLst>
-            <a:lin ang="19800000" scaled="0"/>
-          </a:gradFill>
-          <a:ln>
-            <a:noFill/>
-          </a:ln>
-        </p:spPr>
-        <p:style>
-          <a:lnRef idx="2">
-            <a:schemeClr val="accent1">
-              <a:shade val="50000"/>
-            </a:schemeClr>
-          </a:lnRef>
-          <a:fillRef idx="1">
-            <a:schemeClr val="accent1"/>
-          </a:fillRef>
-          <a:effectRef idx="0">
-            <a:schemeClr val="accent1"/>
-          </a:effectRef>
-          <a:fontRef idx="minor">
-            <a:schemeClr val="lt1"/>
-          </a:fontRef>
-        </p:style>
-        <p:txBody>
-          <a:bodyPr rtlCol="0" anchor="ctr"/>
-          <a:lstStyle/>
-          <a:p>
-            <a:pPr algn="ctr"/>
-            <a:endParaRPr lang="en-US"/>
-          </a:p>
-        </p:txBody>
-      </p:sp>
-      <p:sp>
-        <p:nvSpPr>
-          <p:cNvPr id="24" name="Rectangle 23">
-            <a:extLst>
-              <a:ext uri="{FF2B5EF4-FFF2-40B4-BE49-F238E27FC236}">
-                <a16:creationId xmlns:a16="http://schemas.microsoft.com/office/drawing/2014/main" id="{AAD0DBB9-1A4B-4391-81D4-CB19F9AB918A}"/>
-              </a:ext>
-              <a:ext uri="{C183D7F6-B498-43B3-948B-1728B52AA6E4}">
-                <adec:decorative xmlns:adec="http://schemas.microsoft.com/office/drawing/2017/decorative" val="1"/>
-              </a:ext>
-            </a:extLst>
-          </p:cNvPr>
-          <p:cNvSpPr>
-            <a:spLocks noGrp="1" noRot="1" noChangeAspect="1" noMove="1" noResize="1" noEditPoints="1" noAdjustHandles="1" noChangeArrowheads="1" noChangeShapeType="1" noTextEdit="1"/>
-          </p:cNvSpPr>
-          <p:nvPr>
-            <p:extLst>
-              <p:ext uri="{386F3935-93C4-4BCD-93E2-E3B085C9AB24}">
-                <p16:designElem xmlns:p16="http://schemas.microsoft.com/office/powerpoint/2015/main" val="1"/>
-              </p:ext>
-            </p:extLst>
-          </p:nvPr>
-        </p:nvSpPr>
-        <p:spPr>
-          <a:xfrm flipH="1">
-            <a:off x="6062114" y="0"/>
-            <a:ext cx="3072908" cy="2170661"/>
-          </a:xfrm>
-          <a:prstGeom prst="rect">
-            <a:avLst/>
-          </a:prstGeom>
-          <a:gradFill>
-            <a:gsLst>
-              <a:gs pos="19000">
-                <a:schemeClr val="accent1">
-                  <a:lumMod val="50000"/>
-                  <a:alpha val="68000"/>
-                </a:schemeClr>
-              </a:gs>
-              <a:gs pos="100000">
-                <a:schemeClr val="accent1">
-                  <a:alpha val="48000"/>
-                </a:schemeClr>
-              </a:gs>
-            </a:gsLst>
-            <a:lin ang="19200000" scaled="0"/>
-          </a:gradFill>
-          <a:ln>
-            <a:noFill/>
-          </a:ln>
-        </p:spPr>
-        <p:style>
-          <a:lnRef idx="2">
-            <a:schemeClr val="accent1">
-              <a:shade val="50000"/>
-            </a:schemeClr>
-          </a:lnRef>
-          <a:fillRef idx="1">
-            <a:schemeClr val="accent1"/>
-          </a:fillRef>
-          <a:effectRef idx="0">
-            <a:schemeClr val="accent1"/>
-          </a:effectRef>
-          <a:fontRef idx="minor">
-            <a:schemeClr val="lt1"/>
-          </a:fontRef>
-        </p:style>
-        <p:txBody>
-          <a:bodyPr rtlCol="0" anchor="ctr"/>
-          <a:lstStyle/>
-          <a:p>
-            <a:pPr algn="ctr"/>
-            <a:endParaRPr lang="en-US"/>
-          </a:p>
-        </p:txBody>
-      </p:sp>
-      <p:sp>
-        <p:nvSpPr>
-          <p:cNvPr id="26" name="Rectangle 25">
-            <a:extLst>
-              <a:ext uri="{FF2B5EF4-FFF2-40B4-BE49-F238E27FC236}">
-                <a16:creationId xmlns:a16="http://schemas.microsoft.com/office/drawing/2014/main" id="{063BBA22-50EA-4C4D-BE05-F1CE4E63AA56}"/>
-              </a:ext>
-              <a:ext uri="{C183D7F6-B498-43B3-948B-1728B52AA6E4}">
-                <adec:decorative xmlns:adec="http://schemas.microsoft.com/office/drawing/2017/decorative" val="1"/>
-              </a:ext>
-            </a:extLst>
-          </p:cNvPr>
-          <p:cNvSpPr>
-            <a:spLocks noGrp="1" noRot="1" noChangeAspect="1" noMove="1" noResize="1" noEditPoints="1" noAdjustHandles="1" noChangeArrowheads="1" noChangeShapeType="1" noTextEdit="1"/>
-          </p:cNvSpPr>
-          <p:nvPr>
-            <p:extLst>
-              <p:ext uri="{386F3935-93C4-4BCD-93E2-E3B085C9AB24}">
-                <p16:designElem xmlns:p16="http://schemas.microsoft.com/office/powerpoint/2015/main" val="1"/>
-              </p:ext>
-            </p:extLst>
-          </p:nvPr>
-        </p:nvSpPr>
-        <p:spPr>
-          <a:xfrm rot="16200000" flipH="1">
-            <a:off x="3486646" y="-3486043"/>
-            <a:ext cx="2170709" cy="9144000"/>
-          </a:xfrm>
-          <a:prstGeom prst="rect">
-            <a:avLst/>
-          </a:prstGeom>
-          <a:gradFill>
-            <a:gsLst>
-              <a:gs pos="23000">
-                <a:schemeClr val="accent1">
-                  <a:lumMod val="75000"/>
-                  <a:alpha val="16000"/>
-                </a:schemeClr>
-              </a:gs>
-              <a:gs pos="99000">
-                <a:srgbClr val="000000">
-                  <a:alpha val="45000"/>
-                </a:srgbClr>
-              </a:gs>
-            </a:gsLst>
-            <a:lin ang="21000000" scaled="0"/>
-          </a:gradFill>
-          <a:ln>
-            <a:noFill/>
-          </a:ln>
-        </p:spPr>
-        <p:style>
-          <a:lnRef idx="2">
-            <a:schemeClr val="accent1">
-              <a:shade val="50000"/>
-            </a:schemeClr>
-          </a:lnRef>
-          <a:fillRef idx="1">
-            <a:schemeClr val="accent1"/>
-          </a:fillRef>
-          <a:effectRef idx="0">
-            <a:schemeClr val="accent1"/>
-          </a:effectRef>
-          <a:fontRef idx="minor">
-            <a:schemeClr val="lt1"/>
-          </a:fontRef>
-        </p:style>
-        <p:txBody>
-          <a:bodyPr rtlCol="0" anchor="ctr"/>
-          <a:lstStyle/>
-          <a:p>
-            <a:pPr algn="ctr"/>
-            <a:endParaRPr lang="en-US" dirty="0"/>
-          </a:p>
-        </p:txBody>
-      </p:sp>
-      <p:sp>
-        <p:nvSpPr>
-          <p:cNvPr id="2" name="Title 1"/>
-          <p:cNvSpPr>
-            <a:spLocks noGrp="1"/>
-          </p:cNvSpPr>
-          <p:nvPr>
-            <p:ph type="title"/>
-          </p:nvPr>
-        </p:nvSpPr>
-        <p:spPr>
-          <a:xfrm>
-            <a:off x="1037673" y="348865"/>
-            <a:ext cx="7288583" cy="1576446"/>
+            <a:off x="6553200" y="6356350"/>
+            <a:ext cx="2133600" cy="365125"/>
           </a:xfrm>
         </p:spPr>
         <p:txBody>
@@ -36479,1922 +35659,30 @@
           </a:bodyPr>
           <a:lstStyle/>
           <a:p>
-            <a:r>
-              <a:rPr lang="en-US" sz="3500">
-                <a:solidFill>
-                  <a:srgbClr val="FFFFFF"/>
-                </a:solidFill>
-              </a:rPr>
-              <a:t>6. Results &amp; Visualization</a:t>
-            </a:r>
-          </a:p>
-        </p:txBody>
-      </p:sp>
-      <p:graphicFrame>
-        <p:nvGraphicFramePr>
-          <p:cNvPr id="5" name="Content Placeholder 2">
-            <a:extLst>
-              <a:ext uri="{FF2B5EF4-FFF2-40B4-BE49-F238E27FC236}">
-                <a16:creationId xmlns:a16="http://schemas.microsoft.com/office/drawing/2014/main" id="{095149A2-0B14-9214-E175-B9B2AAE1D23C}"/>
-              </a:ext>
-            </a:extLst>
-          </p:cNvPr>
-          <p:cNvGraphicFramePr>
-            <a:graphicFrameLocks noGrp="1"/>
-          </p:cNvGraphicFramePr>
-          <p:nvPr>
-            <p:ph idx="1"/>
-            <p:extLst>
-              <p:ext uri="{D42A27DB-BD31-4B8C-83A1-F6EECF244321}">
-                <p14:modId xmlns:p14="http://schemas.microsoft.com/office/powerpoint/2010/main" val="837997743"/>
-              </p:ext>
-            </p:extLst>
-          </p:nvPr>
-        </p:nvGraphicFramePr>
-        <p:xfrm>
-          <a:off x="483042" y="2615979"/>
-          <a:ext cx="8195871" cy="3689405"/>
-        </p:xfrm>
-        <a:graphic>
-          <a:graphicData uri="http://schemas.openxmlformats.org/drawingml/2006/diagram">
-            <dgm:relIds xmlns:dgm="http://schemas.openxmlformats.org/drawingml/2006/diagram" xmlns:r="http://schemas.openxmlformats.org/officeDocument/2006/relationships" r:dm="rId2" r:lo="rId3" r:qs="rId4" r:cs="rId5"/>
-          </a:graphicData>
-        </a:graphic>
-      </p:graphicFrame>
-      <p:sp>
-        <p:nvSpPr>
-          <p:cNvPr id="4" name="Slide Number Placeholder 3">
-            <a:extLst>
-              <a:ext uri="{FF2B5EF4-FFF2-40B4-BE49-F238E27FC236}">
-                <a16:creationId xmlns:a16="http://schemas.microsoft.com/office/drawing/2014/main" id="{6C454BE7-2395-9BB5-F587-F8FFDA6310E8}"/>
-              </a:ext>
-            </a:extLst>
-          </p:cNvPr>
-          <p:cNvSpPr>
-            <a:spLocks noGrp="1"/>
-          </p:cNvSpPr>
-          <p:nvPr>
-            <p:ph type="sldNum" sz="quarter" idx="12"/>
-          </p:nvPr>
-        </p:nvSpPr>
-        <p:spPr/>
-        <p:txBody>
-          <a:bodyPr/>
-          <a:lstStyle/>
-          <a:p>
+            <a:pPr>
+              <a:spcAft>
+                <a:spcPts val="600"/>
+              </a:spcAft>
+            </a:pPr>
             <a:fld id="{C1FF6DA9-008F-8B48-92A6-B652298478BF}" type="slidenum">
               <a:rPr lang="en-US" smtClean="0"/>
-              <a:t>10</a:t>
+              <a:pPr>
+                <a:spcAft>
+                  <a:spcPts val="600"/>
+                </a:spcAft>
+              </a:pPr>
+              <a:t>1</a:t>
             </a:fld>
             <a:endParaRPr lang="en-US"/>
           </a:p>
         </p:txBody>
       </p:sp>
-    </p:spTree>
-  </p:cSld>
-  <p:clrMapOvr>
-    <a:masterClrMapping/>
-  </p:clrMapOvr>
-</p:sld>
-</file>
-
-<file path=ppt/slides/slide11.xml><?xml version="1.0" encoding="utf-8"?>
-<p:sld xmlns:a="http://schemas.openxmlformats.org/drawingml/2006/main" xmlns:r="http://schemas.openxmlformats.org/officeDocument/2006/relationships" xmlns:p="http://schemas.openxmlformats.org/presentationml/2006/main">
-  <p:cSld>
-    <p:bg>
-      <p:bgPr>
-        <a:solidFill>
-          <a:schemeClr val="bg1"/>
-        </a:solidFill>
-        <a:effectLst/>
-      </p:bgPr>
-    </p:bg>
-    <p:spTree>
-      <p:nvGrpSpPr>
-        <p:cNvPr id="1" name=""/>
-        <p:cNvGrpSpPr/>
-        <p:nvPr/>
-      </p:nvGrpSpPr>
-      <p:grpSpPr>
-        <a:xfrm>
-          <a:off x="0" y="0"/>
-          <a:ext cx="0" cy="0"/>
-          <a:chOff x="0" y="0"/>
-          <a:chExt cx="0" cy="0"/>
-        </a:xfrm>
-      </p:grpSpPr>
-      <p:sp useBgFill="1">
-        <p:nvSpPr>
-          <p:cNvPr id="16" name="Rectangle 15">
+      <p:pic>
+        <p:nvPicPr>
+          <p:cNvPr id="3074" name="Picture 2">
             <a:extLst>
               <a:ext uri="{FF2B5EF4-FFF2-40B4-BE49-F238E27FC236}">
-                <a16:creationId xmlns:a16="http://schemas.microsoft.com/office/drawing/2014/main" id="{BACC6370-2D7E-4714-9D71-7542949D7D5D}"/>
-              </a:ext>
-              <a:ext uri="{C183D7F6-B498-43B3-948B-1728B52AA6E4}">
-                <adec:decorative xmlns:adec="http://schemas.microsoft.com/office/drawing/2017/decorative" val="1"/>
-              </a:ext>
-            </a:extLst>
-          </p:cNvPr>
-          <p:cNvSpPr>
-            <a:spLocks noGrp="1" noRot="1" noChangeAspect="1" noMove="1" noResize="1" noEditPoints="1" noAdjustHandles="1" noChangeArrowheads="1" noChangeShapeType="1" noTextEdit="1"/>
-          </p:cNvSpPr>
-          <p:nvPr>
-            <p:extLst>
-              <p:ext uri="{386F3935-93C4-4BCD-93E2-E3B085C9AB24}">
-                <p16:designElem xmlns:p16="http://schemas.microsoft.com/office/powerpoint/2015/main" val="1"/>
-              </p:ext>
-            </p:extLst>
-          </p:nvPr>
-        </p:nvSpPr>
-        <p:spPr>
-          <a:xfrm>
-            <a:off x="0" y="0"/>
-            <a:ext cx="9144000" cy="6858000"/>
-          </a:xfrm>
-          <a:prstGeom prst="rect">
-            <a:avLst/>
-          </a:prstGeom>
-          <a:ln w="12700" cap="flat" cmpd="sng" algn="ctr">
-            <a:noFill/>
-            <a:prstDash val="solid"/>
-            <a:miter lim="800000"/>
-          </a:ln>
-          <a:effectLst/>
-          <a:extLst>
-            <a:ext uri="{91240B29-F687-4F45-9708-019B960494DF}">
-              <a14:hiddenLine xmlns:a14="http://schemas.microsoft.com/office/drawing/2010/main" w="12700" cap="flat" cmpd="sng" algn="ctr">
-                <a:solidFill>
-                  <a:schemeClr val="accent1">
-                    <a:shade val="50000"/>
-                  </a:schemeClr>
-                </a:solidFill>
-                <a:prstDash val="solid"/>
-                <a:miter lim="800000"/>
-              </a14:hiddenLine>
-            </a:ext>
-          </a:extLst>
-        </p:spPr>
-        <p:style>
-          <a:lnRef idx="2">
-            <a:schemeClr val="accent1">
-              <a:shade val="50000"/>
-            </a:schemeClr>
-          </a:lnRef>
-          <a:fillRef idx="1">
-            <a:schemeClr val="accent1"/>
-          </a:fillRef>
-          <a:effectRef idx="0">
-            <a:schemeClr val="accent1"/>
-          </a:effectRef>
-          <a:fontRef idx="minor">
-            <a:schemeClr val="lt1"/>
-          </a:fontRef>
-        </p:style>
-        <p:txBody>
-          <a:bodyPr rtlCol="0" anchor="ctr"/>
-          <a:lstStyle/>
-          <a:p>
-            <a:pPr algn="ctr"/>
-            <a:endParaRPr lang="en-US"/>
-          </a:p>
-        </p:txBody>
-      </p:sp>
-      <p:sp>
-        <p:nvSpPr>
-          <p:cNvPr id="18" name="Rectangle 17">
-            <a:extLst>
-              <a:ext uri="{FF2B5EF4-FFF2-40B4-BE49-F238E27FC236}">
-                <a16:creationId xmlns:a16="http://schemas.microsoft.com/office/drawing/2014/main" id="{F68B3F68-107C-434F-AA38-110D5EA91B85}"/>
-              </a:ext>
-              <a:ext uri="{C183D7F6-B498-43B3-948B-1728B52AA6E4}">
-                <adec:decorative xmlns:adec="http://schemas.microsoft.com/office/drawing/2017/decorative" val="1"/>
-              </a:ext>
-            </a:extLst>
-          </p:cNvPr>
-          <p:cNvSpPr>
-            <a:spLocks noGrp="1" noRot="1" noChangeAspect="1" noMove="1" noResize="1" noEditPoints="1" noAdjustHandles="1" noChangeArrowheads="1" noChangeShapeType="1" noTextEdit="1"/>
-          </p:cNvSpPr>
-          <p:nvPr>
-            <p:extLst>
-              <p:ext uri="{386F3935-93C4-4BCD-93E2-E3B085C9AB24}">
-                <p16:designElem xmlns:p16="http://schemas.microsoft.com/office/powerpoint/2015/main" val="1"/>
-              </p:ext>
-            </p:extLst>
-          </p:nvPr>
-        </p:nvSpPr>
-        <p:spPr>
-          <a:xfrm flipH="1">
-            <a:off x="1" y="0"/>
-            <a:ext cx="9143999" cy="1575955"/>
-          </a:xfrm>
-          <a:prstGeom prst="rect">
-            <a:avLst/>
-          </a:prstGeom>
-          <a:gradFill>
-            <a:gsLst>
-              <a:gs pos="0">
-                <a:srgbClr val="000000">
-                  <a:alpha val="96000"/>
-                </a:srgbClr>
-              </a:gs>
-              <a:gs pos="100000">
-                <a:schemeClr val="accent1">
-                  <a:lumMod val="75000"/>
-                </a:schemeClr>
-              </a:gs>
-            </a:gsLst>
-            <a:lin ang="8400000" scaled="0"/>
-          </a:gradFill>
-          <a:ln>
-            <a:noFill/>
-          </a:ln>
-        </p:spPr>
-        <p:style>
-          <a:lnRef idx="2">
-            <a:schemeClr val="accent1">
-              <a:shade val="50000"/>
-            </a:schemeClr>
-          </a:lnRef>
-          <a:fillRef idx="1">
-            <a:schemeClr val="accent1"/>
-          </a:fillRef>
-          <a:effectRef idx="0">
-            <a:schemeClr val="accent1"/>
-          </a:effectRef>
-          <a:fontRef idx="minor">
-            <a:schemeClr val="lt1"/>
-          </a:fontRef>
-        </p:style>
-        <p:txBody>
-          <a:bodyPr rtlCol="0" anchor="ctr"/>
-          <a:lstStyle/>
-          <a:p>
-            <a:pPr algn="ctr"/>
-            <a:endParaRPr lang="en-US"/>
-          </a:p>
-        </p:txBody>
-      </p:sp>
-      <p:sp>
-        <p:nvSpPr>
-          <p:cNvPr id="20" name="Rectangle 19">
-            <a:extLst>
-              <a:ext uri="{FF2B5EF4-FFF2-40B4-BE49-F238E27FC236}">
-                <a16:creationId xmlns:a16="http://schemas.microsoft.com/office/drawing/2014/main" id="{AAD0DBB9-1A4B-4391-81D4-CB19F9AB918A}"/>
-              </a:ext>
-              <a:ext uri="{C183D7F6-B498-43B3-948B-1728B52AA6E4}">
-                <adec:decorative xmlns:adec="http://schemas.microsoft.com/office/drawing/2017/decorative" val="1"/>
-              </a:ext>
-            </a:extLst>
-          </p:cNvPr>
-          <p:cNvSpPr>
-            <a:spLocks noGrp="1" noRot="1" noChangeAspect="1" noMove="1" noResize="1" noEditPoints="1" noAdjustHandles="1" noChangeArrowheads="1" noChangeShapeType="1" noTextEdit="1"/>
-          </p:cNvSpPr>
-          <p:nvPr>
-            <p:extLst>
-              <p:ext uri="{386F3935-93C4-4BCD-93E2-E3B085C9AB24}">
-                <p16:designElem xmlns:p16="http://schemas.microsoft.com/office/powerpoint/2015/main" val="1"/>
-              </p:ext>
-            </p:extLst>
-          </p:nvPr>
-        </p:nvSpPr>
-        <p:spPr>
-          <a:xfrm rot="10800000" flipH="1">
-            <a:off x="6096642" y="0"/>
-            <a:ext cx="3047358" cy="1576412"/>
-          </a:xfrm>
-          <a:prstGeom prst="rect">
-            <a:avLst/>
-          </a:prstGeom>
-          <a:gradFill>
-            <a:gsLst>
-              <a:gs pos="19000">
-                <a:schemeClr val="accent1">
-                  <a:lumMod val="50000"/>
-                  <a:alpha val="68000"/>
-                </a:schemeClr>
-              </a:gs>
-              <a:gs pos="100000">
-                <a:schemeClr val="accent1">
-                  <a:alpha val="79000"/>
-                </a:schemeClr>
-              </a:gs>
-            </a:gsLst>
-            <a:lin ang="19200000" scaled="0"/>
-          </a:gradFill>
-          <a:ln>
-            <a:noFill/>
-          </a:ln>
-        </p:spPr>
-        <p:style>
-          <a:lnRef idx="2">
-            <a:schemeClr val="accent1">
-              <a:shade val="50000"/>
-            </a:schemeClr>
-          </a:lnRef>
-          <a:fillRef idx="1">
-            <a:schemeClr val="accent1"/>
-          </a:fillRef>
-          <a:effectRef idx="0">
-            <a:schemeClr val="accent1"/>
-          </a:effectRef>
-          <a:fontRef idx="minor">
-            <a:schemeClr val="lt1"/>
-          </a:fontRef>
-        </p:style>
-        <p:txBody>
-          <a:bodyPr rtlCol="0" anchor="ctr"/>
-          <a:lstStyle/>
-          <a:p>
-            <a:pPr algn="ctr"/>
-            <a:endParaRPr lang="en-US"/>
-          </a:p>
-        </p:txBody>
-      </p:sp>
-      <p:sp>
-        <p:nvSpPr>
-          <p:cNvPr id="22" name="Rectangle 21">
-            <a:extLst>
-              <a:ext uri="{FF2B5EF4-FFF2-40B4-BE49-F238E27FC236}">
-                <a16:creationId xmlns:a16="http://schemas.microsoft.com/office/drawing/2014/main" id="{063BBA22-50EA-4C4D-BE05-F1CE4E63AA56}"/>
-              </a:ext>
-              <a:ext uri="{C183D7F6-B498-43B3-948B-1728B52AA6E4}">
-                <adec:decorative xmlns:adec="http://schemas.microsoft.com/office/drawing/2017/decorative" val="1"/>
-              </a:ext>
-            </a:extLst>
-          </p:cNvPr>
-          <p:cNvSpPr>
-            <a:spLocks noGrp="1" noRot="1" noChangeAspect="1" noMove="1" noResize="1" noEditPoints="1" noAdjustHandles="1" noChangeArrowheads="1" noChangeShapeType="1" noTextEdit="1"/>
-          </p:cNvSpPr>
-          <p:nvPr>
-            <p:extLst>
-              <p:ext uri="{386F3935-93C4-4BCD-93E2-E3B085C9AB24}">
-                <p16:designElem xmlns:p16="http://schemas.microsoft.com/office/powerpoint/2015/main" val="1"/>
-              </p:ext>
-            </p:extLst>
-          </p:nvPr>
-        </p:nvSpPr>
-        <p:spPr>
-          <a:xfrm rot="5400000">
-            <a:off x="3783777" y="-3783778"/>
-            <a:ext cx="1576446" cy="9144002"/>
-          </a:xfrm>
-          <a:prstGeom prst="rect">
-            <a:avLst/>
-          </a:prstGeom>
-          <a:gradFill>
-            <a:gsLst>
-              <a:gs pos="23000">
-                <a:schemeClr val="accent1">
-                  <a:alpha val="0"/>
-                </a:schemeClr>
-              </a:gs>
-              <a:gs pos="99000">
-                <a:srgbClr val="000000">
-                  <a:alpha val="74000"/>
-                </a:srgbClr>
-              </a:gs>
-            </a:gsLst>
-            <a:lin ang="20400000" scaled="0"/>
-          </a:gradFill>
-          <a:ln>
-            <a:noFill/>
-          </a:ln>
-        </p:spPr>
-        <p:style>
-          <a:lnRef idx="2">
-            <a:schemeClr val="accent1">
-              <a:shade val="50000"/>
-            </a:schemeClr>
-          </a:lnRef>
-          <a:fillRef idx="1">
-            <a:schemeClr val="accent1"/>
-          </a:fillRef>
-          <a:effectRef idx="0">
-            <a:schemeClr val="accent1"/>
-          </a:effectRef>
-          <a:fontRef idx="minor">
-            <a:schemeClr val="lt1"/>
-          </a:fontRef>
-        </p:style>
-        <p:txBody>
-          <a:bodyPr rtlCol="0" anchor="ctr"/>
-          <a:lstStyle/>
-          <a:p>
-            <a:pPr algn="ctr"/>
-            <a:endParaRPr lang="en-US" dirty="0"/>
-          </a:p>
-        </p:txBody>
-      </p:sp>
-      <p:sp>
-        <p:nvSpPr>
-          <p:cNvPr id="2" name="Title 1"/>
-          <p:cNvSpPr>
-            <a:spLocks noGrp="1"/>
-          </p:cNvSpPr>
-          <p:nvPr>
-            <p:ph type="title"/>
-          </p:nvPr>
-        </p:nvSpPr>
-        <p:spPr>
-          <a:xfrm>
-            <a:off x="1028697" y="348865"/>
-            <a:ext cx="7533018" cy="877729"/>
-          </a:xfrm>
-        </p:spPr>
-        <p:txBody>
-          <a:bodyPr anchor="ctr">
-            <a:normAutofit/>
-          </a:bodyPr>
-          <a:lstStyle/>
-          <a:p>
-            <a:r>
-              <a:rPr lang="en-US" sz="3500">
-                <a:solidFill>
-                  <a:srgbClr val="FFFFFF"/>
-                </a:solidFill>
-              </a:rPr>
-              <a:t>7. Future Improvements</a:t>
-            </a:r>
-          </a:p>
-        </p:txBody>
-      </p:sp>
-      <p:graphicFrame>
-        <p:nvGraphicFramePr>
-          <p:cNvPr id="5" name="Content Placeholder 2">
-            <a:extLst>
-              <a:ext uri="{FF2B5EF4-FFF2-40B4-BE49-F238E27FC236}">
-                <a16:creationId xmlns:a16="http://schemas.microsoft.com/office/drawing/2014/main" id="{F66632CC-1E54-D776-0583-1F72E53F2048}"/>
-              </a:ext>
-            </a:extLst>
-          </p:cNvPr>
-          <p:cNvGraphicFramePr>
-            <a:graphicFrameLocks noGrp="1"/>
-          </p:cNvGraphicFramePr>
-          <p:nvPr>
-            <p:ph idx="1"/>
-            <p:extLst>
-              <p:ext uri="{D42A27DB-BD31-4B8C-83A1-F6EECF244321}">
-                <p14:modId xmlns:p14="http://schemas.microsoft.com/office/powerpoint/2010/main" val="3530918824"/>
-              </p:ext>
-            </p:extLst>
-          </p:nvPr>
-        </p:nvGraphicFramePr>
-        <p:xfrm>
-          <a:off x="483042" y="2112579"/>
-          <a:ext cx="8195871" cy="4192805"/>
-        </p:xfrm>
-        <a:graphic>
-          <a:graphicData uri="http://schemas.openxmlformats.org/drawingml/2006/diagram">
-            <dgm:relIds xmlns:dgm="http://schemas.openxmlformats.org/drawingml/2006/diagram" xmlns:r="http://schemas.openxmlformats.org/officeDocument/2006/relationships" r:dm="rId2" r:lo="rId3" r:qs="rId4" r:cs="rId5"/>
-          </a:graphicData>
-        </a:graphic>
-      </p:graphicFrame>
-      <p:sp>
-        <p:nvSpPr>
-          <p:cNvPr id="4" name="Slide Number Placeholder 3">
-            <a:extLst>
-              <a:ext uri="{FF2B5EF4-FFF2-40B4-BE49-F238E27FC236}">
-                <a16:creationId xmlns:a16="http://schemas.microsoft.com/office/drawing/2014/main" id="{9D04F214-800C-310B-7281-EBEEC3BA47D2}"/>
-              </a:ext>
-            </a:extLst>
-          </p:cNvPr>
-          <p:cNvSpPr>
-            <a:spLocks noGrp="1"/>
-          </p:cNvSpPr>
-          <p:nvPr>
-            <p:ph type="sldNum" sz="quarter" idx="12"/>
-          </p:nvPr>
-        </p:nvSpPr>
-        <p:spPr/>
-        <p:txBody>
-          <a:bodyPr/>
-          <a:lstStyle/>
-          <a:p>
-            <a:fld id="{C1FF6DA9-008F-8B48-92A6-B652298478BF}" type="slidenum">
-              <a:rPr lang="en-US" smtClean="0"/>
-              <a:t>11</a:t>
-            </a:fld>
-            <a:endParaRPr lang="en-US"/>
-          </a:p>
-        </p:txBody>
-      </p:sp>
-    </p:spTree>
-  </p:cSld>
-  <p:clrMapOvr>
-    <a:masterClrMapping/>
-  </p:clrMapOvr>
-</p:sld>
-</file>
-
-<file path=ppt/slides/slide12.xml><?xml version="1.0" encoding="utf-8"?>
-<p:sld xmlns:a="http://schemas.openxmlformats.org/drawingml/2006/main" xmlns:r="http://schemas.openxmlformats.org/officeDocument/2006/relationships" xmlns:p="http://schemas.openxmlformats.org/presentationml/2006/main">
-  <p:cSld>
-    <p:bg>
-      <p:bgPr>
-        <a:solidFill>
-          <a:schemeClr val="bg1"/>
-        </a:solidFill>
-        <a:effectLst/>
-      </p:bgPr>
-    </p:bg>
-    <p:spTree>
-      <p:nvGrpSpPr>
-        <p:cNvPr id="1" name=""/>
-        <p:cNvGrpSpPr/>
-        <p:nvPr/>
-      </p:nvGrpSpPr>
-      <p:grpSpPr>
-        <a:xfrm>
-          <a:off x="0" y="0"/>
-          <a:ext cx="0" cy="0"/>
-          <a:chOff x="0" y="0"/>
-          <a:chExt cx="0" cy="0"/>
-        </a:xfrm>
-      </p:grpSpPr>
-      <p:sp useBgFill="1">
-        <p:nvSpPr>
-          <p:cNvPr id="9" name="Rectangle 8">
-            <a:extLst>
-              <a:ext uri="{FF2B5EF4-FFF2-40B4-BE49-F238E27FC236}">
-                <a16:creationId xmlns:a16="http://schemas.microsoft.com/office/drawing/2014/main" id="{BACC6370-2D7E-4714-9D71-7542949D7D5D}"/>
-              </a:ext>
-              <a:ext uri="{C183D7F6-B498-43B3-948B-1728B52AA6E4}">
-                <adec:decorative xmlns:adec="http://schemas.microsoft.com/office/drawing/2017/decorative" val="1"/>
-              </a:ext>
-            </a:extLst>
-          </p:cNvPr>
-          <p:cNvSpPr>
-            <a:spLocks noGrp="1" noRot="1" noChangeAspect="1" noMove="1" noResize="1" noEditPoints="1" noAdjustHandles="1" noChangeArrowheads="1" noChangeShapeType="1" noTextEdit="1"/>
-          </p:cNvSpPr>
-          <p:nvPr>
-            <p:extLst>
-              <p:ext uri="{386F3935-93C4-4BCD-93E2-E3B085C9AB24}">
-                <p16:designElem xmlns:p16="http://schemas.microsoft.com/office/powerpoint/2015/main" val="1"/>
-              </p:ext>
-            </p:extLst>
-          </p:nvPr>
-        </p:nvSpPr>
-        <p:spPr>
-          <a:xfrm>
-            <a:off x="0" y="0"/>
-            <a:ext cx="9144000" cy="6858000"/>
-          </a:xfrm>
-          <a:prstGeom prst="rect">
-            <a:avLst/>
-          </a:prstGeom>
-          <a:ln w="12700" cap="flat" cmpd="sng" algn="ctr">
-            <a:noFill/>
-            <a:prstDash val="solid"/>
-            <a:miter lim="800000"/>
-          </a:ln>
-          <a:effectLst/>
-          <a:extLst>
-            <a:ext uri="{91240B29-F687-4F45-9708-019B960494DF}">
-              <a14:hiddenLine xmlns:a14="http://schemas.microsoft.com/office/drawing/2010/main" w="12700" cap="flat" cmpd="sng" algn="ctr">
-                <a:solidFill>
-                  <a:schemeClr val="accent1">
-                    <a:shade val="50000"/>
-                  </a:schemeClr>
-                </a:solidFill>
-                <a:prstDash val="solid"/>
-                <a:miter lim="800000"/>
-              </a14:hiddenLine>
-            </a:ext>
-          </a:extLst>
-        </p:spPr>
-        <p:style>
-          <a:lnRef idx="2">
-            <a:schemeClr val="accent1">
-              <a:shade val="50000"/>
-            </a:schemeClr>
-          </a:lnRef>
-          <a:fillRef idx="1">
-            <a:schemeClr val="accent1"/>
-          </a:fillRef>
-          <a:effectRef idx="0">
-            <a:schemeClr val="accent1"/>
-          </a:effectRef>
-          <a:fontRef idx="minor">
-            <a:schemeClr val="lt1"/>
-          </a:fontRef>
-        </p:style>
-        <p:txBody>
-          <a:bodyPr rtlCol="0" anchor="ctr"/>
-          <a:lstStyle/>
-          <a:p>
-            <a:pPr algn="ctr"/>
-            <a:endParaRPr lang="en-US"/>
-          </a:p>
-        </p:txBody>
-      </p:sp>
-      <p:sp>
-        <p:nvSpPr>
-          <p:cNvPr id="11" name="Rectangle 10">
-            <a:extLst>
-              <a:ext uri="{FF2B5EF4-FFF2-40B4-BE49-F238E27FC236}">
-                <a16:creationId xmlns:a16="http://schemas.microsoft.com/office/drawing/2014/main" id="{F68B3F68-107C-434F-AA38-110D5EA91B85}"/>
-              </a:ext>
-              <a:ext uri="{C183D7F6-B498-43B3-948B-1728B52AA6E4}">
-                <adec:decorative xmlns:adec="http://schemas.microsoft.com/office/drawing/2017/decorative" val="1"/>
-              </a:ext>
-            </a:extLst>
-          </p:cNvPr>
-          <p:cNvSpPr>
-            <a:spLocks noGrp="1" noRot="1" noChangeAspect="1" noMove="1" noResize="1" noEditPoints="1" noAdjustHandles="1" noChangeArrowheads="1" noChangeShapeType="1" noTextEdit="1"/>
-          </p:cNvSpPr>
-          <p:nvPr>
-            <p:extLst>
-              <p:ext uri="{386F3935-93C4-4BCD-93E2-E3B085C9AB24}">
-                <p16:designElem xmlns:p16="http://schemas.microsoft.com/office/powerpoint/2015/main" val="1"/>
-              </p:ext>
-            </p:extLst>
-          </p:nvPr>
-        </p:nvSpPr>
-        <p:spPr>
-          <a:xfrm flipH="1">
-            <a:off x="1" y="0"/>
-            <a:ext cx="9143999" cy="1575955"/>
-          </a:xfrm>
-          <a:prstGeom prst="rect">
-            <a:avLst/>
-          </a:prstGeom>
-          <a:gradFill>
-            <a:gsLst>
-              <a:gs pos="0">
-                <a:srgbClr val="000000">
-                  <a:alpha val="96000"/>
-                </a:srgbClr>
-              </a:gs>
-              <a:gs pos="100000">
-                <a:schemeClr val="accent1">
-                  <a:lumMod val="75000"/>
-                </a:schemeClr>
-              </a:gs>
-            </a:gsLst>
-            <a:lin ang="8400000" scaled="0"/>
-          </a:gradFill>
-          <a:ln>
-            <a:noFill/>
-          </a:ln>
-        </p:spPr>
-        <p:style>
-          <a:lnRef idx="2">
-            <a:schemeClr val="accent1">
-              <a:shade val="50000"/>
-            </a:schemeClr>
-          </a:lnRef>
-          <a:fillRef idx="1">
-            <a:schemeClr val="accent1"/>
-          </a:fillRef>
-          <a:effectRef idx="0">
-            <a:schemeClr val="accent1"/>
-          </a:effectRef>
-          <a:fontRef idx="minor">
-            <a:schemeClr val="lt1"/>
-          </a:fontRef>
-        </p:style>
-        <p:txBody>
-          <a:bodyPr rtlCol="0" anchor="ctr"/>
-          <a:lstStyle/>
-          <a:p>
-            <a:pPr algn="ctr"/>
-            <a:endParaRPr lang="en-US"/>
-          </a:p>
-        </p:txBody>
-      </p:sp>
-      <p:sp>
-        <p:nvSpPr>
-          <p:cNvPr id="13" name="Rectangle 12">
-            <a:extLst>
-              <a:ext uri="{FF2B5EF4-FFF2-40B4-BE49-F238E27FC236}">
-                <a16:creationId xmlns:a16="http://schemas.microsoft.com/office/drawing/2014/main" id="{AAD0DBB9-1A4B-4391-81D4-CB19F9AB918A}"/>
-              </a:ext>
-              <a:ext uri="{C183D7F6-B498-43B3-948B-1728B52AA6E4}">
-                <adec:decorative xmlns:adec="http://schemas.microsoft.com/office/drawing/2017/decorative" val="1"/>
-              </a:ext>
-            </a:extLst>
-          </p:cNvPr>
-          <p:cNvSpPr>
-            <a:spLocks noGrp="1" noRot="1" noChangeAspect="1" noMove="1" noResize="1" noEditPoints="1" noAdjustHandles="1" noChangeArrowheads="1" noChangeShapeType="1" noTextEdit="1"/>
-          </p:cNvSpPr>
-          <p:nvPr>
-            <p:extLst>
-              <p:ext uri="{386F3935-93C4-4BCD-93E2-E3B085C9AB24}">
-                <p16:designElem xmlns:p16="http://schemas.microsoft.com/office/powerpoint/2015/main" val="1"/>
-              </p:ext>
-            </p:extLst>
-          </p:nvPr>
-        </p:nvSpPr>
-        <p:spPr>
-          <a:xfrm rot="10800000" flipH="1">
-            <a:off x="6096642" y="0"/>
-            <a:ext cx="3047358" cy="1576412"/>
-          </a:xfrm>
-          <a:prstGeom prst="rect">
-            <a:avLst/>
-          </a:prstGeom>
-          <a:gradFill>
-            <a:gsLst>
-              <a:gs pos="19000">
-                <a:schemeClr val="accent1">
-                  <a:lumMod val="50000"/>
-                  <a:alpha val="68000"/>
-                </a:schemeClr>
-              </a:gs>
-              <a:gs pos="100000">
-                <a:schemeClr val="accent1">
-                  <a:alpha val="79000"/>
-                </a:schemeClr>
-              </a:gs>
-            </a:gsLst>
-            <a:lin ang="19200000" scaled="0"/>
-          </a:gradFill>
-          <a:ln>
-            <a:noFill/>
-          </a:ln>
-        </p:spPr>
-        <p:style>
-          <a:lnRef idx="2">
-            <a:schemeClr val="accent1">
-              <a:shade val="50000"/>
-            </a:schemeClr>
-          </a:lnRef>
-          <a:fillRef idx="1">
-            <a:schemeClr val="accent1"/>
-          </a:fillRef>
-          <a:effectRef idx="0">
-            <a:schemeClr val="accent1"/>
-          </a:effectRef>
-          <a:fontRef idx="minor">
-            <a:schemeClr val="lt1"/>
-          </a:fontRef>
-        </p:style>
-        <p:txBody>
-          <a:bodyPr rtlCol="0" anchor="ctr"/>
-          <a:lstStyle/>
-          <a:p>
-            <a:pPr algn="ctr"/>
-            <a:endParaRPr lang="en-US"/>
-          </a:p>
-        </p:txBody>
-      </p:sp>
-      <p:sp>
-        <p:nvSpPr>
-          <p:cNvPr id="15" name="Rectangle 14">
-            <a:extLst>
-              <a:ext uri="{FF2B5EF4-FFF2-40B4-BE49-F238E27FC236}">
-                <a16:creationId xmlns:a16="http://schemas.microsoft.com/office/drawing/2014/main" id="{063BBA22-50EA-4C4D-BE05-F1CE4E63AA56}"/>
-              </a:ext>
-              <a:ext uri="{C183D7F6-B498-43B3-948B-1728B52AA6E4}">
-                <adec:decorative xmlns:adec="http://schemas.microsoft.com/office/drawing/2017/decorative" val="1"/>
-              </a:ext>
-            </a:extLst>
-          </p:cNvPr>
-          <p:cNvSpPr>
-            <a:spLocks noGrp="1" noRot="1" noChangeAspect="1" noMove="1" noResize="1" noEditPoints="1" noAdjustHandles="1" noChangeArrowheads="1" noChangeShapeType="1" noTextEdit="1"/>
-          </p:cNvSpPr>
-          <p:nvPr>
-            <p:extLst>
-              <p:ext uri="{386F3935-93C4-4BCD-93E2-E3B085C9AB24}">
-                <p16:designElem xmlns:p16="http://schemas.microsoft.com/office/powerpoint/2015/main" val="1"/>
-              </p:ext>
-            </p:extLst>
-          </p:nvPr>
-        </p:nvSpPr>
-        <p:spPr>
-          <a:xfrm rot="5400000">
-            <a:off x="3783777" y="-3783778"/>
-            <a:ext cx="1576446" cy="9144002"/>
-          </a:xfrm>
-          <a:prstGeom prst="rect">
-            <a:avLst/>
-          </a:prstGeom>
-          <a:gradFill>
-            <a:gsLst>
-              <a:gs pos="23000">
-                <a:schemeClr val="accent1">
-                  <a:alpha val="0"/>
-                </a:schemeClr>
-              </a:gs>
-              <a:gs pos="99000">
-                <a:srgbClr val="000000">
-                  <a:alpha val="74000"/>
-                </a:srgbClr>
-              </a:gs>
-            </a:gsLst>
-            <a:lin ang="20400000" scaled="0"/>
-          </a:gradFill>
-          <a:ln>
-            <a:noFill/>
-          </a:ln>
-        </p:spPr>
-        <p:style>
-          <a:lnRef idx="2">
-            <a:schemeClr val="accent1">
-              <a:shade val="50000"/>
-            </a:schemeClr>
-          </a:lnRef>
-          <a:fillRef idx="1">
-            <a:schemeClr val="accent1"/>
-          </a:fillRef>
-          <a:effectRef idx="0">
-            <a:schemeClr val="accent1"/>
-          </a:effectRef>
-          <a:fontRef idx="minor">
-            <a:schemeClr val="lt1"/>
-          </a:fontRef>
-        </p:style>
-        <p:txBody>
-          <a:bodyPr rtlCol="0" anchor="ctr"/>
-          <a:lstStyle/>
-          <a:p>
-            <a:pPr algn="ctr"/>
-            <a:endParaRPr lang="en-US" dirty="0"/>
-          </a:p>
-        </p:txBody>
-      </p:sp>
-      <p:sp>
-        <p:nvSpPr>
-          <p:cNvPr id="2" name="Title 1">
-            <a:extLst>
-              <a:ext uri="{FF2B5EF4-FFF2-40B4-BE49-F238E27FC236}">
-                <a16:creationId xmlns:a16="http://schemas.microsoft.com/office/drawing/2014/main" id="{A9134369-CA75-FF7E-80F8-F42AA0854E6A}"/>
-              </a:ext>
-            </a:extLst>
-          </p:cNvPr>
-          <p:cNvSpPr>
-            <a:spLocks noGrp="1"/>
-          </p:cNvSpPr>
-          <p:nvPr>
-            <p:ph type="title"/>
-          </p:nvPr>
-        </p:nvSpPr>
-        <p:spPr>
-          <a:xfrm>
-            <a:off x="1028697" y="348865"/>
-            <a:ext cx="7533018" cy="877729"/>
-          </a:xfrm>
-        </p:spPr>
-        <p:txBody>
-          <a:bodyPr anchor="ctr">
-            <a:normAutofit/>
-          </a:bodyPr>
-          <a:lstStyle/>
-          <a:p>
-            <a:r>
-              <a:rPr lang="en-US" sz="3500" b="1" i="0">
-                <a:solidFill>
-                  <a:srgbClr val="FFFFFF"/>
-                </a:solidFill>
-                <a:effectLst/>
-                <a:latin typeface="ui-sans-serif"/>
-              </a:rPr>
-              <a:t>Potential Challenges</a:t>
-            </a:r>
-            <a:endParaRPr lang="en-US" sz="3500">
-              <a:solidFill>
-                <a:srgbClr val="FFFFFF"/>
-              </a:solidFill>
-            </a:endParaRPr>
-          </a:p>
-        </p:txBody>
-      </p:sp>
-      <p:graphicFrame>
-        <p:nvGraphicFramePr>
-          <p:cNvPr id="5" name="Content Placeholder 2">
-            <a:extLst>
-              <a:ext uri="{FF2B5EF4-FFF2-40B4-BE49-F238E27FC236}">
-                <a16:creationId xmlns:a16="http://schemas.microsoft.com/office/drawing/2014/main" id="{77D20EAE-1145-5800-49C2-5FFAAC33A217}"/>
-              </a:ext>
-            </a:extLst>
-          </p:cNvPr>
-          <p:cNvGraphicFramePr>
-            <a:graphicFrameLocks noGrp="1"/>
-          </p:cNvGraphicFramePr>
-          <p:nvPr>
-            <p:ph idx="1"/>
-            <p:extLst>
-              <p:ext uri="{D42A27DB-BD31-4B8C-83A1-F6EECF244321}">
-                <p14:modId xmlns:p14="http://schemas.microsoft.com/office/powerpoint/2010/main" val="3620390643"/>
-              </p:ext>
-            </p:extLst>
-          </p:nvPr>
-        </p:nvGraphicFramePr>
-        <p:xfrm>
-          <a:off x="483042" y="2112579"/>
-          <a:ext cx="8195871" cy="4192805"/>
-        </p:xfrm>
-        <a:graphic>
-          <a:graphicData uri="http://schemas.openxmlformats.org/drawingml/2006/diagram">
-            <dgm:relIds xmlns:dgm="http://schemas.openxmlformats.org/drawingml/2006/diagram" xmlns:r="http://schemas.openxmlformats.org/officeDocument/2006/relationships" r:dm="rId2" r:lo="rId3" r:qs="rId4" r:cs="rId5"/>
-          </a:graphicData>
-        </a:graphic>
-      </p:graphicFrame>
-      <p:sp>
-        <p:nvSpPr>
-          <p:cNvPr id="4" name="Slide Number Placeholder 3">
-            <a:extLst>
-              <a:ext uri="{FF2B5EF4-FFF2-40B4-BE49-F238E27FC236}">
-                <a16:creationId xmlns:a16="http://schemas.microsoft.com/office/drawing/2014/main" id="{94F7DBB1-A153-4666-3DEA-3A101F79046E}"/>
-              </a:ext>
-            </a:extLst>
-          </p:cNvPr>
-          <p:cNvSpPr>
-            <a:spLocks noGrp="1"/>
-          </p:cNvSpPr>
-          <p:nvPr>
-            <p:ph type="sldNum" sz="quarter" idx="12"/>
-          </p:nvPr>
-        </p:nvSpPr>
-        <p:spPr/>
-        <p:txBody>
-          <a:bodyPr/>
-          <a:lstStyle/>
-          <a:p>
-            <a:fld id="{C1FF6DA9-008F-8B48-92A6-B652298478BF}" type="slidenum">
-              <a:rPr lang="en-US" smtClean="0"/>
-              <a:t>12</a:t>
-            </a:fld>
-            <a:endParaRPr lang="en-US"/>
-          </a:p>
-        </p:txBody>
-      </p:sp>
-    </p:spTree>
-    <p:extLst>
-      <p:ext uri="{BB962C8B-B14F-4D97-AF65-F5344CB8AC3E}">
-        <p14:creationId xmlns:p14="http://schemas.microsoft.com/office/powerpoint/2010/main" val="2673572258"/>
-      </p:ext>
-    </p:extLst>
-  </p:cSld>
-  <p:clrMapOvr>
-    <a:masterClrMapping/>
-  </p:clrMapOvr>
-</p:sld>
-</file>
-
-<file path=ppt/slides/slide13.xml><?xml version="1.0" encoding="utf-8"?>
-<p:sld xmlns:a="http://schemas.openxmlformats.org/drawingml/2006/main" xmlns:r="http://schemas.openxmlformats.org/officeDocument/2006/relationships" xmlns:p="http://schemas.openxmlformats.org/presentationml/2006/main">
-  <p:cSld>
-    <p:bg>
-      <p:bgPr>
-        <a:solidFill>
-          <a:schemeClr val="bg1"/>
-        </a:solidFill>
-        <a:effectLst/>
-      </p:bgPr>
-    </p:bg>
-    <p:spTree>
-      <p:nvGrpSpPr>
-        <p:cNvPr id="1" name=""/>
-        <p:cNvGrpSpPr/>
-        <p:nvPr/>
-      </p:nvGrpSpPr>
-      <p:grpSpPr>
-        <a:xfrm>
-          <a:off x="0" y="0"/>
-          <a:ext cx="0" cy="0"/>
-          <a:chOff x="0" y="0"/>
-          <a:chExt cx="0" cy="0"/>
-        </a:xfrm>
-      </p:grpSpPr>
-      <p:sp useBgFill="1">
-        <p:nvSpPr>
-          <p:cNvPr id="16" name="Rectangle 15">
-            <a:extLst>
-              <a:ext uri="{FF2B5EF4-FFF2-40B4-BE49-F238E27FC236}">
-                <a16:creationId xmlns:a16="http://schemas.microsoft.com/office/drawing/2014/main" id="{BACC6370-2D7E-4714-9D71-7542949D7D5D}"/>
-              </a:ext>
-              <a:ext uri="{C183D7F6-B498-43B3-948B-1728B52AA6E4}">
-                <adec:decorative xmlns:adec="http://schemas.microsoft.com/office/drawing/2017/decorative" val="1"/>
-              </a:ext>
-            </a:extLst>
-          </p:cNvPr>
-          <p:cNvSpPr>
-            <a:spLocks noGrp="1" noRot="1" noChangeAspect="1" noMove="1" noResize="1" noEditPoints="1" noAdjustHandles="1" noChangeArrowheads="1" noChangeShapeType="1" noTextEdit="1"/>
-          </p:cNvSpPr>
-          <p:nvPr>
-            <p:extLst>
-              <p:ext uri="{386F3935-93C4-4BCD-93E2-E3B085C9AB24}">
-                <p16:designElem xmlns:p16="http://schemas.microsoft.com/office/powerpoint/2015/main" val="1"/>
-              </p:ext>
-            </p:extLst>
-          </p:nvPr>
-        </p:nvSpPr>
-        <p:spPr>
-          <a:xfrm>
-            <a:off x="0" y="0"/>
-            <a:ext cx="9144000" cy="6858000"/>
-          </a:xfrm>
-          <a:prstGeom prst="rect">
-            <a:avLst/>
-          </a:prstGeom>
-          <a:ln w="12700" cap="flat" cmpd="sng" algn="ctr">
-            <a:noFill/>
-            <a:prstDash val="solid"/>
-            <a:miter lim="800000"/>
-          </a:ln>
-          <a:effectLst/>
-          <a:extLst>
-            <a:ext uri="{91240B29-F687-4F45-9708-019B960494DF}">
-              <a14:hiddenLine xmlns:a14="http://schemas.microsoft.com/office/drawing/2010/main" w="12700" cap="flat" cmpd="sng" algn="ctr">
-                <a:solidFill>
-                  <a:schemeClr val="accent1">
-                    <a:shade val="50000"/>
-                  </a:schemeClr>
-                </a:solidFill>
-                <a:prstDash val="solid"/>
-                <a:miter lim="800000"/>
-              </a14:hiddenLine>
-            </a:ext>
-          </a:extLst>
-        </p:spPr>
-        <p:style>
-          <a:lnRef idx="2">
-            <a:schemeClr val="accent1">
-              <a:shade val="50000"/>
-            </a:schemeClr>
-          </a:lnRef>
-          <a:fillRef idx="1">
-            <a:schemeClr val="accent1"/>
-          </a:fillRef>
-          <a:effectRef idx="0">
-            <a:schemeClr val="accent1"/>
-          </a:effectRef>
-          <a:fontRef idx="minor">
-            <a:schemeClr val="lt1"/>
-          </a:fontRef>
-        </p:style>
-        <p:txBody>
-          <a:bodyPr rtlCol="0" anchor="ctr"/>
-          <a:lstStyle/>
-          <a:p>
-            <a:pPr algn="ctr"/>
-            <a:endParaRPr lang="en-US"/>
-          </a:p>
-        </p:txBody>
-      </p:sp>
-      <p:sp>
-        <p:nvSpPr>
-          <p:cNvPr id="18" name="Rectangle 17">
-            <a:extLst>
-              <a:ext uri="{FF2B5EF4-FFF2-40B4-BE49-F238E27FC236}">
-                <a16:creationId xmlns:a16="http://schemas.microsoft.com/office/drawing/2014/main" id="{F68B3F68-107C-434F-AA38-110D5EA91B85}"/>
-              </a:ext>
-              <a:ext uri="{C183D7F6-B498-43B3-948B-1728B52AA6E4}">
-                <adec:decorative xmlns:adec="http://schemas.microsoft.com/office/drawing/2017/decorative" val="1"/>
-              </a:ext>
-            </a:extLst>
-          </p:cNvPr>
-          <p:cNvSpPr>
-            <a:spLocks noGrp="1" noRot="1" noChangeAspect="1" noMove="1" noResize="1" noEditPoints="1" noAdjustHandles="1" noChangeArrowheads="1" noChangeShapeType="1" noTextEdit="1"/>
-          </p:cNvSpPr>
-          <p:nvPr>
-            <p:extLst>
-              <p:ext uri="{386F3935-93C4-4BCD-93E2-E3B085C9AB24}">
-                <p16:designElem xmlns:p16="http://schemas.microsoft.com/office/powerpoint/2015/main" val="1"/>
-              </p:ext>
-            </p:extLst>
-          </p:nvPr>
-        </p:nvSpPr>
-        <p:spPr>
-          <a:xfrm flipH="1">
-            <a:off x="1" y="0"/>
-            <a:ext cx="9143999" cy="2170031"/>
-          </a:xfrm>
-          <a:prstGeom prst="rect">
-            <a:avLst/>
-          </a:prstGeom>
-          <a:gradFill>
-            <a:gsLst>
-              <a:gs pos="0">
-                <a:srgbClr val="000000">
-                  <a:alpha val="96000"/>
-                </a:srgbClr>
-              </a:gs>
-              <a:gs pos="100000">
-                <a:schemeClr val="accent1">
-                  <a:lumMod val="75000"/>
-                </a:schemeClr>
-              </a:gs>
-            </a:gsLst>
-            <a:lin ang="19800000" scaled="0"/>
-          </a:gradFill>
-          <a:ln>
-            <a:noFill/>
-          </a:ln>
-        </p:spPr>
-        <p:style>
-          <a:lnRef idx="2">
-            <a:schemeClr val="accent1">
-              <a:shade val="50000"/>
-            </a:schemeClr>
-          </a:lnRef>
-          <a:fillRef idx="1">
-            <a:schemeClr val="accent1"/>
-          </a:fillRef>
-          <a:effectRef idx="0">
-            <a:schemeClr val="accent1"/>
-          </a:effectRef>
-          <a:fontRef idx="minor">
-            <a:schemeClr val="lt1"/>
-          </a:fontRef>
-        </p:style>
-        <p:txBody>
-          <a:bodyPr rtlCol="0" anchor="ctr"/>
-          <a:lstStyle/>
-          <a:p>
-            <a:pPr algn="ctr"/>
-            <a:endParaRPr lang="en-US"/>
-          </a:p>
-        </p:txBody>
-      </p:sp>
-      <p:sp>
-        <p:nvSpPr>
-          <p:cNvPr id="20" name="Rectangle 19">
-            <a:extLst>
-              <a:ext uri="{FF2B5EF4-FFF2-40B4-BE49-F238E27FC236}">
-                <a16:creationId xmlns:a16="http://schemas.microsoft.com/office/drawing/2014/main" id="{AAD0DBB9-1A4B-4391-81D4-CB19F9AB918A}"/>
-              </a:ext>
-              <a:ext uri="{C183D7F6-B498-43B3-948B-1728B52AA6E4}">
-                <adec:decorative xmlns:adec="http://schemas.microsoft.com/office/drawing/2017/decorative" val="1"/>
-              </a:ext>
-            </a:extLst>
-          </p:cNvPr>
-          <p:cNvSpPr>
-            <a:spLocks noGrp="1" noRot="1" noChangeAspect="1" noMove="1" noResize="1" noEditPoints="1" noAdjustHandles="1" noChangeArrowheads="1" noChangeShapeType="1" noTextEdit="1"/>
-          </p:cNvSpPr>
-          <p:nvPr>
-            <p:extLst>
-              <p:ext uri="{386F3935-93C4-4BCD-93E2-E3B085C9AB24}">
-                <p16:designElem xmlns:p16="http://schemas.microsoft.com/office/powerpoint/2015/main" val="1"/>
-              </p:ext>
-            </p:extLst>
-          </p:nvPr>
-        </p:nvSpPr>
-        <p:spPr>
-          <a:xfrm flipH="1">
-            <a:off x="6062114" y="0"/>
-            <a:ext cx="3072908" cy="2170661"/>
-          </a:xfrm>
-          <a:prstGeom prst="rect">
-            <a:avLst/>
-          </a:prstGeom>
-          <a:gradFill>
-            <a:gsLst>
-              <a:gs pos="19000">
-                <a:schemeClr val="accent1">
-                  <a:lumMod val="50000"/>
-                  <a:alpha val="68000"/>
-                </a:schemeClr>
-              </a:gs>
-              <a:gs pos="100000">
-                <a:schemeClr val="accent1">
-                  <a:alpha val="48000"/>
-                </a:schemeClr>
-              </a:gs>
-            </a:gsLst>
-            <a:lin ang="19200000" scaled="0"/>
-          </a:gradFill>
-          <a:ln>
-            <a:noFill/>
-          </a:ln>
-        </p:spPr>
-        <p:style>
-          <a:lnRef idx="2">
-            <a:schemeClr val="accent1">
-              <a:shade val="50000"/>
-            </a:schemeClr>
-          </a:lnRef>
-          <a:fillRef idx="1">
-            <a:schemeClr val="accent1"/>
-          </a:fillRef>
-          <a:effectRef idx="0">
-            <a:schemeClr val="accent1"/>
-          </a:effectRef>
-          <a:fontRef idx="minor">
-            <a:schemeClr val="lt1"/>
-          </a:fontRef>
-        </p:style>
-        <p:txBody>
-          <a:bodyPr rtlCol="0" anchor="ctr"/>
-          <a:lstStyle/>
-          <a:p>
-            <a:pPr algn="ctr"/>
-            <a:endParaRPr lang="en-US"/>
-          </a:p>
-        </p:txBody>
-      </p:sp>
-      <p:sp>
-        <p:nvSpPr>
-          <p:cNvPr id="22" name="Rectangle 21">
-            <a:extLst>
-              <a:ext uri="{FF2B5EF4-FFF2-40B4-BE49-F238E27FC236}">
-                <a16:creationId xmlns:a16="http://schemas.microsoft.com/office/drawing/2014/main" id="{063BBA22-50EA-4C4D-BE05-F1CE4E63AA56}"/>
-              </a:ext>
-              <a:ext uri="{C183D7F6-B498-43B3-948B-1728B52AA6E4}">
-                <adec:decorative xmlns:adec="http://schemas.microsoft.com/office/drawing/2017/decorative" val="1"/>
-              </a:ext>
-            </a:extLst>
-          </p:cNvPr>
-          <p:cNvSpPr>
-            <a:spLocks noGrp="1" noRot="1" noChangeAspect="1" noMove="1" noResize="1" noEditPoints="1" noAdjustHandles="1" noChangeArrowheads="1" noChangeShapeType="1" noTextEdit="1"/>
-          </p:cNvSpPr>
-          <p:nvPr>
-            <p:extLst>
-              <p:ext uri="{386F3935-93C4-4BCD-93E2-E3B085C9AB24}">
-                <p16:designElem xmlns:p16="http://schemas.microsoft.com/office/powerpoint/2015/main" val="1"/>
-              </p:ext>
-            </p:extLst>
-          </p:nvPr>
-        </p:nvSpPr>
-        <p:spPr>
-          <a:xfrm rot="16200000" flipH="1">
-            <a:off x="3486646" y="-3486043"/>
-            <a:ext cx="2170709" cy="9144000"/>
-          </a:xfrm>
-          <a:prstGeom prst="rect">
-            <a:avLst/>
-          </a:prstGeom>
-          <a:gradFill>
-            <a:gsLst>
-              <a:gs pos="23000">
-                <a:schemeClr val="accent1">
-                  <a:lumMod val="75000"/>
-                  <a:alpha val="16000"/>
-                </a:schemeClr>
-              </a:gs>
-              <a:gs pos="99000">
-                <a:srgbClr val="000000">
-                  <a:alpha val="45000"/>
-                </a:srgbClr>
-              </a:gs>
-            </a:gsLst>
-            <a:lin ang="21000000" scaled="0"/>
-          </a:gradFill>
-          <a:ln>
-            <a:noFill/>
-          </a:ln>
-        </p:spPr>
-        <p:style>
-          <a:lnRef idx="2">
-            <a:schemeClr val="accent1">
-              <a:shade val="50000"/>
-            </a:schemeClr>
-          </a:lnRef>
-          <a:fillRef idx="1">
-            <a:schemeClr val="accent1"/>
-          </a:fillRef>
-          <a:effectRef idx="0">
-            <a:schemeClr val="accent1"/>
-          </a:effectRef>
-          <a:fontRef idx="minor">
-            <a:schemeClr val="lt1"/>
-          </a:fontRef>
-        </p:style>
-        <p:txBody>
-          <a:bodyPr rtlCol="0" anchor="ctr"/>
-          <a:lstStyle/>
-          <a:p>
-            <a:pPr algn="ctr"/>
-            <a:endParaRPr lang="en-US" dirty="0"/>
-          </a:p>
-        </p:txBody>
-      </p:sp>
-      <p:sp>
-        <p:nvSpPr>
-          <p:cNvPr id="2" name="Title 1"/>
-          <p:cNvSpPr>
-            <a:spLocks noGrp="1"/>
-          </p:cNvSpPr>
-          <p:nvPr>
-            <p:ph type="title"/>
-          </p:nvPr>
-        </p:nvSpPr>
-        <p:spPr>
-          <a:xfrm>
-            <a:off x="1037673" y="348865"/>
-            <a:ext cx="7288583" cy="1576446"/>
-          </a:xfrm>
-        </p:spPr>
-        <p:txBody>
-          <a:bodyPr anchor="ctr">
-            <a:normAutofit/>
-          </a:bodyPr>
-          <a:lstStyle/>
-          <a:p>
-            <a:r>
-              <a:rPr lang="en-US" sz="3500">
-                <a:solidFill>
-                  <a:srgbClr val="FFFFFF"/>
-                </a:solidFill>
-              </a:rPr>
-              <a:t>8. Conclusion</a:t>
-            </a:r>
-          </a:p>
-        </p:txBody>
-      </p:sp>
-      <p:graphicFrame>
-        <p:nvGraphicFramePr>
-          <p:cNvPr id="5" name="Content Placeholder 2">
-            <a:extLst>
-              <a:ext uri="{FF2B5EF4-FFF2-40B4-BE49-F238E27FC236}">
-                <a16:creationId xmlns:a16="http://schemas.microsoft.com/office/drawing/2014/main" id="{BE744FE1-35FC-DAA3-B65A-12686A214829}"/>
-              </a:ext>
-            </a:extLst>
-          </p:cNvPr>
-          <p:cNvGraphicFramePr>
-            <a:graphicFrameLocks noGrp="1"/>
-          </p:cNvGraphicFramePr>
-          <p:nvPr>
-            <p:ph idx="1"/>
-            <p:extLst>
-              <p:ext uri="{D42A27DB-BD31-4B8C-83A1-F6EECF244321}">
-                <p14:modId xmlns:p14="http://schemas.microsoft.com/office/powerpoint/2010/main" val="4209901168"/>
-              </p:ext>
-            </p:extLst>
-          </p:nvPr>
-        </p:nvGraphicFramePr>
-        <p:xfrm>
-          <a:off x="483042" y="2615979"/>
-          <a:ext cx="8195871" cy="3689405"/>
-        </p:xfrm>
-        <a:graphic>
-          <a:graphicData uri="http://schemas.openxmlformats.org/drawingml/2006/diagram">
-            <dgm:relIds xmlns:dgm="http://schemas.openxmlformats.org/drawingml/2006/diagram" xmlns:r="http://schemas.openxmlformats.org/officeDocument/2006/relationships" r:dm="rId2" r:lo="rId3" r:qs="rId4" r:cs="rId5"/>
-          </a:graphicData>
-        </a:graphic>
-      </p:graphicFrame>
-      <p:sp>
-        <p:nvSpPr>
-          <p:cNvPr id="4" name="Slide Number Placeholder 3">
-            <a:extLst>
-              <a:ext uri="{FF2B5EF4-FFF2-40B4-BE49-F238E27FC236}">
-                <a16:creationId xmlns:a16="http://schemas.microsoft.com/office/drawing/2014/main" id="{D3CEF784-4475-DB58-8F29-A1C85EEB8C56}"/>
-              </a:ext>
-            </a:extLst>
-          </p:cNvPr>
-          <p:cNvSpPr>
-            <a:spLocks noGrp="1"/>
-          </p:cNvSpPr>
-          <p:nvPr>
-            <p:ph type="sldNum" sz="quarter" idx="12"/>
-          </p:nvPr>
-        </p:nvSpPr>
-        <p:spPr/>
-        <p:txBody>
-          <a:bodyPr/>
-          <a:lstStyle/>
-          <a:p>
-            <a:fld id="{C1FF6DA9-008F-8B48-92A6-B652298478BF}" type="slidenum">
-              <a:rPr lang="en-US" smtClean="0"/>
-              <a:t>13</a:t>
-            </a:fld>
-            <a:endParaRPr lang="en-US"/>
-          </a:p>
-        </p:txBody>
-      </p:sp>
-    </p:spTree>
-  </p:cSld>
-  <p:clrMapOvr>
-    <a:masterClrMapping/>
-  </p:clrMapOvr>
-</p:sld>
-</file>
-
-<file path=ppt/slides/slide2.xml><?xml version="1.0" encoding="utf-8"?>
-<p:sld xmlns:a="http://schemas.openxmlformats.org/drawingml/2006/main" xmlns:r="http://schemas.openxmlformats.org/officeDocument/2006/relationships" xmlns:p="http://schemas.openxmlformats.org/presentationml/2006/main">
-  <p:cSld>
-    <p:bg>
-      <p:bgPr>
-        <a:solidFill>
-          <a:schemeClr val="bg1"/>
-        </a:solidFill>
-        <a:effectLst/>
-      </p:bgPr>
-    </p:bg>
-    <p:spTree>
-      <p:nvGrpSpPr>
-        <p:cNvPr id="1" name=""/>
-        <p:cNvGrpSpPr/>
-        <p:nvPr/>
-      </p:nvGrpSpPr>
-      <p:grpSpPr>
-        <a:xfrm>
-          <a:off x="0" y="0"/>
-          <a:ext cx="0" cy="0"/>
-          <a:chOff x="0" y="0"/>
-          <a:chExt cx="0" cy="0"/>
-        </a:xfrm>
-      </p:grpSpPr>
-      <p:sp useBgFill="1">
-        <p:nvSpPr>
-          <p:cNvPr id="1044" name="Rectangle 1043">
-            <a:extLst>
-              <a:ext uri="{FF2B5EF4-FFF2-40B4-BE49-F238E27FC236}">
-                <a16:creationId xmlns:a16="http://schemas.microsoft.com/office/drawing/2014/main" id="{12609869-9E80-471B-A487-A53288E0E791}"/>
-              </a:ext>
-              <a:ext uri="{C183D7F6-B498-43B3-948B-1728B52AA6E4}">
-                <adec:decorative xmlns:adec="http://schemas.microsoft.com/office/drawing/2017/decorative" val="1"/>
-              </a:ext>
-            </a:extLst>
-          </p:cNvPr>
-          <p:cNvSpPr>
-            <a:spLocks noGrp="1" noRot="1" noChangeAspect="1" noMove="1" noResize="1" noEditPoints="1" noAdjustHandles="1" noChangeArrowheads="1" noChangeShapeType="1" noTextEdit="1"/>
-          </p:cNvSpPr>
-          <p:nvPr>
-            <p:extLst>
-              <p:ext uri="{386F3935-93C4-4BCD-93E2-E3B085C9AB24}">
-                <p16:designElem xmlns:p16="http://schemas.microsoft.com/office/powerpoint/2015/main" val="1"/>
-              </p:ext>
-            </p:extLst>
-          </p:nvPr>
-        </p:nvSpPr>
-        <p:spPr>
-          <a:xfrm>
-            <a:off x="0" y="0"/>
-            <a:ext cx="9144000" cy="6858000"/>
-          </a:xfrm>
-          <a:prstGeom prst="rect">
-            <a:avLst/>
-          </a:prstGeom>
-          <a:ln w="12700" cap="flat" cmpd="sng" algn="ctr">
-            <a:noFill/>
-            <a:prstDash val="solid"/>
-            <a:miter lim="800000"/>
-          </a:ln>
-          <a:effectLst/>
-          <a:extLst>
-            <a:ext uri="{91240B29-F687-4F45-9708-019B960494DF}">
-              <a14:hiddenLine xmlns:a14="http://schemas.microsoft.com/office/drawing/2010/main" w="12700" cap="flat" cmpd="sng" algn="ctr">
-                <a:solidFill>
-                  <a:schemeClr val="accent1">
-                    <a:shade val="50000"/>
-                  </a:schemeClr>
-                </a:solidFill>
-                <a:prstDash val="solid"/>
-                <a:miter lim="800000"/>
-              </a14:hiddenLine>
-            </a:ext>
-          </a:extLst>
-        </p:spPr>
-        <p:style>
-          <a:lnRef idx="2">
-            <a:schemeClr val="accent1">
-              <a:shade val="50000"/>
-            </a:schemeClr>
-          </a:lnRef>
-          <a:fillRef idx="1">
-            <a:schemeClr val="accent1"/>
-          </a:fillRef>
-          <a:effectRef idx="0">
-            <a:schemeClr val="accent1"/>
-          </a:effectRef>
-          <a:fontRef idx="minor">
-            <a:schemeClr val="lt1"/>
-          </a:fontRef>
-        </p:style>
-        <p:txBody>
-          <a:bodyPr rtlCol="0" anchor="ctr"/>
-          <a:lstStyle/>
-          <a:p>
-            <a:pPr algn="ctr"/>
-            <a:endParaRPr lang="en-US"/>
-          </a:p>
-        </p:txBody>
-      </p:sp>
-      <p:sp>
-        <p:nvSpPr>
-          <p:cNvPr id="2" name="Title 1"/>
-          <p:cNvSpPr>
-            <a:spLocks noGrp="1"/>
-          </p:cNvSpPr>
-          <p:nvPr>
-            <p:ph type="title"/>
-          </p:nvPr>
-        </p:nvSpPr>
-        <p:spPr>
-          <a:xfrm>
-            <a:off x="852297" y="502020"/>
-            <a:ext cx="3992787" cy="1642970"/>
-          </a:xfrm>
-        </p:spPr>
-        <p:txBody>
-          <a:bodyPr anchor="b">
-            <a:normAutofit/>
-          </a:bodyPr>
-          <a:lstStyle/>
-          <a:p>
-            <a:r>
-              <a:rPr lang="en-US" sz="3500"/>
-              <a:t>1. Project Overview</a:t>
-            </a:r>
-          </a:p>
-        </p:txBody>
-      </p:sp>
-      <p:sp>
-        <p:nvSpPr>
-          <p:cNvPr id="3" name="Content Placeholder 2"/>
-          <p:cNvSpPr>
-            <a:spLocks noGrp="1"/>
-          </p:cNvSpPr>
-          <p:nvPr>
-            <p:ph idx="1"/>
-          </p:nvPr>
-        </p:nvSpPr>
-        <p:spPr>
-          <a:xfrm>
-            <a:off x="858692" y="2405894"/>
-            <a:ext cx="3986392" cy="3535083"/>
-          </a:xfrm>
-        </p:spPr>
-        <p:txBody>
-          <a:bodyPr anchor="t">
-            <a:normAutofit/>
-          </a:bodyPr>
-          <a:lstStyle/>
-          <a:p>
-            <a:pPr>
-              <a:spcAft>
-                <a:spcPts val="1200"/>
-              </a:spcAft>
-              <a:buFont typeface="Arial" panose="020B0604020202020204" pitchFamily="34" charset="0"/>
-              <a:buChar char="•"/>
-            </a:pPr>
-            <a:r>
-              <a:rPr lang="en-US" sz="1700" b="0" i="0">
-                <a:effectLst/>
-              </a:rPr>
-              <a:t>Real-time processing of radar data from the sensor.</a:t>
-            </a:r>
-          </a:p>
-          <a:p>
-            <a:pPr>
-              <a:spcAft>
-                <a:spcPts val="1200"/>
-              </a:spcAft>
-              <a:buFont typeface="Arial" panose="020B0604020202020204" pitchFamily="34" charset="0"/>
-              <a:buChar char="•"/>
-            </a:pPr>
-            <a:r>
-              <a:rPr lang="en-US" sz="1700" b="0" i="0">
-                <a:effectLst/>
-              </a:rPr>
-              <a:t>Object detection and clustering using DBSCAN algorithm.</a:t>
-            </a:r>
-          </a:p>
-          <a:p>
-            <a:pPr>
-              <a:spcAft>
-                <a:spcPts val="1200"/>
-              </a:spcAft>
-              <a:buFont typeface="Arial" panose="020B0604020202020204" pitchFamily="34" charset="0"/>
-              <a:buChar char="•"/>
-            </a:pPr>
-            <a:r>
-              <a:rPr lang="en-US" sz="1700" b="0" i="0">
-                <a:effectLst/>
-              </a:rPr>
-              <a:t>Self-speed estimation based on Doppler velocity.</a:t>
-            </a:r>
-          </a:p>
-          <a:p>
-            <a:pPr>
-              <a:spcAft>
-                <a:spcPts val="1200"/>
-              </a:spcAft>
-              <a:buFont typeface="Arial" panose="020B0604020202020204" pitchFamily="34" charset="0"/>
-              <a:buChar char="•"/>
-            </a:pPr>
-            <a:r>
-              <a:rPr lang="en-US" sz="1700" b="0" i="0">
-                <a:effectLst/>
-              </a:rPr>
-              <a:t>Occupancy grid generation for spatial mapping to aid in decision-making.</a:t>
-            </a:r>
-          </a:p>
-          <a:p>
-            <a:pPr>
-              <a:spcAft>
-                <a:spcPts val="1200"/>
-              </a:spcAft>
-              <a:buFont typeface="Arial" panose="020B0604020202020204" pitchFamily="34" charset="0"/>
-              <a:buChar char="•"/>
-            </a:pPr>
-            <a:r>
-              <a:rPr lang="en-US" sz="1700" b="0" i="0">
-                <a:effectLst/>
-              </a:rPr>
-              <a:t>Integration with a braking system for collision avoidance.</a:t>
-            </a:r>
-          </a:p>
-        </p:txBody>
-      </p:sp>
-      <p:sp>
-        <p:nvSpPr>
-          <p:cNvPr id="1046" name="Rectangle 1045">
-            <a:extLst>
-              <a:ext uri="{FF2B5EF4-FFF2-40B4-BE49-F238E27FC236}">
-                <a16:creationId xmlns:a16="http://schemas.microsoft.com/office/drawing/2014/main" id="{7004738A-9D34-43E8-97D2-CA0EED4F8BE0}"/>
-              </a:ext>
-              <a:ext uri="{C183D7F6-B498-43B3-948B-1728B52AA6E4}">
-                <adec:decorative xmlns:adec="http://schemas.microsoft.com/office/drawing/2017/decorative" val="1"/>
-              </a:ext>
-            </a:extLst>
-          </p:cNvPr>
-          <p:cNvSpPr>
-            <a:spLocks noGrp="1" noRot="1" noChangeAspect="1" noMove="1" noResize="1" noEditPoints="1" noAdjustHandles="1" noChangeArrowheads="1" noChangeShapeType="1" noTextEdit="1"/>
-          </p:cNvSpPr>
-          <p:nvPr>
-            <p:extLst>
-              <p:ext uri="{386F3935-93C4-4BCD-93E2-E3B085C9AB24}">
-                <p16:designElem xmlns:p16="http://schemas.microsoft.com/office/powerpoint/2015/main" val="1"/>
-              </p:ext>
-            </p:extLst>
-          </p:nvPr>
-        </p:nvSpPr>
-        <p:spPr>
-          <a:xfrm rot="10800000" flipH="1">
-            <a:off x="6092499" y="-5"/>
-            <a:ext cx="3069391" cy="6858000"/>
-          </a:xfrm>
-          <a:prstGeom prst="rect">
-            <a:avLst/>
-          </a:prstGeom>
-          <a:gradFill>
-            <a:gsLst>
-              <a:gs pos="8000">
-                <a:srgbClr val="000000">
-                  <a:alpha val="94000"/>
-                </a:srgbClr>
-              </a:gs>
-              <a:gs pos="100000">
-                <a:schemeClr val="accent1"/>
-              </a:gs>
-            </a:gsLst>
-            <a:lin ang="2400000" scaled="0"/>
-          </a:gradFill>
-          <a:ln>
-            <a:noFill/>
-          </a:ln>
-        </p:spPr>
-        <p:style>
-          <a:lnRef idx="2">
-            <a:schemeClr val="accent1">
-              <a:shade val="50000"/>
-            </a:schemeClr>
-          </a:lnRef>
-          <a:fillRef idx="1">
-            <a:schemeClr val="accent1"/>
-          </a:fillRef>
-          <a:effectRef idx="0">
-            <a:schemeClr val="accent1"/>
-          </a:effectRef>
-          <a:fontRef idx="minor">
-            <a:schemeClr val="lt1"/>
-          </a:fontRef>
-        </p:style>
-        <p:txBody>
-          <a:bodyPr rtlCol="0" anchor="ctr"/>
-          <a:lstStyle/>
-          <a:p>
-            <a:pPr algn="ctr"/>
-            <a:endParaRPr lang="en-US"/>
-          </a:p>
-        </p:txBody>
-      </p:sp>
-      <p:sp>
-        <p:nvSpPr>
-          <p:cNvPr id="1048" name="Rectangle 1047">
-            <a:extLst>
-              <a:ext uri="{FF2B5EF4-FFF2-40B4-BE49-F238E27FC236}">
-                <a16:creationId xmlns:a16="http://schemas.microsoft.com/office/drawing/2014/main" id="{B8B8D07F-F13E-443E-BA68-2D26672D76B9}"/>
-              </a:ext>
-              <a:ext uri="{C183D7F6-B498-43B3-948B-1728B52AA6E4}">
-                <adec:decorative xmlns:adec="http://schemas.microsoft.com/office/drawing/2017/decorative" val="1"/>
-              </a:ext>
-            </a:extLst>
-          </p:cNvPr>
-          <p:cNvSpPr>
-            <a:spLocks noGrp="1" noRot="1" noChangeAspect="1" noMove="1" noResize="1" noEditPoints="1" noAdjustHandles="1" noChangeArrowheads="1" noChangeShapeType="1" noTextEdit="1"/>
-          </p:cNvSpPr>
-          <p:nvPr>
-            <p:extLst>
-              <p:ext uri="{386F3935-93C4-4BCD-93E2-E3B085C9AB24}">
-                <p16:designElem xmlns:p16="http://schemas.microsoft.com/office/powerpoint/2015/main" val="1"/>
-              </p:ext>
-            </p:extLst>
-          </p:nvPr>
-        </p:nvSpPr>
-        <p:spPr>
-          <a:xfrm rot="10800000" flipH="1">
-            <a:off x="6092499" y="-2"/>
-            <a:ext cx="3069391" cy="6400369"/>
-          </a:xfrm>
-          <a:prstGeom prst="rect">
-            <a:avLst/>
-          </a:prstGeom>
-          <a:gradFill>
-            <a:gsLst>
-              <a:gs pos="31000">
-                <a:schemeClr val="accent1">
-                  <a:lumMod val="50000"/>
-                  <a:alpha val="0"/>
-                </a:schemeClr>
-              </a:gs>
-              <a:gs pos="100000">
-                <a:schemeClr val="accent1">
-                  <a:lumMod val="50000"/>
-                  <a:alpha val="26000"/>
-                </a:schemeClr>
-              </a:gs>
-            </a:gsLst>
-            <a:lin ang="18000000" scaled="0"/>
-          </a:gradFill>
-          <a:ln>
-            <a:noFill/>
-          </a:ln>
-        </p:spPr>
-        <p:style>
-          <a:lnRef idx="2">
-            <a:schemeClr val="accent1">
-              <a:shade val="50000"/>
-            </a:schemeClr>
-          </a:lnRef>
-          <a:fillRef idx="1">
-            <a:schemeClr val="accent1"/>
-          </a:fillRef>
-          <a:effectRef idx="0">
-            <a:schemeClr val="accent1"/>
-          </a:effectRef>
-          <a:fontRef idx="minor">
-            <a:schemeClr val="lt1"/>
-          </a:fontRef>
-        </p:style>
-        <p:txBody>
-          <a:bodyPr rtlCol="0" anchor="ctr"/>
-          <a:lstStyle/>
-          <a:p>
-            <a:pPr algn="ctr"/>
-            <a:endParaRPr lang="en-US" dirty="0"/>
-          </a:p>
-        </p:txBody>
-      </p:sp>
-      <p:sp>
-        <p:nvSpPr>
-          <p:cNvPr id="1050" name="Rectangle 1049">
-            <a:extLst>
-              <a:ext uri="{FF2B5EF4-FFF2-40B4-BE49-F238E27FC236}">
-                <a16:creationId xmlns:a16="http://schemas.microsoft.com/office/drawing/2014/main" id="{2813A4FA-24A5-41ED-A534-3807D1B2F344}"/>
-              </a:ext>
-              <a:ext uri="{C183D7F6-B498-43B3-948B-1728B52AA6E4}">
-                <adec:decorative xmlns:adec="http://schemas.microsoft.com/office/drawing/2017/decorative" val="1"/>
-              </a:ext>
-            </a:extLst>
-          </p:cNvPr>
-          <p:cNvSpPr>
-            <a:spLocks noGrp="1" noRot="1" noChangeAspect="1" noMove="1" noResize="1" noEditPoints="1" noAdjustHandles="1" noChangeArrowheads="1" noChangeShapeType="1" noTextEdit="1"/>
-          </p:cNvSpPr>
-          <p:nvPr>
-            <p:extLst>
-              <p:ext uri="{386F3935-93C4-4BCD-93E2-E3B085C9AB24}">
-                <p16:designElem xmlns:p16="http://schemas.microsoft.com/office/powerpoint/2015/main" val="1"/>
-              </p:ext>
-            </p:extLst>
-          </p:nvPr>
-        </p:nvSpPr>
-        <p:spPr>
-          <a:xfrm rot="10800000" flipH="1">
-            <a:off x="6092499" y="-22"/>
-            <a:ext cx="3051501" cy="6400389"/>
-          </a:xfrm>
-          <a:prstGeom prst="rect">
-            <a:avLst/>
-          </a:prstGeom>
-          <a:gradFill>
-            <a:gsLst>
-              <a:gs pos="0">
-                <a:schemeClr val="accent1">
-                  <a:alpha val="0"/>
-                </a:schemeClr>
-              </a:gs>
-              <a:gs pos="72000">
-                <a:srgbClr val="000000">
-                  <a:alpha val="21000"/>
-                </a:srgbClr>
-              </a:gs>
-            </a:gsLst>
-            <a:lin ang="3000000" scaled="0"/>
-          </a:gradFill>
-          <a:ln>
-            <a:noFill/>
-          </a:ln>
-        </p:spPr>
-        <p:style>
-          <a:lnRef idx="2">
-            <a:schemeClr val="accent1">
-              <a:shade val="50000"/>
-            </a:schemeClr>
-          </a:lnRef>
-          <a:fillRef idx="1">
-            <a:schemeClr val="accent1"/>
-          </a:fillRef>
-          <a:effectRef idx="0">
-            <a:schemeClr val="accent1"/>
-          </a:effectRef>
-          <a:fontRef idx="minor">
-            <a:schemeClr val="lt1"/>
-          </a:fontRef>
-        </p:style>
-        <p:txBody>
-          <a:bodyPr rtlCol="0" anchor="ctr"/>
-          <a:lstStyle/>
-          <a:p>
-            <a:pPr algn="ctr"/>
-            <a:endParaRPr lang="en-US" dirty="0"/>
-          </a:p>
-        </p:txBody>
-      </p:sp>
-      <p:sp>
-        <p:nvSpPr>
-          <p:cNvPr id="1052" name="Rectangle 1051">
-            <a:extLst>
-              <a:ext uri="{FF2B5EF4-FFF2-40B4-BE49-F238E27FC236}">
-                <a16:creationId xmlns:a16="http://schemas.microsoft.com/office/drawing/2014/main" id="{C3944F27-CA70-4E84-A51A-E6BF89558979}"/>
-              </a:ext>
-              <a:ext uri="{C183D7F6-B498-43B3-948B-1728B52AA6E4}">
-                <adec:decorative xmlns:adec="http://schemas.microsoft.com/office/drawing/2017/decorative" val="1"/>
-              </a:ext>
-            </a:extLst>
-          </p:cNvPr>
-          <p:cNvSpPr>
-            <a:spLocks noGrp="1" noRot="1" noChangeAspect="1" noMove="1" noResize="1" noEditPoints="1" noAdjustHandles="1" noChangeArrowheads="1" noChangeShapeType="1" noTextEdit="1"/>
-          </p:cNvSpPr>
-          <p:nvPr>
-            <p:extLst>
-              <p:ext uri="{386F3935-93C4-4BCD-93E2-E3B085C9AB24}">
-                <p16:designElem xmlns:p16="http://schemas.microsoft.com/office/powerpoint/2015/main" val="1"/>
-              </p:ext>
-            </p:extLst>
-          </p:nvPr>
-        </p:nvSpPr>
-        <p:spPr>
-          <a:xfrm rot="10800000" flipH="1">
-            <a:off x="6092499" y="-10"/>
-            <a:ext cx="2708601" cy="6857997"/>
-          </a:xfrm>
-          <a:prstGeom prst="rect">
-            <a:avLst/>
-          </a:prstGeom>
-          <a:gradFill>
-            <a:gsLst>
-              <a:gs pos="0">
-                <a:schemeClr val="accent1">
-                  <a:alpha val="0"/>
-                </a:schemeClr>
-              </a:gs>
-              <a:gs pos="93000">
-                <a:srgbClr val="000000">
-                  <a:alpha val="29000"/>
-                </a:srgbClr>
-              </a:gs>
-            </a:gsLst>
-            <a:lin ang="5400000" scaled="0"/>
-          </a:gradFill>
-          <a:ln>
-            <a:noFill/>
-          </a:ln>
-        </p:spPr>
-        <p:style>
-          <a:lnRef idx="2">
-            <a:schemeClr val="accent1">
-              <a:shade val="50000"/>
-            </a:schemeClr>
-          </a:lnRef>
-          <a:fillRef idx="1">
-            <a:schemeClr val="accent1"/>
-          </a:fillRef>
-          <a:effectRef idx="0">
-            <a:schemeClr val="accent1"/>
-          </a:effectRef>
-          <a:fontRef idx="minor">
-            <a:schemeClr val="lt1"/>
-          </a:fontRef>
-        </p:style>
-        <p:txBody>
-          <a:bodyPr rtlCol="0" anchor="ctr"/>
-          <a:lstStyle/>
-          <a:p>
-            <a:pPr algn="ctr"/>
-            <a:endParaRPr lang="en-US" dirty="0"/>
-          </a:p>
-        </p:txBody>
-      </p:sp>
-      <p:pic>
-        <p:nvPicPr>
-          <p:cNvPr id="1028" name="Picture 4" descr="IWR6843AOPEVM">
-            <a:extLst>
-              <a:ext uri="{FF2B5EF4-FFF2-40B4-BE49-F238E27FC236}">
-                <a16:creationId xmlns:a16="http://schemas.microsoft.com/office/drawing/2014/main" id="{D4CC1715-B1C8-A105-C79A-2E96BE584974}"/>
+                <a16:creationId xmlns:a16="http://schemas.microsoft.com/office/drawing/2014/main" id="{8B9B4794-2DE0-5D04-61A8-D3609B41BBAD}"/>
               </a:ext>
             </a:extLst>
           </p:cNvPr>
@@ -38403,22 +35691,21 @@
           </p:cNvPicPr>
           <p:nvPr/>
         </p:nvPicPr>
-        <p:blipFill>
-          <a:blip r:embed="rId3">
+        <p:blipFill rotWithShape="1">
+          <a:blip r:embed="rId2">
             <a:extLst>
               <a:ext uri="{28A0092B-C50C-407E-A947-70E740481C1C}">
                 <a14:useLocalDpi xmlns:a14="http://schemas.microsoft.com/office/drawing/2010/main" val="0"/>
               </a:ext>
             </a:extLst>
           </a:blip>
-          <a:stretch>
-            <a:fillRect/>
-          </a:stretch>
+          <a:srcRect t="10000" b="8532"/>
+          <a:stretch/>
         </p:blipFill>
         <p:spPr bwMode="auto">
           <a:xfrm>
-            <a:off x="5306975" y="2565225"/>
-            <a:ext cx="3127897" cy="1759442"/>
+            <a:off x="5253037" y="1089025"/>
+            <a:ext cx="3168650" cy="5586984"/>
           </a:xfrm>
           <a:prstGeom prst="rect">
             <a:avLst/>
@@ -38435,35 +35722,6 @@
           </a:extLst>
         </p:spPr>
       </p:pic>
-      <p:sp>
-        <p:nvSpPr>
-          <p:cNvPr id="4" name="Slide Number Placeholder 3">
-            <a:extLst>
-              <a:ext uri="{FF2B5EF4-FFF2-40B4-BE49-F238E27FC236}">
-                <a16:creationId xmlns:a16="http://schemas.microsoft.com/office/drawing/2014/main" id="{6921F70D-6C2E-C1B3-9304-4B2F71ED5079}"/>
-              </a:ext>
-            </a:extLst>
-          </p:cNvPr>
-          <p:cNvSpPr>
-            <a:spLocks noGrp="1"/>
-          </p:cNvSpPr>
-          <p:nvPr>
-            <p:ph type="sldNum" sz="quarter" idx="12"/>
-          </p:nvPr>
-        </p:nvSpPr>
-        <p:spPr/>
-        <p:txBody>
-          <a:bodyPr/>
-          <a:lstStyle/>
-          <a:p>
-            <a:fld id="{C1FF6DA9-008F-8B48-92A6-B652298478BF}" type="slidenum">
-              <a:rPr lang="en-US" smtClean="0"/>
-              <a:t>2</a:t>
-            </a:fld>
-            <a:endParaRPr lang="en-US"/>
-          </a:p>
-        </p:txBody>
-      </p:sp>
     </p:spTree>
   </p:cSld>
   <p:clrMapOvr>
@@ -38472,802 +35730,7 @@
 </p:sld>
 </file>
 
-<file path=ppt/slides/slide3.xml><?xml version="1.0" encoding="utf-8"?>
-<p:sld xmlns:a="http://schemas.openxmlformats.org/drawingml/2006/main" xmlns:r="http://schemas.openxmlformats.org/officeDocument/2006/relationships" xmlns:p="http://schemas.openxmlformats.org/presentationml/2006/main">
-  <p:cSld>
-    <p:bg>
-      <p:bgPr>
-        <a:solidFill>
-          <a:schemeClr val="bg1"/>
-        </a:solidFill>
-        <a:effectLst/>
-      </p:bgPr>
-    </p:bg>
-    <p:spTree>
-      <p:nvGrpSpPr>
-        <p:cNvPr id="1" name=""/>
-        <p:cNvGrpSpPr/>
-        <p:nvPr/>
-      </p:nvGrpSpPr>
-      <p:grpSpPr>
-        <a:xfrm>
-          <a:off x="0" y="0"/>
-          <a:ext cx="0" cy="0"/>
-          <a:chOff x="0" y="0"/>
-          <a:chExt cx="0" cy="0"/>
-        </a:xfrm>
-      </p:grpSpPr>
-      <p:sp useBgFill="1">
-        <p:nvSpPr>
-          <p:cNvPr id="34" name="Rectangle 33">
-            <a:extLst>
-              <a:ext uri="{FF2B5EF4-FFF2-40B4-BE49-F238E27FC236}">
-                <a16:creationId xmlns:a16="http://schemas.microsoft.com/office/drawing/2014/main" id="{3346177D-ADC4-4968-B747-5CFCD390B5B9}"/>
-              </a:ext>
-              <a:ext uri="{C183D7F6-B498-43B3-948B-1728B52AA6E4}">
-                <adec:decorative xmlns:adec="http://schemas.microsoft.com/office/drawing/2017/decorative" val="1"/>
-              </a:ext>
-            </a:extLst>
-          </p:cNvPr>
-          <p:cNvSpPr>
-            <a:spLocks noGrp="1" noRot="1" noChangeAspect="1" noMove="1" noResize="1" noEditPoints="1" noAdjustHandles="1" noChangeArrowheads="1" noChangeShapeType="1" noTextEdit="1"/>
-          </p:cNvSpPr>
-          <p:nvPr>
-            <p:extLst>
-              <p:ext uri="{386F3935-93C4-4BCD-93E2-E3B085C9AB24}">
-                <p16:designElem xmlns:p16="http://schemas.microsoft.com/office/powerpoint/2015/main" val="1"/>
-              </p:ext>
-            </p:extLst>
-          </p:nvPr>
-        </p:nvSpPr>
-        <p:spPr>
-          <a:xfrm>
-            <a:off x="0" y="0"/>
-            <a:ext cx="9144000" cy="6858000"/>
-          </a:xfrm>
-          <a:prstGeom prst="rect">
-            <a:avLst/>
-          </a:prstGeom>
-          <a:ln w="12700" cap="flat" cmpd="sng" algn="ctr">
-            <a:noFill/>
-            <a:prstDash val="solid"/>
-            <a:miter lim="800000"/>
-          </a:ln>
-          <a:effectLst/>
-          <a:extLst>
-            <a:ext uri="{91240B29-F687-4F45-9708-019B960494DF}">
-              <a14:hiddenLine xmlns:a14="http://schemas.microsoft.com/office/drawing/2010/main" w="12700" cap="flat" cmpd="sng" algn="ctr">
-                <a:solidFill>
-                  <a:schemeClr val="accent1">
-                    <a:shade val="50000"/>
-                  </a:schemeClr>
-                </a:solidFill>
-                <a:prstDash val="solid"/>
-                <a:miter lim="800000"/>
-              </a14:hiddenLine>
-            </a:ext>
-          </a:extLst>
-        </p:spPr>
-        <p:style>
-          <a:lnRef idx="2">
-            <a:schemeClr val="accent1">
-              <a:shade val="50000"/>
-            </a:schemeClr>
-          </a:lnRef>
-          <a:fillRef idx="1">
-            <a:schemeClr val="accent1"/>
-          </a:fillRef>
-          <a:effectRef idx="0">
-            <a:schemeClr val="accent1"/>
-          </a:effectRef>
-          <a:fontRef idx="minor">
-            <a:schemeClr val="lt1"/>
-          </a:fontRef>
-        </p:style>
-        <p:txBody>
-          <a:bodyPr rtlCol="0" anchor="ctr"/>
-          <a:lstStyle/>
-          <a:p>
-            <a:pPr algn="ctr"/>
-            <a:endParaRPr lang="en-US"/>
-          </a:p>
-        </p:txBody>
-      </p:sp>
-      <p:pic>
-        <p:nvPicPr>
-          <p:cNvPr id="7" name="Graphic 6" descr="Satellite dish">
-            <a:extLst>
-              <a:ext uri="{FF2B5EF4-FFF2-40B4-BE49-F238E27FC236}">
-                <a16:creationId xmlns:a16="http://schemas.microsoft.com/office/drawing/2014/main" id="{7B2F9241-98BD-F3E0-9287-3C6E9EBB6C89}"/>
-              </a:ext>
-            </a:extLst>
-          </p:cNvPr>
-          <p:cNvPicPr>
-            <a:picLocks noChangeAspect="1"/>
-          </p:cNvPicPr>
-          <p:nvPr/>
-        </p:nvPicPr>
-        <p:blipFill>
-          <a:blip r:embed="rId2">
-            <a:extLst>
-              <a:ext uri="{28A0092B-C50C-407E-A947-70E740481C1C}">
-                <a14:useLocalDpi xmlns:a14="http://schemas.microsoft.com/office/drawing/2010/main" val="0"/>
-              </a:ext>
-              <a:ext uri="{96DAC541-7B7A-43D3-8B79-37D633B846F1}">
-                <asvg:svgBlip xmlns:asvg="http://schemas.microsoft.com/office/drawing/2016/SVG/main" r:embed="rId3"/>
-              </a:ext>
-            </a:extLst>
-          </a:blip>
-          <a:stretch>
-            <a:fillRect/>
-          </a:stretch>
-        </p:blipFill>
-        <p:spPr>
-          <a:xfrm>
-            <a:off x="801097" y="1759590"/>
-            <a:ext cx="2907124" cy="2907124"/>
-          </a:xfrm>
-          <a:prstGeom prst="rect">
-            <a:avLst/>
-          </a:prstGeom>
-        </p:spPr>
-      </p:pic>
-      <p:sp>
-        <p:nvSpPr>
-          <p:cNvPr id="3" name="Content Placeholder 2">
-            <a:extLst>
-              <a:ext uri="{FF2B5EF4-FFF2-40B4-BE49-F238E27FC236}">
-                <a16:creationId xmlns:a16="http://schemas.microsoft.com/office/drawing/2014/main" id="{ADD6DE5D-533A-6B6A-067D-3128F6BD079D}"/>
-              </a:ext>
-            </a:extLst>
-          </p:cNvPr>
-          <p:cNvSpPr>
-            <a:spLocks noGrp="1"/>
-          </p:cNvSpPr>
-          <p:nvPr>
-            <p:ph idx="1"/>
-          </p:nvPr>
-        </p:nvSpPr>
-        <p:spPr>
-          <a:xfrm>
-            <a:off x="4197376" y="2405894"/>
-            <a:ext cx="4316172" cy="3197464"/>
-          </a:xfrm>
-        </p:spPr>
-        <p:txBody>
-          <a:bodyPr anchor="t">
-            <a:normAutofit/>
-          </a:bodyPr>
-          <a:lstStyle/>
-          <a:p>
-            <a:r>
-              <a:rPr lang="en-US" sz="1700" b="0" i="0">
-                <a:effectLst/>
-                <a:latin typeface="ui-sans-serif"/>
-              </a:rPr>
-              <a:t>This project aims to develop a real-time object detection and collision avoidance system using the IWR6843AOPEVM mmWave radar sensor. The system processes raw radar data to extract meaningful information about surroundings, estimate self-speed, detect obstacles, and trigger a braking mechanism when necessary.</a:t>
-            </a:r>
-            <a:endParaRPr lang="en-US" sz="1700"/>
-          </a:p>
-        </p:txBody>
-      </p:sp>
-      <p:sp>
-        <p:nvSpPr>
-          <p:cNvPr id="36" name="Rectangle 35">
-            <a:extLst>
-              <a:ext uri="{FF2B5EF4-FFF2-40B4-BE49-F238E27FC236}">
-                <a16:creationId xmlns:a16="http://schemas.microsoft.com/office/drawing/2014/main" id="{0844A943-BF79-4FEA-ABB1-3BD54D236606}"/>
-              </a:ext>
-              <a:ext uri="{C183D7F6-B498-43B3-948B-1728B52AA6E4}">
-                <adec:decorative xmlns:adec="http://schemas.microsoft.com/office/drawing/2017/decorative" val="1"/>
-              </a:ext>
-            </a:extLst>
-          </p:cNvPr>
-          <p:cNvSpPr>
-            <a:spLocks noGrp="1" noRot="1" noChangeAspect="1" noMove="1" noResize="1" noEditPoints="1" noAdjustHandles="1" noChangeArrowheads="1" noChangeShapeType="1" noTextEdit="1"/>
-          </p:cNvSpPr>
-          <p:nvPr>
-            <p:extLst>
-              <p:ext uri="{386F3935-93C4-4BCD-93E2-E3B085C9AB24}">
-                <p16:designElem xmlns:p16="http://schemas.microsoft.com/office/powerpoint/2015/main" val="1"/>
-              </p:ext>
-            </p:extLst>
-          </p:nvPr>
-        </p:nvSpPr>
-        <p:spPr>
-          <a:xfrm rot="10800000" flipH="1">
-            <a:off x="0" y="6400799"/>
-            <a:ext cx="9144000" cy="456773"/>
-          </a:xfrm>
-          <a:prstGeom prst="rect">
-            <a:avLst/>
-          </a:prstGeom>
-          <a:gradFill>
-            <a:gsLst>
-              <a:gs pos="0">
-                <a:schemeClr val="accent1"/>
-              </a:gs>
-              <a:gs pos="90000">
-                <a:srgbClr val="000000"/>
-              </a:gs>
-            </a:gsLst>
-            <a:lin ang="2400000" scaled="0"/>
-          </a:gradFill>
-          <a:ln>
-            <a:noFill/>
-          </a:ln>
-        </p:spPr>
-        <p:style>
-          <a:lnRef idx="2">
-            <a:schemeClr val="accent1">
-              <a:shade val="50000"/>
-            </a:schemeClr>
-          </a:lnRef>
-          <a:fillRef idx="1">
-            <a:schemeClr val="accent1"/>
-          </a:fillRef>
-          <a:effectRef idx="0">
-            <a:schemeClr val="accent1"/>
-          </a:effectRef>
-          <a:fontRef idx="minor">
-            <a:schemeClr val="lt1"/>
-          </a:fontRef>
-        </p:style>
-        <p:txBody>
-          <a:bodyPr rtlCol="0" anchor="ctr"/>
-          <a:lstStyle/>
-          <a:p>
-            <a:pPr algn="ctr"/>
-            <a:endParaRPr lang="en-US"/>
-          </a:p>
-        </p:txBody>
-      </p:sp>
-      <p:sp>
-        <p:nvSpPr>
-          <p:cNvPr id="38" name="Rectangle 37">
-            <a:extLst>
-              <a:ext uri="{FF2B5EF4-FFF2-40B4-BE49-F238E27FC236}">
-                <a16:creationId xmlns:a16="http://schemas.microsoft.com/office/drawing/2014/main" id="{6437CC72-F4A8-4DC3-AFAB-D22C482C8100}"/>
-              </a:ext>
-              <a:ext uri="{C183D7F6-B498-43B3-948B-1728B52AA6E4}">
-                <adec:decorative xmlns:adec="http://schemas.microsoft.com/office/drawing/2017/decorative" val="1"/>
-              </a:ext>
-            </a:extLst>
-          </p:cNvPr>
-          <p:cNvSpPr>
-            <a:spLocks noGrp="1" noRot="1" noChangeAspect="1" noMove="1" noResize="1" noEditPoints="1" noAdjustHandles="1" noChangeArrowheads="1" noChangeShapeType="1" noTextEdit="1"/>
-          </p:cNvSpPr>
-          <p:nvPr>
-            <p:extLst>
-              <p:ext uri="{386F3935-93C4-4BCD-93E2-E3B085C9AB24}">
-                <p16:designElem xmlns:p16="http://schemas.microsoft.com/office/powerpoint/2015/main" val="1"/>
-              </p:ext>
-            </p:extLst>
-          </p:nvPr>
-        </p:nvSpPr>
-        <p:spPr>
-          <a:xfrm flipH="1">
-            <a:off x="3028950" y="6400799"/>
-            <a:ext cx="6115048" cy="456772"/>
-          </a:xfrm>
-          <a:prstGeom prst="rect">
-            <a:avLst/>
-          </a:prstGeom>
-          <a:gradFill>
-            <a:gsLst>
-              <a:gs pos="0">
-                <a:srgbClr val="000000">
-                  <a:alpha val="50000"/>
-                </a:srgbClr>
-              </a:gs>
-              <a:gs pos="100000">
-                <a:schemeClr val="accent1">
-                  <a:lumMod val="75000"/>
-                </a:schemeClr>
-              </a:gs>
-            </a:gsLst>
-            <a:lin ang="13800000" scaled="0"/>
-          </a:gradFill>
-          <a:ln>
-            <a:noFill/>
-          </a:ln>
-        </p:spPr>
-        <p:style>
-          <a:lnRef idx="2">
-            <a:schemeClr val="accent1">
-              <a:shade val="50000"/>
-            </a:schemeClr>
-          </a:lnRef>
-          <a:fillRef idx="1">
-            <a:schemeClr val="accent1"/>
-          </a:fillRef>
-          <a:effectRef idx="0">
-            <a:schemeClr val="accent1"/>
-          </a:effectRef>
-          <a:fontRef idx="minor">
-            <a:schemeClr val="lt1"/>
-          </a:fontRef>
-        </p:style>
-        <p:txBody>
-          <a:bodyPr rtlCol="0" anchor="ctr"/>
-          <a:lstStyle/>
-          <a:p>
-            <a:pPr algn="ctr"/>
-            <a:endParaRPr lang="en-US"/>
-          </a:p>
-        </p:txBody>
-      </p:sp>
-      <p:sp>
-        <p:nvSpPr>
-          <p:cNvPr id="4" name="Slide Number Placeholder 3">
-            <a:extLst>
-              <a:ext uri="{FF2B5EF4-FFF2-40B4-BE49-F238E27FC236}">
-                <a16:creationId xmlns:a16="http://schemas.microsoft.com/office/drawing/2014/main" id="{DE7BAE5B-B1B1-EC40-CA25-39B218A75B95}"/>
-              </a:ext>
-            </a:extLst>
-          </p:cNvPr>
-          <p:cNvSpPr>
-            <a:spLocks noGrp="1"/>
-          </p:cNvSpPr>
-          <p:nvPr>
-            <p:ph type="sldNum" sz="quarter" idx="12"/>
-          </p:nvPr>
-        </p:nvSpPr>
-        <p:spPr/>
-        <p:txBody>
-          <a:bodyPr/>
-          <a:lstStyle/>
-          <a:p>
-            <a:fld id="{C1FF6DA9-008F-8B48-92A6-B652298478BF}" type="slidenum">
-              <a:rPr lang="en-US" smtClean="0"/>
-              <a:t>3</a:t>
-            </a:fld>
-            <a:endParaRPr lang="en-US"/>
-          </a:p>
-        </p:txBody>
-      </p:sp>
-    </p:spTree>
-    <p:extLst>
-      <p:ext uri="{BB962C8B-B14F-4D97-AF65-F5344CB8AC3E}">
-        <p14:creationId xmlns:p14="http://schemas.microsoft.com/office/powerpoint/2010/main" val="216058076"/>
-      </p:ext>
-    </p:extLst>
-  </p:cSld>
-  <p:clrMapOvr>
-    <a:masterClrMapping/>
-  </p:clrMapOvr>
-</p:sld>
-</file>
-
-<file path=ppt/slides/slide4.xml><?xml version="1.0" encoding="utf-8"?>
-<p:sld xmlns:a="http://schemas.openxmlformats.org/drawingml/2006/main" xmlns:r="http://schemas.openxmlformats.org/officeDocument/2006/relationships" xmlns:p="http://schemas.openxmlformats.org/presentationml/2006/main">
-  <p:cSld>
-    <p:bg>
-      <p:bgPr>
-        <a:solidFill>
-          <a:schemeClr val="bg1"/>
-        </a:solidFill>
-        <a:effectLst/>
-      </p:bgPr>
-    </p:bg>
-    <p:spTree>
-      <p:nvGrpSpPr>
-        <p:cNvPr id="1" name=""/>
-        <p:cNvGrpSpPr/>
-        <p:nvPr/>
-      </p:nvGrpSpPr>
-      <p:grpSpPr>
-        <a:xfrm>
-          <a:off x="0" y="0"/>
-          <a:ext cx="0" cy="0"/>
-          <a:chOff x="0" y="0"/>
-          <a:chExt cx="0" cy="0"/>
-        </a:xfrm>
-      </p:grpSpPr>
-      <p:sp useBgFill="1">
-        <p:nvSpPr>
-          <p:cNvPr id="9" name="Rectangle 8">
-            <a:extLst>
-              <a:ext uri="{FF2B5EF4-FFF2-40B4-BE49-F238E27FC236}">
-                <a16:creationId xmlns:a16="http://schemas.microsoft.com/office/drawing/2014/main" id="{BACC6370-2D7E-4714-9D71-7542949D7D5D}"/>
-              </a:ext>
-              <a:ext uri="{C183D7F6-B498-43B3-948B-1728B52AA6E4}">
-                <adec:decorative xmlns:adec="http://schemas.microsoft.com/office/drawing/2017/decorative" val="1"/>
-              </a:ext>
-            </a:extLst>
-          </p:cNvPr>
-          <p:cNvSpPr>
-            <a:spLocks noGrp="1" noRot="1" noChangeAspect="1" noMove="1" noResize="1" noEditPoints="1" noAdjustHandles="1" noChangeArrowheads="1" noChangeShapeType="1" noTextEdit="1"/>
-          </p:cNvSpPr>
-          <p:nvPr>
-            <p:extLst>
-              <p:ext uri="{386F3935-93C4-4BCD-93E2-E3B085C9AB24}">
-                <p16:designElem xmlns:p16="http://schemas.microsoft.com/office/powerpoint/2015/main" val="1"/>
-              </p:ext>
-            </p:extLst>
-          </p:nvPr>
-        </p:nvSpPr>
-        <p:spPr>
-          <a:xfrm>
-            <a:off x="0" y="0"/>
-            <a:ext cx="9144000" cy="6858000"/>
-          </a:xfrm>
-          <a:prstGeom prst="rect">
-            <a:avLst/>
-          </a:prstGeom>
-          <a:ln w="12700" cap="flat" cmpd="sng" algn="ctr">
-            <a:noFill/>
-            <a:prstDash val="solid"/>
-            <a:miter lim="800000"/>
-          </a:ln>
-          <a:effectLst/>
-          <a:extLst>
-            <a:ext uri="{91240B29-F687-4F45-9708-019B960494DF}">
-              <a14:hiddenLine xmlns:a14="http://schemas.microsoft.com/office/drawing/2010/main" w="12700" cap="flat" cmpd="sng" algn="ctr">
-                <a:solidFill>
-                  <a:schemeClr val="accent1">
-                    <a:shade val="50000"/>
-                  </a:schemeClr>
-                </a:solidFill>
-                <a:prstDash val="solid"/>
-                <a:miter lim="800000"/>
-              </a14:hiddenLine>
-            </a:ext>
-          </a:extLst>
-        </p:spPr>
-        <p:style>
-          <a:lnRef idx="2">
-            <a:schemeClr val="accent1">
-              <a:shade val="50000"/>
-            </a:schemeClr>
-          </a:lnRef>
-          <a:fillRef idx="1">
-            <a:schemeClr val="accent1"/>
-          </a:fillRef>
-          <a:effectRef idx="0">
-            <a:schemeClr val="accent1"/>
-          </a:effectRef>
-          <a:fontRef idx="minor">
-            <a:schemeClr val="lt1"/>
-          </a:fontRef>
-        </p:style>
-        <p:txBody>
-          <a:bodyPr rtlCol="0" anchor="ctr"/>
-          <a:lstStyle/>
-          <a:p>
-            <a:pPr algn="ctr"/>
-            <a:endParaRPr lang="en-US"/>
-          </a:p>
-        </p:txBody>
-      </p:sp>
-      <p:sp>
-        <p:nvSpPr>
-          <p:cNvPr id="11" name="Rectangle 10">
-            <a:extLst>
-              <a:ext uri="{FF2B5EF4-FFF2-40B4-BE49-F238E27FC236}">
-                <a16:creationId xmlns:a16="http://schemas.microsoft.com/office/drawing/2014/main" id="{F68B3F68-107C-434F-AA38-110D5EA91B85}"/>
-              </a:ext>
-              <a:ext uri="{C183D7F6-B498-43B3-948B-1728B52AA6E4}">
-                <adec:decorative xmlns:adec="http://schemas.microsoft.com/office/drawing/2017/decorative" val="1"/>
-              </a:ext>
-            </a:extLst>
-          </p:cNvPr>
-          <p:cNvSpPr>
-            <a:spLocks noGrp="1" noRot="1" noChangeAspect="1" noMove="1" noResize="1" noEditPoints="1" noAdjustHandles="1" noChangeArrowheads="1" noChangeShapeType="1" noTextEdit="1"/>
-          </p:cNvSpPr>
-          <p:nvPr>
-            <p:extLst>
-              <p:ext uri="{386F3935-93C4-4BCD-93E2-E3B085C9AB24}">
-                <p16:designElem xmlns:p16="http://schemas.microsoft.com/office/powerpoint/2015/main" val="1"/>
-              </p:ext>
-            </p:extLst>
-          </p:nvPr>
-        </p:nvSpPr>
-        <p:spPr>
-          <a:xfrm flipH="1">
-            <a:off x="1" y="0"/>
-            <a:ext cx="9143999" cy="1575955"/>
-          </a:xfrm>
-          <a:prstGeom prst="rect">
-            <a:avLst/>
-          </a:prstGeom>
-          <a:gradFill>
-            <a:gsLst>
-              <a:gs pos="0">
-                <a:srgbClr val="000000">
-                  <a:alpha val="96000"/>
-                </a:srgbClr>
-              </a:gs>
-              <a:gs pos="100000">
-                <a:schemeClr val="accent1">
-                  <a:lumMod val="75000"/>
-                </a:schemeClr>
-              </a:gs>
-            </a:gsLst>
-            <a:lin ang="8400000" scaled="0"/>
-          </a:gradFill>
-          <a:ln>
-            <a:noFill/>
-          </a:ln>
-        </p:spPr>
-        <p:style>
-          <a:lnRef idx="2">
-            <a:schemeClr val="accent1">
-              <a:shade val="50000"/>
-            </a:schemeClr>
-          </a:lnRef>
-          <a:fillRef idx="1">
-            <a:schemeClr val="accent1"/>
-          </a:fillRef>
-          <a:effectRef idx="0">
-            <a:schemeClr val="accent1"/>
-          </a:effectRef>
-          <a:fontRef idx="minor">
-            <a:schemeClr val="lt1"/>
-          </a:fontRef>
-        </p:style>
-        <p:txBody>
-          <a:bodyPr rtlCol="0" anchor="ctr"/>
-          <a:lstStyle/>
-          <a:p>
-            <a:pPr algn="ctr"/>
-            <a:endParaRPr lang="en-US"/>
-          </a:p>
-        </p:txBody>
-      </p:sp>
-      <p:sp>
-        <p:nvSpPr>
-          <p:cNvPr id="13" name="Rectangle 12">
-            <a:extLst>
-              <a:ext uri="{FF2B5EF4-FFF2-40B4-BE49-F238E27FC236}">
-                <a16:creationId xmlns:a16="http://schemas.microsoft.com/office/drawing/2014/main" id="{AAD0DBB9-1A4B-4391-81D4-CB19F9AB918A}"/>
-              </a:ext>
-              <a:ext uri="{C183D7F6-B498-43B3-948B-1728B52AA6E4}">
-                <adec:decorative xmlns:adec="http://schemas.microsoft.com/office/drawing/2017/decorative" val="1"/>
-              </a:ext>
-            </a:extLst>
-          </p:cNvPr>
-          <p:cNvSpPr>
-            <a:spLocks noGrp="1" noRot="1" noChangeAspect="1" noMove="1" noResize="1" noEditPoints="1" noAdjustHandles="1" noChangeArrowheads="1" noChangeShapeType="1" noTextEdit="1"/>
-          </p:cNvSpPr>
-          <p:nvPr>
-            <p:extLst>
-              <p:ext uri="{386F3935-93C4-4BCD-93E2-E3B085C9AB24}">
-                <p16:designElem xmlns:p16="http://schemas.microsoft.com/office/powerpoint/2015/main" val="1"/>
-              </p:ext>
-            </p:extLst>
-          </p:nvPr>
-        </p:nvSpPr>
-        <p:spPr>
-          <a:xfrm rot="10800000" flipH="1">
-            <a:off x="6096642" y="0"/>
-            <a:ext cx="3047358" cy="1576412"/>
-          </a:xfrm>
-          <a:prstGeom prst="rect">
-            <a:avLst/>
-          </a:prstGeom>
-          <a:gradFill>
-            <a:gsLst>
-              <a:gs pos="19000">
-                <a:schemeClr val="accent1">
-                  <a:lumMod val="50000"/>
-                  <a:alpha val="68000"/>
-                </a:schemeClr>
-              </a:gs>
-              <a:gs pos="100000">
-                <a:schemeClr val="accent1">
-                  <a:alpha val="79000"/>
-                </a:schemeClr>
-              </a:gs>
-            </a:gsLst>
-            <a:lin ang="19200000" scaled="0"/>
-          </a:gradFill>
-          <a:ln>
-            <a:noFill/>
-          </a:ln>
-        </p:spPr>
-        <p:style>
-          <a:lnRef idx="2">
-            <a:schemeClr val="accent1">
-              <a:shade val="50000"/>
-            </a:schemeClr>
-          </a:lnRef>
-          <a:fillRef idx="1">
-            <a:schemeClr val="accent1"/>
-          </a:fillRef>
-          <a:effectRef idx="0">
-            <a:schemeClr val="accent1"/>
-          </a:effectRef>
-          <a:fontRef idx="minor">
-            <a:schemeClr val="lt1"/>
-          </a:fontRef>
-        </p:style>
-        <p:txBody>
-          <a:bodyPr rtlCol="0" anchor="ctr"/>
-          <a:lstStyle/>
-          <a:p>
-            <a:pPr algn="ctr"/>
-            <a:endParaRPr lang="en-US"/>
-          </a:p>
-        </p:txBody>
-      </p:sp>
-      <p:sp>
-        <p:nvSpPr>
-          <p:cNvPr id="15" name="Rectangle 14">
-            <a:extLst>
-              <a:ext uri="{FF2B5EF4-FFF2-40B4-BE49-F238E27FC236}">
-                <a16:creationId xmlns:a16="http://schemas.microsoft.com/office/drawing/2014/main" id="{063BBA22-50EA-4C4D-BE05-F1CE4E63AA56}"/>
-              </a:ext>
-              <a:ext uri="{C183D7F6-B498-43B3-948B-1728B52AA6E4}">
-                <adec:decorative xmlns:adec="http://schemas.microsoft.com/office/drawing/2017/decorative" val="1"/>
-              </a:ext>
-            </a:extLst>
-          </p:cNvPr>
-          <p:cNvSpPr>
-            <a:spLocks noGrp="1" noRot="1" noChangeAspect="1" noMove="1" noResize="1" noEditPoints="1" noAdjustHandles="1" noChangeArrowheads="1" noChangeShapeType="1" noTextEdit="1"/>
-          </p:cNvSpPr>
-          <p:nvPr>
-            <p:extLst>
-              <p:ext uri="{386F3935-93C4-4BCD-93E2-E3B085C9AB24}">
-                <p16:designElem xmlns:p16="http://schemas.microsoft.com/office/powerpoint/2015/main" val="1"/>
-              </p:ext>
-            </p:extLst>
-          </p:nvPr>
-        </p:nvSpPr>
-        <p:spPr>
-          <a:xfrm rot="5400000">
-            <a:off x="3783777" y="-3783778"/>
-            <a:ext cx="1576446" cy="9144002"/>
-          </a:xfrm>
-          <a:prstGeom prst="rect">
-            <a:avLst/>
-          </a:prstGeom>
-          <a:gradFill>
-            <a:gsLst>
-              <a:gs pos="23000">
-                <a:schemeClr val="accent1">
-                  <a:alpha val="0"/>
-                </a:schemeClr>
-              </a:gs>
-              <a:gs pos="99000">
-                <a:srgbClr val="000000">
-                  <a:alpha val="74000"/>
-                </a:srgbClr>
-              </a:gs>
-            </a:gsLst>
-            <a:lin ang="20400000" scaled="0"/>
-          </a:gradFill>
-          <a:ln>
-            <a:noFill/>
-          </a:ln>
-        </p:spPr>
-        <p:style>
-          <a:lnRef idx="2">
-            <a:schemeClr val="accent1">
-              <a:shade val="50000"/>
-            </a:schemeClr>
-          </a:lnRef>
-          <a:fillRef idx="1">
-            <a:schemeClr val="accent1"/>
-          </a:fillRef>
-          <a:effectRef idx="0">
-            <a:schemeClr val="accent1"/>
-          </a:effectRef>
-          <a:fontRef idx="minor">
-            <a:schemeClr val="lt1"/>
-          </a:fontRef>
-        </p:style>
-        <p:txBody>
-          <a:bodyPr rtlCol="0" anchor="ctr"/>
-          <a:lstStyle/>
-          <a:p>
-            <a:pPr algn="ctr"/>
-            <a:endParaRPr lang="en-US" dirty="0"/>
-          </a:p>
-        </p:txBody>
-      </p:sp>
-      <p:sp>
-        <p:nvSpPr>
-          <p:cNvPr id="2" name="Title 1"/>
-          <p:cNvSpPr>
-            <a:spLocks noGrp="1"/>
-          </p:cNvSpPr>
-          <p:nvPr>
-            <p:ph type="title"/>
-          </p:nvPr>
-        </p:nvSpPr>
-        <p:spPr>
-          <a:xfrm>
-            <a:off x="1028697" y="348865"/>
-            <a:ext cx="7533018" cy="877729"/>
-          </a:xfrm>
-        </p:spPr>
-        <p:txBody>
-          <a:bodyPr anchor="ctr">
-            <a:normAutofit/>
-          </a:bodyPr>
-          <a:lstStyle/>
-          <a:p>
-            <a:r>
-              <a:rPr lang="en-US" sz="3500">
-                <a:solidFill>
-                  <a:srgbClr val="FFFFFF"/>
-                </a:solidFill>
-              </a:rPr>
-              <a:t>2. System Architecture</a:t>
-            </a:r>
-          </a:p>
-        </p:txBody>
-      </p:sp>
-      <p:graphicFrame>
-        <p:nvGraphicFramePr>
-          <p:cNvPr id="5" name="Content Placeholder 2">
-            <a:extLst>
-              <a:ext uri="{FF2B5EF4-FFF2-40B4-BE49-F238E27FC236}">
-                <a16:creationId xmlns:a16="http://schemas.microsoft.com/office/drawing/2014/main" id="{2C8BD23D-058D-DFCB-487E-4BEC63337A54}"/>
-              </a:ext>
-            </a:extLst>
-          </p:cNvPr>
-          <p:cNvGraphicFramePr>
-            <a:graphicFrameLocks noGrp="1"/>
-          </p:cNvGraphicFramePr>
-          <p:nvPr>
-            <p:ph idx="1"/>
-            <p:extLst>
-              <p:ext uri="{D42A27DB-BD31-4B8C-83A1-F6EECF244321}">
-                <p14:modId xmlns:p14="http://schemas.microsoft.com/office/powerpoint/2010/main" val="1650139878"/>
-              </p:ext>
-            </p:extLst>
-          </p:nvPr>
-        </p:nvGraphicFramePr>
-        <p:xfrm>
-          <a:off x="483042" y="2112579"/>
-          <a:ext cx="8195871" cy="4192805"/>
-        </p:xfrm>
-        <a:graphic>
-          <a:graphicData uri="http://schemas.openxmlformats.org/drawingml/2006/diagram">
-            <dgm:relIds xmlns:dgm="http://schemas.openxmlformats.org/drawingml/2006/diagram" xmlns:r="http://schemas.openxmlformats.org/officeDocument/2006/relationships" r:dm="rId2" r:lo="rId3" r:qs="rId4" r:cs="rId5"/>
-          </a:graphicData>
-        </a:graphic>
-      </p:graphicFrame>
-      <p:sp>
-        <p:nvSpPr>
-          <p:cNvPr id="4" name="Slide Number Placeholder 3">
-            <a:extLst>
-              <a:ext uri="{FF2B5EF4-FFF2-40B4-BE49-F238E27FC236}">
-                <a16:creationId xmlns:a16="http://schemas.microsoft.com/office/drawing/2014/main" id="{295EA7C6-197E-013F-A3B9-64FED00249D8}"/>
-              </a:ext>
-            </a:extLst>
-          </p:cNvPr>
-          <p:cNvSpPr>
-            <a:spLocks noGrp="1"/>
-          </p:cNvSpPr>
-          <p:nvPr>
-            <p:ph type="sldNum" sz="quarter" idx="12"/>
-          </p:nvPr>
-        </p:nvSpPr>
-        <p:spPr/>
-        <p:txBody>
-          <a:bodyPr/>
-          <a:lstStyle/>
-          <a:p>
-            <a:fld id="{C1FF6DA9-008F-8B48-92A6-B652298478BF}" type="slidenum">
-              <a:rPr lang="en-US" smtClean="0"/>
-              <a:t>4</a:t>
-            </a:fld>
-            <a:endParaRPr lang="en-US"/>
-          </a:p>
-        </p:txBody>
-      </p:sp>
-    </p:spTree>
-  </p:cSld>
-  <p:clrMapOvr>
-    <a:masterClrMapping/>
-  </p:clrMapOvr>
-</p:sld>
-</file>
-
-<file path=ppt/slides/slide5.xml><?xml version="1.0" encoding="utf-8"?>
+<file path=ppt/slides/slide10.xml><?xml version="1.0" encoding="utf-8"?>
 <p:sld xmlns:a="http://schemas.openxmlformats.org/drawingml/2006/main" xmlns:r="http://schemas.openxmlformats.org/officeDocument/2006/relationships" xmlns:p="http://schemas.openxmlformats.org/presentationml/2006/main">
   <p:cSld>
     <p:bg>
@@ -39700,7 +36163,7 @@
           <a:p>
             <a:fld id="{C1FF6DA9-008F-8B48-92A6-B652298478BF}" type="slidenum">
               <a:rPr lang="en-US" smtClean="0"/>
-              <a:t>5</a:t>
+              <a:t>10</a:t>
             </a:fld>
             <a:endParaRPr lang="en-US"/>
           </a:p>
@@ -39719,7 +36182,7 @@
 </p:sld>
 </file>
 
-<file path=ppt/slides/slide6.xml><?xml version="1.0" encoding="utf-8"?>
+<file path=ppt/slides/slide11.xml><?xml version="1.0" encoding="utf-8"?>
 <p:sld xmlns:a="http://schemas.openxmlformats.org/drawingml/2006/main" xmlns:r="http://schemas.openxmlformats.org/officeDocument/2006/relationships" xmlns:p="http://schemas.openxmlformats.org/presentationml/2006/main">
   <p:cSld>
     <p:bg>
@@ -40133,7 +36596,7 @@
           <a:p>
             <a:fld id="{C1FF6DA9-008F-8B48-92A6-B652298478BF}" type="slidenum">
               <a:rPr lang="en-US" smtClean="0"/>
-              <a:t>6</a:t>
+              <a:t>11</a:t>
             </a:fld>
             <a:endParaRPr lang="en-US"/>
           </a:p>
@@ -40147,7 +36610,7 @@
 </p:sld>
 </file>
 
-<file path=ppt/slides/slide7.xml><?xml version="1.0" encoding="utf-8"?>
+<file path=ppt/slides/slide12.xml><?xml version="1.0" encoding="utf-8"?>
 <p:sld xmlns:a="http://schemas.openxmlformats.org/drawingml/2006/main" xmlns:r="http://schemas.openxmlformats.org/officeDocument/2006/relationships" xmlns:p="http://schemas.openxmlformats.org/presentationml/2006/main">
   <p:cSld>
     <p:bg>
@@ -40562,7 +37025,7 @@
           <a:p>
             <a:fld id="{C1FF6DA9-008F-8B48-92A6-B652298478BF}" type="slidenum">
               <a:rPr lang="en-US" smtClean="0"/>
-              <a:t>7</a:t>
+              <a:t>12</a:t>
             </a:fld>
             <a:endParaRPr lang="en-US"/>
           </a:p>
@@ -40576,7 +37039,7 @@
 </p:sld>
 </file>
 
-<file path=ppt/slides/slide8.xml><?xml version="1.0" encoding="utf-8"?>
+<file path=ppt/slides/slide13.xml><?xml version="1.0" encoding="utf-8"?>
 <p:sld xmlns:a="http://schemas.openxmlformats.org/drawingml/2006/main" xmlns:r="http://schemas.openxmlformats.org/officeDocument/2006/relationships" xmlns:p="http://schemas.openxmlformats.org/presentationml/2006/main">
   <p:cSld>
     <p:bg>
@@ -40991,7 +37454,7 @@
           <a:p>
             <a:fld id="{C1FF6DA9-008F-8B48-92A6-B652298478BF}" type="slidenum">
               <a:rPr lang="en-US" smtClean="0"/>
-              <a:t>8</a:t>
+              <a:t>13</a:t>
             </a:fld>
             <a:endParaRPr lang="en-US"/>
           </a:p>
@@ -41005,7 +37468,7 @@
 </p:sld>
 </file>
 
-<file path=ppt/slides/slide9.xml><?xml version="1.0" encoding="utf-8"?>
+<file path=ppt/slides/slide14.xml><?xml version="1.0" encoding="utf-8"?>
 <p:sld xmlns:a="http://schemas.openxmlformats.org/drawingml/2006/main" xmlns:r="http://schemas.openxmlformats.org/officeDocument/2006/relationships" xmlns:p="http://schemas.openxmlformats.org/presentationml/2006/main">
   <p:cSld>
     <p:bg>
@@ -41432,7 +37895,7 @@
           <a:p>
             <a:fld id="{C1FF6DA9-008F-8B48-92A6-B652298478BF}" type="slidenum">
               <a:rPr lang="en-US" smtClean="0"/>
-              <a:t>9</a:t>
+              <a:t>14</a:t>
             </a:fld>
             <a:endParaRPr lang="en-US"/>
           </a:p>
@@ -41444,6 +37907,3795 @@
         <p14:creationId xmlns:p14="http://schemas.microsoft.com/office/powerpoint/2010/main" val="463611683"/>
       </p:ext>
     </p:extLst>
+  </p:cSld>
+  <p:clrMapOvr>
+    <a:masterClrMapping/>
+  </p:clrMapOvr>
+</p:sld>
+</file>
+
+<file path=ppt/slides/slide15.xml><?xml version="1.0" encoding="utf-8"?>
+<p:sld xmlns:a="http://schemas.openxmlformats.org/drawingml/2006/main" xmlns:r="http://schemas.openxmlformats.org/officeDocument/2006/relationships" xmlns:p="http://schemas.openxmlformats.org/presentationml/2006/main">
+  <p:cSld>
+    <p:bg>
+      <p:bgPr>
+        <a:solidFill>
+          <a:schemeClr val="bg1"/>
+        </a:solidFill>
+        <a:effectLst/>
+      </p:bgPr>
+    </p:bg>
+    <p:spTree>
+      <p:nvGrpSpPr>
+        <p:cNvPr id="1" name=""/>
+        <p:cNvGrpSpPr/>
+        <p:nvPr/>
+      </p:nvGrpSpPr>
+      <p:grpSpPr>
+        <a:xfrm>
+          <a:off x="0" y="0"/>
+          <a:ext cx="0" cy="0"/>
+          <a:chOff x="0" y="0"/>
+          <a:chExt cx="0" cy="0"/>
+        </a:xfrm>
+      </p:grpSpPr>
+      <p:sp useBgFill="1">
+        <p:nvSpPr>
+          <p:cNvPr id="20" name="Rectangle 19">
+            <a:extLst>
+              <a:ext uri="{FF2B5EF4-FFF2-40B4-BE49-F238E27FC236}">
+                <a16:creationId xmlns:a16="http://schemas.microsoft.com/office/drawing/2014/main" id="{BACC6370-2D7E-4714-9D71-7542949D7D5D}"/>
+              </a:ext>
+              <a:ext uri="{C183D7F6-B498-43B3-948B-1728B52AA6E4}">
+                <adec:decorative xmlns:adec="http://schemas.microsoft.com/office/drawing/2017/decorative" val="1"/>
+              </a:ext>
+            </a:extLst>
+          </p:cNvPr>
+          <p:cNvSpPr>
+            <a:spLocks noGrp="1" noRot="1" noChangeAspect="1" noMove="1" noResize="1" noEditPoints="1" noAdjustHandles="1" noChangeArrowheads="1" noChangeShapeType="1" noTextEdit="1"/>
+          </p:cNvSpPr>
+          <p:nvPr>
+            <p:extLst>
+              <p:ext uri="{386F3935-93C4-4BCD-93E2-E3B085C9AB24}">
+                <p16:designElem xmlns:p16="http://schemas.microsoft.com/office/powerpoint/2015/main" val="1"/>
+              </p:ext>
+            </p:extLst>
+          </p:nvPr>
+        </p:nvSpPr>
+        <p:spPr>
+          <a:xfrm>
+            <a:off x="0" y="0"/>
+            <a:ext cx="9144000" cy="6858000"/>
+          </a:xfrm>
+          <a:prstGeom prst="rect">
+            <a:avLst/>
+          </a:prstGeom>
+          <a:ln w="12700" cap="flat" cmpd="sng" algn="ctr">
+            <a:noFill/>
+            <a:prstDash val="solid"/>
+            <a:miter lim="800000"/>
+          </a:ln>
+          <a:effectLst/>
+          <a:extLst>
+            <a:ext uri="{91240B29-F687-4F45-9708-019B960494DF}">
+              <a14:hiddenLine xmlns:a14="http://schemas.microsoft.com/office/drawing/2010/main" w="12700" cap="flat" cmpd="sng" algn="ctr">
+                <a:solidFill>
+                  <a:schemeClr val="accent1">
+                    <a:shade val="50000"/>
+                  </a:schemeClr>
+                </a:solidFill>
+                <a:prstDash val="solid"/>
+                <a:miter lim="800000"/>
+              </a14:hiddenLine>
+            </a:ext>
+          </a:extLst>
+        </p:spPr>
+        <p:style>
+          <a:lnRef idx="2">
+            <a:schemeClr val="accent1">
+              <a:shade val="50000"/>
+            </a:schemeClr>
+          </a:lnRef>
+          <a:fillRef idx="1">
+            <a:schemeClr val="accent1"/>
+          </a:fillRef>
+          <a:effectRef idx="0">
+            <a:schemeClr val="accent1"/>
+          </a:effectRef>
+          <a:fontRef idx="minor">
+            <a:schemeClr val="lt1"/>
+          </a:fontRef>
+        </p:style>
+        <p:txBody>
+          <a:bodyPr rtlCol="0" anchor="ctr"/>
+          <a:lstStyle/>
+          <a:p>
+            <a:pPr algn="ctr"/>
+            <a:endParaRPr lang="en-US"/>
+          </a:p>
+        </p:txBody>
+      </p:sp>
+      <p:sp>
+        <p:nvSpPr>
+          <p:cNvPr id="22" name="Rectangle 21">
+            <a:extLst>
+              <a:ext uri="{FF2B5EF4-FFF2-40B4-BE49-F238E27FC236}">
+                <a16:creationId xmlns:a16="http://schemas.microsoft.com/office/drawing/2014/main" id="{F68B3F68-107C-434F-AA38-110D5EA91B85}"/>
+              </a:ext>
+              <a:ext uri="{C183D7F6-B498-43B3-948B-1728B52AA6E4}">
+                <adec:decorative xmlns:adec="http://schemas.microsoft.com/office/drawing/2017/decorative" val="1"/>
+              </a:ext>
+            </a:extLst>
+          </p:cNvPr>
+          <p:cNvSpPr>
+            <a:spLocks noGrp="1" noRot="1" noChangeAspect="1" noMove="1" noResize="1" noEditPoints="1" noAdjustHandles="1" noChangeArrowheads="1" noChangeShapeType="1" noTextEdit="1"/>
+          </p:cNvSpPr>
+          <p:nvPr>
+            <p:extLst>
+              <p:ext uri="{386F3935-93C4-4BCD-93E2-E3B085C9AB24}">
+                <p16:designElem xmlns:p16="http://schemas.microsoft.com/office/powerpoint/2015/main" val="1"/>
+              </p:ext>
+            </p:extLst>
+          </p:nvPr>
+        </p:nvSpPr>
+        <p:spPr>
+          <a:xfrm flipH="1">
+            <a:off x="1" y="0"/>
+            <a:ext cx="9143999" cy="2170031"/>
+          </a:xfrm>
+          <a:prstGeom prst="rect">
+            <a:avLst/>
+          </a:prstGeom>
+          <a:gradFill>
+            <a:gsLst>
+              <a:gs pos="0">
+                <a:srgbClr val="000000">
+                  <a:alpha val="96000"/>
+                </a:srgbClr>
+              </a:gs>
+              <a:gs pos="100000">
+                <a:schemeClr val="accent1">
+                  <a:lumMod val="75000"/>
+                </a:schemeClr>
+              </a:gs>
+            </a:gsLst>
+            <a:lin ang="19800000" scaled="0"/>
+          </a:gradFill>
+          <a:ln>
+            <a:noFill/>
+          </a:ln>
+        </p:spPr>
+        <p:style>
+          <a:lnRef idx="2">
+            <a:schemeClr val="accent1">
+              <a:shade val="50000"/>
+            </a:schemeClr>
+          </a:lnRef>
+          <a:fillRef idx="1">
+            <a:schemeClr val="accent1"/>
+          </a:fillRef>
+          <a:effectRef idx="0">
+            <a:schemeClr val="accent1"/>
+          </a:effectRef>
+          <a:fontRef idx="minor">
+            <a:schemeClr val="lt1"/>
+          </a:fontRef>
+        </p:style>
+        <p:txBody>
+          <a:bodyPr rtlCol="0" anchor="ctr"/>
+          <a:lstStyle/>
+          <a:p>
+            <a:pPr algn="ctr"/>
+            <a:endParaRPr lang="en-US"/>
+          </a:p>
+        </p:txBody>
+      </p:sp>
+      <p:sp>
+        <p:nvSpPr>
+          <p:cNvPr id="24" name="Rectangle 23">
+            <a:extLst>
+              <a:ext uri="{FF2B5EF4-FFF2-40B4-BE49-F238E27FC236}">
+                <a16:creationId xmlns:a16="http://schemas.microsoft.com/office/drawing/2014/main" id="{AAD0DBB9-1A4B-4391-81D4-CB19F9AB918A}"/>
+              </a:ext>
+              <a:ext uri="{C183D7F6-B498-43B3-948B-1728B52AA6E4}">
+                <adec:decorative xmlns:adec="http://schemas.microsoft.com/office/drawing/2017/decorative" val="1"/>
+              </a:ext>
+            </a:extLst>
+          </p:cNvPr>
+          <p:cNvSpPr>
+            <a:spLocks noGrp="1" noRot="1" noChangeAspect="1" noMove="1" noResize="1" noEditPoints="1" noAdjustHandles="1" noChangeArrowheads="1" noChangeShapeType="1" noTextEdit="1"/>
+          </p:cNvSpPr>
+          <p:nvPr>
+            <p:extLst>
+              <p:ext uri="{386F3935-93C4-4BCD-93E2-E3B085C9AB24}">
+                <p16:designElem xmlns:p16="http://schemas.microsoft.com/office/powerpoint/2015/main" val="1"/>
+              </p:ext>
+            </p:extLst>
+          </p:nvPr>
+        </p:nvSpPr>
+        <p:spPr>
+          <a:xfrm flipH="1">
+            <a:off x="6062114" y="0"/>
+            <a:ext cx="3072908" cy="2170661"/>
+          </a:xfrm>
+          <a:prstGeom prst="rect">
+            <a:avLst/>
+          </a:prstGeom>
+          <a:gradFill>
+            <a:gsLst>
+              <a:gs pos="19000">
+                <a:schemeClr val="accent1">
+                  <a:lumMod val="50000"/>
+                  <a:alpha val="68000"/>
+                </a:schemeClr>
+              </a:gs>
+              <a:gs pos="100000">
+                <a:schemeClr val="accent1">
+                  <a:alpha val="48000"/>
+                </a:schemeClr>
+              </a:gs>
+            </a:gsLst>
+            <a:lin ang="19200000" scaled="0"/>
+          </a:gradFill>
+          <a:ln>
+            <a:noFill/>
+          </a:ln>
+        </p:spPr>
+        <p:style>
+          <a:lnRef idx="2">
+            <a:schemeClr val="accent1">
+              <a:shade val="50000"/>
+            </a:schemeClr>
+          </a:lnRef>
+          <a:fillRef idx="1">
+            <a:schemeClr val="accent1"/>
+          </a:fillRef>
+          <a:effectRef idx="0">
+            <a:schemeClr val="accent1"/>
+          </a:effectRef>
+          <a:fontRef idx="minor">
+            <a:schemeClr val="lt1"/>
+          </a:fontRef>
+        </p:style>
+        <p:txBody>
+          <a:bodyPr rtlCol="0" anchor="ctr"/>
+          <a:lstStyle/>
+          <a:p>
+            <a:pPr algn="ctr"/>
+            <a:endParaRPr lang="en-US"/>
+          </a:p>
+        </p:txBody>
+      </p:sp>
+      <p:sp>
+        <p:nvSpPr>
+          <p:cNvPr id="26" name="Rectangle 25">
+            <a:extLst>
+              <a:ext uri="{FF2B5EF4-FFF2-40B4-BE49-F238E27FC236}">
+                <a16:creationId xmlns:a16="http://schemas.microsoft.com/office/drawing/2014/main" id="{063BBA22-50EA-4C4D-BE05-F1CE4E63AA56}"/>
+              </a:ext>
+              <a:ext uri="{C183D7F6-B498-43B3-948B-1728B52AA6E4}">
+                <adec:decorative xmlns:adec="http://schemas.microsoft.com/office/drawing/2017/decorative" val="1"/>
+              </a:ext>
+            </a:extLst>
+          </p:cNvPr>
+          <p:cNvSpPr>
+            <a:spLocks noGrp="1" noRot="1" noChangeAspect="1" noMove="1" noResize="1" noEditPoints="1" noAdjustHandles="1" noChangeArrowheads="1" noChangeShapeType="1" noTextEdit="1"/>
+          </p:cNvSpPr>
+          <p:nvPr>
+            <p:extLst>
+              <p:ext uri="{386F3935-93C4-4BCD-93E2-E3B085C9AB24}">
+                <p16:designElem xmlns:p16="http://schemas.microsoft.com/office/powerpoint/2015/main" val="1"/>
+              </p:ext>
+            </p:extLst>
+          </p:nvPr>
+        </p:nvSpPr>
+        <p:spPr>
+          <a:xfrm rot="16200000" flipH="1">
+            <a:off x="3486646" y="-3486043"/>
+            <a:ext cx="2170709" cy="9144000"/>
+          </a:xfrm>
+          <a:prstGeom prst="rect">
+            <a:avLst/>
+          </a:prstGeom>
+          <a:gradFill>
+            <a:gsLst>
+              <a:gs pos="23000">
+                <a:schemeClr val="accent1">
+                  <a:lumMod val="75000"/>
+                  <a:alpha val="16000"/>
+                </a:schemeClr>
+              </a:gs>
+              <a:gs pos="99000">
+                <a:srgbClr val="000000">
+                  <a:alpha val="45000"/>
+                </a:srgbClr>
+              </a:gs>
+            </a:gsLst>
+            <a:lin ang="21000000" scaled="0"/>
+          </a:gradFill>
+          <a:ln>
+            <a:noFill/>
+          </a:ln>
+        </p:spPr>
+        <p:style>
+          <a:lnRef idx="2">
+            <a:schemeClr val="accent1">
+              <a:shade val="50000"/>
+            </a:schemeClr>
+          </a:lnRef>
+          <a:fillRef idx="1">
+            <a:schemeClr val="accent1"/>
+          </a:fillRef>
+          <a:effectRef idx="0">
+            <a:schemeClr val="accent1"/>
+          </a:effectRef>
+          <a:fontRef idx="minor">
+            <a:schemeClr val="lt1"/>
+          </a:fontRef>
+        </p:style>
+        <p:txBody>
+          <a:bodyPr rtlCol="0" anchor="ctr"/>
+          <a:lstStyle/>
+          <a:p>
+            <a:pPr algn="ctr"/>
+            <a:endParaRPr lang="en-US" dirty="0"/>
+          </a:p>
+        </p:txBody>
+      </p:sp>
+      <p:sp>
+        <p:nvSpPr>
+          <p:cNvPr id="2" name="Title 1"/>
+          <p:cNvSpPr>
+            <a:spLocks noGrp="1"/>
+          </p:cNvSpPr>
+          <p:nvPr>
+            <p:ph type="title"/>
+          </p:nvPr>
+        </p:nvSpPr>
+        <p:spPr>
+          <a:xfrm>
+            <a:off x="1037673" y="348865"/>
+            <a:ext cx="7288583" cy="1576446"/>
+          </a:xfrm>
+        </p:spPr>
+        <p:txBody>
+          <a:bodyPr anchor="ctr">
+            <a:normAutofit/>
+          </a:bodyPr>
+          <a:lstStyle/>
+          <a:p>
+            <a:r>
+              <a:rPr lang="en-US" sz="3500">
+                <a:solidFill>
+                  <a:srgbClr val="FFFFFF"/>
+                </a:solidFill>
+              </a:rPr>
+              <a:t>6. Results &amp; Visualization</a:t>
+            </a:r>
+          </a:p>
+        </p:txBody>
+      </p:sp>
+      <p:graphicFrame>
+        <p:nvGraphicFramePr>
+          <p:cNvPr id="5" name="Content Placeholder 2">
+            <a:extLst>
+              <a:ext uri="{FF2B5EF4-FFF2-40B4-BE49-F238E27FC236}">
+                <a16:creationId xmlns:a16="http://schemas.microsoft.com/office/drawing/2014/main" id="{095149A2-0B14-9214-E175-B9B2AAE1D23C}"/>
+              </a:ext>
+            </a:extLst>
+          </p:cNvPr>
+          <p:cNvGraphicFramePr>
+            <a:graphicFrameLocks noGrp="1"/>
+          </p:cNvGraphicFramePr>
+          <p:nvPr>
+            <p:ph idx="1"/>
+            <p:extLst>
+              <p:ext uri="{D42A27DB-BD31-4B8C-83A1-F6EECF244321}">
+                <p14:modId xmlns:p14="http://schemas.microsoft.com/office/powerpoint/2010/main" val="837997743"/>
+              </p:ext>
+            </p:extLst>
+          </p:nvPr>
+        </p:nvGraphicFramePr>
+        <p:xfrm>
+          <a:off x="483042" y="2615979"/>
+          <a:ext cx="8195871" cy="3689405"/>
+        </p:xfrm>
+        <a:graphic>
+          <a:graphicData uri="http://schemas.openxmlformats.org/drawingml/2006/diagram">
+            <dgm:relIds xmlns:dgm="http://schemas.openxmlformats.org/drawingml/2006/diagram" xmlns:r="http://schemas.openxmlformats.org/officeDocument/2006/relationships" r:dm="rId2" r:lo="rId3" r:qs="rId4" r:cs="rId5"/>
+          </a:graphicData>
+        </a:graphic>
+      </p:graphicFrame>
+      <p:sp>
+        <p:nvSpPr>
+          <p:cNvPr id="4" name="Slide Number Placeholder 3">
+            <a:extLst>
+              <a:ext uri="{FF2B5EF4-FFF2-40B4-BE49-F238E27FC236}">
+                <a16:creationId xmlns:a16="http://schemas.microsoft.com/office/drawing/2014/main" id="{6C454BE7-2395-9BB5-F587-F8FFDA6310E8}"/>
+              </a:ext>
+            </a:extLst>
+          </p:cNvPr>
+          <p:cNvSpPr>
+            <a:spLocks noGrp="1"/>
+          </p:cNvSpPr>
+          <p:nvPr>
+            <p:ph type="sldNum" sz="quarter" idx="12"/>
+          </p:nvPr>
+        </p:nvSpPr>
+        <p:spPr/>
+        <p:txBody>
+          <a:bodyPr/>
+          <a:lstStyle/>
+          <a:p>
+            <a:fld id="{C1FF6DA9-008F-8B48-92A6-B652298478BF}" type="slidenum">
+              <a:rPr lang="en-US" smtClean="0"/>
+              <a:t>15</a:t>
+            </a:fld>
+            <a:endParaRPr lang="en-US"/>
+          </a:p>
+        </p:txBody>
+      </p:sp>
+    </p:spTree>
+  </p:cSld>
+  <p:clrMapOvr>
+    <a:masterClrMapping/>
+  </p:clrMapOvr>
+</p:sld>
+</file>
+
+<file path=ppt/slides/slide16.xml><?xml version="1.0" encoding="utf-8"?>
+<p:sld xmlns:a="http://schemas.openxmlformats.org/drawingml/2006/main" xmlns:r="http://schemas.openxmlformats.org/officeDocument/2006/relationships" xmlns:p="http://schemas.openxmlformats.org/presentationml/2006/main">
+  <p:cSld>
+    <p:bg>
+      <p:bgPr>
+        <a:solidFill>
+          <a:schemeClr val="bg1"/>
+        </a:solidFill>
+        <a:effectLst/>
+      </p:bgPr>
+    </p:bg>
+    <p:spTree>
+      <p:nvGrpSpPr>
+        <p:cNvPr id="1" name=""/>
+        <p:cNvGrpSpPr/>
+        <p:nvPr/>
+      </p:nvGrpSpPr>
+      <p:grpSpPr>
+        <a:xfrm>
+          <a:off x="0" y="0"/>
+          <a:ext cx="0" cy="0"/>
+          <a:chOff x="0" y="0"/>
+          <a:chExt cx="0" cy="0"/>
+        </a:xfrm>
+      </p:grpSpPr>
+      <p:sp useBgFill="1">
+        <p:nvSpPr>
+          <p:cNvPr id="16" name="Rectangle 15">
+            <a:extLst>
+              <a:ext uri="{FF2B5EF4-FFF2-40B4-BE49-F238E27FC236}">
+                <a16:creationId xmlns:a16="http://schemas.microsoft.com/office/drawing/2014/main" id="{BACC6370-2D7E-4714-9D71-7542949D7D5D}"/>
+              </a:ext>
+              <a:ext uri="{C183D7F6-B498-43B3-948B-1728B52AA6E4}">
+                <adec:decorative xmlns:adec="http://schemas.microsoft.com/office/drawing/2017/decorative" val="1"/>
+              </a:ext>
+            </a:extLst>
+          </p:cNvPr>
+          <p:cNvSpPr>
+            <a:spLocks noGrp="1" noRot="1" noChangeAspect="1" noMove="1" noResize="1" noEditPoints="1" noAdjustHandles="1" noChangeArrowheads="1" noChangeShapeType="1" noTextEdit="1"/>
+          </p:cNvSpPr>
+          <p:nvPr>
+            <p:extLst>
+              <p:ext uri="{386F3935-93C4-4BCD-93E2-E3B085C9AB24}">
+                <p16:designElem xmlns:p16="http://schemas.microsoft.com/office/powerpoint/2015/main" val="1"/>
+              </p:ext>
+            </p:extLst>
+          </p:nvPr>
+        </p:nvSpPr>
+        <p:spPr>
+          <a:xfrm>
+            <a:off x="0" y="0"/>
+            <a:ext cx="9144000" cy="6858000"/>
+          </a:xfrm>
+          <a:prstGeom prst="rect">
+            <a:avLst/>
+          </a:prstGeom>
+          <a:ln w="12700" cap="flat" cmpd="sng" algn="ctr">
+            <a:noFill/>
+            <a:prstDash val="solid"/>
+            <a:miter lim="800000"/>
+          </a:ln>
+          <a:effectLst/>
+          <a:extLst>
+            <a:ext uri="{91240B29-F687-4F45-9708-019B960494DF}">
+              <a14:hiddenLine xmlns:a14="http://schemas.microsoft.com/office/drawing/2010/main" w="12700" cap="flat" cmpd="sng" algn="ctr">
+                <a:solidFill>
+                  <a:schemeClr val="accent1">
+                    <a:shade val="50000"/>
+                  </a:schemeClr>
+                </a:solidFill>
+                <a:prstDash val="solid"/>
+                <a:miter lim="800000"/>
+              </a14:hiddenLine>
+            </a:ext>
+          </a:extLst>
+        </p:spPr>
+        <p:style>
+          <a:lnRef idx="2">
+            <a:schemeClr val="accent1">
+              <a:shade val="50000"/>
+            </a:schemeClr>
+          </a:lnRef>
+          <a:fillRef idx="1">
+            <a:schemeClr val="accent1"/>
+          </a:fillRef>
+          <a:effectRef idx="0">
+            <a:schemeClr val="accent1"/>
+          </a:effectRef>
+          <a:fontRef idx="minor">
+            <a:schemeClr val="lt1"/>
+          </a:fontRef>
+        </p:style>
+        <p:txBody>
+          <a:bodyPr rtlCol="0" anchor="ctr"/>
+          <a:lstStyle/>
+          <a:p>
+            <a:pPr algn="ctr"/>
+            <a:endParaRPr lang="en-US"/>
+          </a:p>
+        </p:txBody>
+      </p:sp>
+      <p:sp>
+        <p:nvSpPr>
+          <p:cNvPr id="18" name="Rectangle 17">
+            <a:extLst>
+              <a:ext uri="{FF2B5EF4-FFF2-40B4-BE49-F238E27FC236}">
+                <a16:creationId xmlns:a16="http://schemas.microsoft.com/office/drawing/2014/main" id="{F68B3F68-107C-434F-AA38-110D5EA91B85}"/>
+              </a:ext>
+              <a:ext uri="{C183D7F6-B498-43B3-948B-1728B52AA6E4}">
+                <adec:decorative xmlns:adec="http://schemas.microsoft.com/office/drawing/2017/decorative" val="1"/>
+              </a:ext>
+            </a:extLst>
+          </p:cNvPr>
+          <p:cNvSpPr>
+            <a:spLocks noGrp="1" noRot="1" noChangeAspect="1" noMove="1" noResize="1" noEditPoints="1" noAdjustHandles="1" noChangeArrowheads="1" noChangeShapeType="1" noTextEdit="1"/>
+          </p:cNvSpPr>
+          <p:nvPr>
+            <p:extLst>
+              <p:ext uri="{386F3935-93C4-4BCD-93E2-E3B085C9AB24}">
+                <p16:designElem xmlns:p16="http://schemas.microsoft.com/office/powerpoint/2015/main" val="1"/>
+              </p:ext>
+            </p:extLst>
+          </p:nvPr>
+        </p:nvSpPr>
+        <p:spPr>
+          <a:xfrm flipH="1">
+            <a:off x="1" y="0"/>
+            <a:ext cx="9143999" cy="1575955"/>
+          </a:xfrm>
+          <a:prstGeom prst="rect">
+            <a:avLst/>
+          </a:prstGeom>
+          <a:gradFill>
+            <a:gsLst>
+              <a:gs pos="0">
+                <a:srgbClr val="000000">
+                  <a:alpha val="96000"/>
+                </a:srgbClr>
+              </a:gs>
+              <a:gs pos="100000">
+                <a:schemeClr val="accent1">
+                  <a:lumMod val="75000"/>
+                </a:schemeClr>
+              </a:gs>
+            </a:gsLst>
+            <a:lin ang="8400000" scaled="0"/>
+          </a:gradFill>
+          <a:ln>
+            <a:noFill/>
+          </a:ln>
+        </p:spPr>
+        <p:style>
+          <a:lnRef idx="2">
+            <a:schemeClr val="accent1">
+              <a:shade val="50000"/>
+            </a:schemeClr>
+          </a:lnRef>
+          <a:fillRef idx="1">
+            <a:schemeClr val="accent1"/>
+          </a:fillRef>
+          <a:effectRef idx="0">
+            <a:schemeClr val="accent1"/>
+          </a:effectRef>
+          <a:fontRef idx="minor">
+            <a:schemeClr val="lt1"/>
+          </a:fontRef>
+        </p:style>
+        <p:txBody>
+          <a:bodyPr rtlCol="0" anchor="ctr"/>
+          <a:lstStyle/>
+          <a:p>
+            <a:pPr algn="ctr"/>
+            <a:endParaRPr lang="en-US"/>
+          </a:p>
+        </p:txBody>
+      </p:sp>
+      <p:sp>
+        <p:nvSpPr>
+          <p:cNvPr id="20" name="Rectangle 19">
+            <a:extLst>
+              <a:ext uri="{FF2B5EF4-FFF2-40B4-BE49-F238E27FC236}">
+                <a16:creationId xmlns:a16="http://schemas.microsoft.com/office/drawing/2014/main" id="{AAD0DBB9-1A4B-4391-81D4-CB19F9AB918A}"/>
+              </a:ext>
+              <a:ext uri="{C183D7F6-B498-43B3-948B-1728B52AA6E4}">
+                <adec:decorative xmlns:adec="http://schemas.microsoft.com/office/drawing/2017/decorative" val="1"/>
+              </a:ext>
+            </a:extLst>
+          </p:cNvPr>
+          <p:cNvSpPr>
+            <a:spLocks noGrp="1" noRot="1" noChangeAspect="1" noMove="1" noResize="1" noEditPoints="1" noAdjustHandles="1" noChangeArrowheads="1" noChangeShapeType="1" noTextEdit="1"/>
+          </p:cNvSpPr>
+          <p:nvPr>
+            <p:extLst>
+              <p:ext uri="{386F3935-93C4-4BCD-93E2-E3B085C9AB24}">
+                <p16:designElem xmlns:p16="http://schemas.microsoft.com/office/powerpoint/2015/main" val="1"/>
+              </p:ext>
+            </p:extLst>
+          </p:nvPr>
+        </p:nvSpPr>
+        <p:spPr>
+          <a:xfrm rot="10800000" flipH="1">
+            <a:off x="6096642" y="0"/>
+            <a:ext cx="3047358" cy="1576412"/>
+          </a:xfrm>
+          <a:prstGeom prst="rect">
+            <a:avLst/>
+          </a:prstGeom>
+          <a:gradFill>
+            <a:gsLst>
+              <a:gs pos="19000">
+                <a:schemeClr val="accent1">
+                  <a:lumMod val="50000"/>
+                  <a:alpha val="68000"/>
+                </a:schemeClr>
+              </a:gs>
+              <a:gs pos="100000">
+                <a:schemeClr val="accent1">
+                  <a:alpha val="79000"/>
+                </a:schemeClr>
+              </a:gs>
+            </a:gsLst>
+            <a:lin ang="19200000" scaled="0"/>
+          </a:gradFill>
+          <a:ln>
+            <a:noFill/>
+          </a:ln>
+        </p:spPr>
+        <p:style>
+          <a:lnRef idx="2">
+            <a:schemeClr val="accent1">
+              <a:shade val="50000"/>
+            </a:schemeClr>
+          </a:lnRef>
+          <a:fillRef idx="1">
+            <a:schemeClr val="accent1"/>
+          </a:fillRef>
+          <a:effectRef idx="0">
+            <a:schemeClr val="accent1"/>
+          </a:effectRef>
+          <a:fontRef idx="minor">
+            <a:schemeClr val="lt1"/>
+          </a:fontRef>
+        </p:style>
+        <p:txBody>
+          <a:bodyPr rtlCol="0" anchor="ctr"/>
+          <a:lstStyle/>
+          <a:p>
+            <a:pPr algn="ctr"/>
+            <a:endParaRPr lang="en-US"/>
+          </a:p>
+        </p:txBody>
+      </p:sp>
+      <p:sp>
+        <p:nvSpPr>
+          <p:cNvPr id="22" name="Rectangle 21">
+            <a:extLst>
+              <a:ext uri="{FF2B5EF4-FFF2-40B4-BE49-F238E27FC236}">
+                <a16:creationId xmlns:a16="http://schemas.microsoft.com/office/drawing/2014/main" id="{063BBA22-50EA-4C4D-BE05-F1CE4E63AA56}"/>
+              </a:ext>
+              <a:ext uri="{C183D7F6-B498-43B3-948B-1728B52AA6E4}">
+                <adec:decorative xmlns:adec="http://schemas.microsoft.com/office/drawing/2017/decorative" val="1"/>
+              </a:ext>
+            </a:extLst>
+          </p:cNvPr>
+          <p:cNvSpPr>
+            <a:spLocks noGrp="1" noRot="1" noChangeAspect="1" noMove="1" noResize="1" noEditPoints="1" noAdjustHandles="1" noChangeArrowheads="1" noChangeShapeType="1" noTextEdit="1"/>
+          </p:cNvSpPr>
+          <p:nvPr>
+            <p:extLst>
+              <p:ext uri="{386F3935-93C4-4BCD-93E2-E3B085C9AB24}">
+                <p16:designElem xmlns:p16="http://schemas.microsoft.com/office/powerpoint/2015/main" val="1"/>
+              </p:ext>
+            </p:extLst>
+          </p:nvPr>
+        </p:nvSpPr>
+        <p:spPr>
+          <a:xfrm rot="5400000">
+            <a:off x="3783777" y="-3783778"/>
+            <a:ext cx="1576446" cy="9144002"/>
+          </a:xfrm>
+          <a:prstGeom prst="rect">
+            <a:avLst/>
+          </a:prstGeom>
+          <a:gradFill>
+            <a:gsLst>
+              <a:gs pos="23000">
+                <a:schemeClr val="accent1">
+                  <a:alpha val="0"/>
+                </a:schemeClr>
+              </a:gs>
+              <a:gs pos="99000">
+                <a:srgbClr val="000000">
+                  <a:alpha val="74000"/>
+                </a:srgbClr>
+              </a:gs>
+            </a:gsLst>
+            <a:lin ang="20400000" scaled="0"/>
+          </a:gradFill>
+          <a:ln>
+            <a:noFill/>
+          </a:ln>
+        </p:spPr>
+        <p:style>
+          <a:lnRef idx="2">
+            <a:schemeClr val="accent1">
+              <a:shade val="50000"/>
+            </a:schemeClr>
+          </a:lnRef>
+          <a:fillRef idx="1">
+            <a:schemeClr val="accent1"/>
+          </a:fillRef>
+          <a:effectRef idx="0">
+            <a:schemeClr val="accent1"/>
+          </a:effectRef>
+          <a:fontRef idx="minor">
+            <a:schemeClr val="lt1"/>
+          </a:fontRef>
+        </p:style>
+        <p:txBody>
+          <a:bodyPr rtlCol="0" anchor="ctr"/>
+          <a:lstStyle/>
+          <a:p>
+            <a:pPr algn="ctr"/>
+            <a:endParaRPr lang="en-US" dirty="0"/>
+          </a:p>
+        </p:txBody>
+      </p:sp>
+      <p:sp>
+        <p:nvSpPr>
+          <p:cNvPr id="2" name="Title 1"/>
+          <p:cNvSpPr>
+            <a:spLocks noGrp="1"/>
+          </p:cNvSpPr>
+          <p:nvPr>
+            <p:ph type="title"/>
+          </p:nvPr>
+        </p:nvSpPr>
+        <p:spPr>
+          <a:xfrm>
+            <a:off x="1028697" y="348865"/>
+            <a:ext cx="7533018" cy="877729"/>
+          </a:xfrm>
+        </p:spPr>
+        <p:txBody>
+          <a:bodyPr anchor="ctr">
+            <a:normAutofit/>
+          </a:bodyPr>
+          <a:lstStyle/>
+          <a:p>
+            <a:r>
+              <a:rPr lang="en-US" sz="3500">
+                <a:solidFill>
+                  <a:srgbClr val="FFFFFF"/>
+                </a:solidFill>
+              </a:rPr>
+              <a:t>7. Future Improvements</a:t>
+            </a:r>
+          </a:p>
+        </p:txBody>
+      </p:sp>
+      <p:graphicFrame>
+        <p:nvGraphicFramePr>
+          <p:cNvPr id="5" name="Content Placeholder 2">
+            <a:extLst>
+              <a:ext uri="{FF2B5EF4-FFF2-40B4-BE49-F238E27FC236}">
+                <a16:creationId xmlns:a16="http://schemas.microsoft.com/office/drawing/2014/main" id="{F66632CC-1E54-D776-0583-1F72E53F2048}"/>
+              </a:ext>
+            </a:extLst>
+          </p:cNvPr>
+          <p:cNvGraphicFramePr>
+            <a:graphicFrameLocks noGrp="1"/>
+          </p:cNvGraphicFramePr>
+          <p:nvPr>
+            <p:ph idx="1"/>
+            <p:extLst>
+              <p:ext uri="{D42A27DB-BD31-4B8C-83A1-F6EECF244321}">
+                <p14:modId xmlns:p14="http://schemas.microsoft.com/office/powerpoint/2010/main" val="3530918824"/>
+              </p:ext>
+            </p:extLst>
+          </p:nvPr>
+        </p:nvGraphicFramePr>
+        <p:xfrm>
+          <a:off x="483042" y="2112579"/>
+          <a:ext cx="8195871" cy="4192805"/>
+        </p:xfrm>
+        <a:graphic>
+          <a:graphicData uri="http://schemas.openxmlformats.org/drawingml/2006/diagram">
+            <dgm:relIds xmlns:dgm="http://schemas.openxmlformats.org/drawingml/2006/diagram" xmlns:r="http://schemas.openxmlformats.org/officeDocument/2006/relationships" r:dm="rId2" r:lo="rId3" r:qs="rId4" r:cs="rId5"/>
+          </a:graphicData>
+        </a:graphic>
+      </p:graphicFrame>
+      <p:sp>
+        <p:nvSpPr>
+          <p:cNvPr id="4" name="Slide Number Placeholder 3">
+            <a:extLst>
+              <a:ext uri="{FF2B5EF4-FFF2-40B4-BE49-F238E27FC236}">
+                <a16:creationId xmlns:a16="http://schemas.microsoft.com/office/drawing/2014/main" id="{9D04F214-800C-310B-7281-EBEEC3BA47D2}"/>
+              </a:ext>
+            </a:extLst>
+          </p:cNvPr>
+          <p:cNvSpPr>
+            <a:spLocks noGrp="1"/>
+          </p:cNvSpPr>
+          <p:nvPr>
+            <p:ph type="sldNum" sz="quarter" idx="12"/>
+          </p:nvPr>
+        </p:nvSpPr>
+        <p:spPr/>
+        <p:txBody>
+          <a:bodyPr/>
+          <a:lstStyle/>
+          <a:p>
+            <a:fld id="{C1FF6DA9-008F-8B48-92A6-B652298478BF}" type="slidenum">
+              <a:rPr lang="en-US" smtClean="0"/>
+              <a:t>16</a:t>
+            </a:fld>
+            <a:endParaRPr lang="en-US"/>
+          </a:p>
+        </p:txBody>
+      </p:sp>
+    </p:spTree>
+  </p:cSld>
+  <p:clrMapOvr>
+    <a:masterClrMapping/>
+  </p:clrMapOvr>
+</p:sld>
+</file>
+
+<file path=ppt/slides/slide17.xml><?xml version="1.0" encoding="utf-8"?>
+<p:sld xmlns:a="http://schemas.openxmlformats.org/drawingml/2006/main" xmlns:r="http://schemas.openxmlformats.org/officeDocument/2006/relationships" xmlns:p="http://schemas.openxmlformats.org/presentationml/2006/main">
+  <p:cSld>
+    <p:bg>
+      <p:bgPr>
+        <a:solidFill>
+          <a:schemeClr val="bg1"/>
+        </a:solidFill>
+        <a:effectLst/>
+      </p:bgPr>
+    </p:bg>
+    <p:spTree>
+      <p:nvGrpSpPr>
+        <p:cNvPr id="1" name=""/>
+        <p:cNvGrpSpPr/>
+        <p:nvPr/>
+      </p:nvGrpSpPr>
+      <p:grpSpPr>
+        <a:xfrm>
+          <a:off x="0" y="0"/>
+          <a:ext cx="0" cy="0"/>
+          <a:chOff x="0" y="0"/>
+          <a:chExt cx="0" cy="0"/>
+        </a:xfrm>
+      </p:grpSpPr>
+      <p:sp useBgFill="1">
+        <p:nvSpPr>
+          <p:cNvPr id="9" name="Rectangle 8">
+            <a:extLst>
+              <a:ext uri="{FF2B5EF4-FFF2-40B4-BE49-F238E27FC236}">
+                <a16:creationId xmlns:a16="http://schemas.microsoft.com/office/drawing/2014/main" id="{BACC6370-2D7E-4714-9D71-7542949D7D5D}"/>
+              </a:ext>
+              <a:ext uri="{C183D7F6-B498-43B3-948B-1728B52AA6E4}">
+                <adec:decorative xmlns:adec="http://schemas.microsoft.com/office/drawing/2017/decorative" val="1"/>
+              </a:ext>
+            </a:extLst>
+          </p:cNvPr>
+          <p:cNvSpPr>
+            <a:spLocks noGrp="1" noRot="1" noChangeAspect="1" noMove="1" noResize="1" noEditPoints="1" noAdjustHandles="1" noChangeArrowheads="1" noChangeShapeType="1" noTextEdit="1"/>
+          </p:cNvSpPr>
+          <p:nvPr>
+            <p:extLst>
+              <p:ext uri="{386F3935-93C4-4BCD-93E2-E3B085C9AB24}">
+                <p16:designElem xmlns:p16="http://schemas.microsoft.com/office/powerpoint/2015/main" val="1"/>
+              </p:ext>
+            </p:extLst>
+          </p:nvPr>
+        </p:nvSpPr>
+        <p:spPr>
+          <a:xfrm>
+            <a:off x="0" y="0"/>
+            <a:ext cx="9144000" cy="6858000"/>
+          </a:xfrm>
+          <a:prstGeom prst="rect">
+            <a:avLst/>
+          </a:prstGeom>
+          <a:ln w="12700" cap="flat" cmpd="sng" algn="ctr">
+            <a:noFill/>
+            <a:prstDash val="solid"/>
+            <a:miter lim="800000"/>
+          </a:ln>
+          <a:effectLst/>
+          <a:extLst>
+            <a:ext uri="{91240B29-F687-4F45-9708-019B960494DF}">
+              <a14:hiddenLine xmlns:a14="http://schemas.microsoft.com/office/drawing/2010/main" w="12700" cap="flat" cmpd="sng" algn="ctr">
+                <a:solidFill>
+                  <a:schemeClr val="accent1">
+                    <a:shade val="50000"/>
+                  </a:schemeClr>
+                </a:solidFill>
+                <a:prstDash val="solid"/>
+                <a:miter lim="800000"/>
+              </a14:hiddenLine>
+            </a:ext>
+          </a:extLst>
+        </p:spPr>
+        <p:style>
+          <a:lnRef idx="2">
+            <a:schemeClr val="accent1">
+              <a:shade val="50000"/>
+            </a:schemeClr>
+          </a:lnRef>
+          <a:fillRef idx="1">
+            <a:schemeClr val="accent1"/>
+          </a:fillRef>
+          <a:effectRef idx="0">
+            <a:schemeClr val="accent1"/>
+          </a:effectRef>
+          <a:fontRef idx="minor">
+            <a:schemeClr val="lt1"/>
+          </a:fontRef>
+        </p:style>
+        <p:txBody>
+          <a:bodyPr rtlCol="0" anchor="ctr"/>
+          <a:lstStyle/>
+          <a:p>
+            <a:pPr algn="ctr"/>
+            <a:endParaRPr lang="en-US"/>
+          </a:p>
+        </p:txBody>
+      </p:sp>
+      <p:sp>
+        <p:nvSpPr>
+          <p:cNvPr id="11" name="Rectangle 10">
+            <a:extLst>
+              <a:ext uri="{FF2B5EF4-FFF2-40B4-BE49-F238E27FC236}">
+                <a16:creationId xmlns:a16="http://schemas.microsoft.com/office/drawing/2014/main" id="{F68B3F68-107C-434F-AA38-110D5EA91B85}"/>
+              </a:ext>
+              <a:ext uri="{C183D7F6-B498-43B3-948B-1728B52AA6E4}">
+                <adec:decorative xmlns:adec="http://schemas.microsoft.com/office/drawing/2017/decorative" val="1"/>
+              </a:ext>
+            </a:extLst>
+          </p:cNvPr>
+          <p:cNvSpPr>
+            <a:spLocks noGrp="1" noRot="1" noChangeAspect="1" noMove="1" noResize="1" noEditPoints="1" noAdjustHandles="1" noChangeArrowheads="1" noChangeShapeType="1" noTextEdit="1"/>
+          </p:cNvSpPr>
+          <p:nvPr>
+            <p:extLst>
+              <p:ext uri="{386F3935-93C4-4BCD-93E2-E3B085C9AB24}">
+                <p16:designElem xmlns:p16="http://schemas.microsoft.com/office/powerpoint/2015/main" val="1"/>
+              </p:ext>
+            </p:extLst>
+          </p:nvPr>
+        </p:nvSpPr>
+        <p:spPr>
+          <a:xfrm flipH="1">
+            <a:off x="1" y="0"/>
+            <a:ext cx="9143999" cy="1575955"/>
+          </a:xfrm>
+          <a:prstGeom prst="rect">
+            <a:avLst/>
+          </a:prstGeom>
+          <a:gradFill>
+            <a:gsLst>
+              <a:gs pos="0">
+                <a:srgbClr val="000000">
+                  <a:alpha val="96000"/>
+                </a:srgbClr>
+              </a:gs>
+              <a:gs pos="100000">
+                <a:schemeClr val="accent1">
+                  <a:lumMod val="75000"/>
+                </a:schemeClr>
+              </a:gs>
+            </a:gsLst>
+            <a:lin ang="8400000" scaled="0"/>
+          </a:gradFill>
+          <a:ln>
+            <a:noFill/>
+          </a:ln>
+        </p:spPr>
+        <p:style>
+          <a:lnRef idx="2">
+            <a:schemeClr val="accent1">
+              <a:shade val="50000"/>
+            </a:schemeClr>
+          </a:lnRef>
+          <a:fillRef idx="1">
+            <a:schemeClr val="accent1"/>
+          </a:fillRef>
+          <a:effectRef idx="0">
+            <a:schemeClr val="accent1"/>
+          </a:effectRef>
+          <a:fontRef idx="minor">
+            <a:schemeClr val="lt1"/>
+          </a:fontRef>
+        </p:style>
+        <p:txBody>
+          <a:bodyPr rtlCol="0" anchor="ctr"/>
+          <a:lstStyle/>
+          <a:p>
+            <a:pPr algn="ctr"/>
+            <a:endParaRPr lang="en-US"/>
+          </a:p>
+        </p:txBody>
+      </p:sp>
+      <p:sp>
+        <p:nvSpPr>
+          <p:cNvPr id="13" name="Rectangle 12">
+            <a:extLst>
+              <a:ext uri="{FF2B5EF4-FFF2-40B4-BE49-F238E27FC236}">
+                <a16:creationId xmlns:a16="http://schemas.microsoft.com/office/drawing/2014/main" id="{AAD0DBB9-1A4B-4391-81D4-CB19F9AB918A}"/>
+              </a:ext>
+              <a:ext uri="{C183D7F6-B498-43B3-948B-1728B52AA6E4}">
+                <adec:decorative xmlns:adec="http://schemas.microsoft.com/office/drawing/2017/decorative" val="1"/>
+              </a:ext>
+            </a:extLst>
+          </p:cNvPr>
+          <p:cNvSpPr>
+            <a:spLocks noGrp="1" noRot="1" noChangeAspect="1" noMove="1" noResize="1" noEditPoints="1" noAdjustHandles="1" noChangeArrowheads="1" noChangeShapeType="1" noTextEdit="1"/>
+          </p:cNvSpPr>
+          <p:nvPr>
+            <p:extLst>
+              <p:ext uri="{386F3935-93C4-4BCD-93E2-E3B085C9AB24}">
+                <p16:designElem xmlns:p16="http://schemas.microsoft.com/office/powerpoint/2015/main" val="1"/>
+              </p:ext>
+            </p:extLst>
+          </p:nvPr>
+        </p:nvSpPr>
+        <p:spPr>
+          <a:xfrm rot="10800000" flipH="1">
+            <a:off x="6096642" y="0"/>
+            <a:ext cx="3047358" cy="1576412"/>
+          </a:xfrm>
+          <a:prstGeom prst="rect">
+            <a:avLst/>
+          </a:prstGeom>
+          <a:gradFill>
+            <a:gsLst>
+              <a:gs pos="19000">
+                <a:schemeClr val="accent1">
+                  <a:lumMod val="50000"/>
+                  <a:alpha val="68000"/>
+                </a:schemeClr>
+              </a:gs>
+              <a:gs pos="100000">
+                <a:schemeClr val="accent1">
+                  <a:alpha val="79000"/>
+                </a:schemeClr>
+              </a:gs>
+            </a:gsLst>
+            <a:lin ang="19200000" scaled="0"/>
+          </a:gradFill>
+          <a:ln>
+            <a:noFill/>
+          </a:ln>
+        </p:spPr>
+        <p:style>
+          <a:lnRef idx="2">
+            <a:schemeClr val="accent1">
+              <a:shade val="50000"/>
+            </a:schemeClr>
+          </a:lnRef>
+          <a:fillRef idx="1">
+            <a:schemeClr val="accent1"/>
+          </a:fillRef>
+          <a:effectRef idx="0">
+            <a:schemeClr val="accent1"/>
+          </a:effectRef>
+          <a:fontRef idx="minor">
+            <a:schemeClr val="lt1"/>
+          </a:fontRef>
+        </p:style>
+        <p:txBody>
+          <a:bodyPr rtlCol="0" anchor="ctr"/>
+          <a:lstStyle/>
+          <a:p>
+            <a:pPr algn="ctr"/>
+            <a:endParaRPr lang="en-US"/>
+          </a:p>
+        </p:txBody>
+      </p:sp>
+      <p:sp>
+        <p:nvSpPr>
+          <p:cNvPr id="15" name="Rectangle 14">
+            <a:extLst>
+              <a:ext uri="{FF2B5EF4-FFF2-40B4-BE49-F238E27FC236}">
+                <a16:creationId xmlns:a16="http://schemas.microsoft.com/office/drawing/2014/main" id="{063BBA22-50EA-4C4D-BE05-F1CE4E63AA56}"/>
+              </a:ext>
+              <a:ext uri="{C183D7F6-B498-43B3-948B-1728B52AA6E4}">
+                <adec:decorative xmlns:adec="http://schemas.microsoft.com/office/drawing/2017/decorative" val="1"/>
+              </a:ext>
+            </a:extLst>
+          </p:cNvPr>
+          <p:cNvSpPr>
+            <a:spLocks noGrp="1" noRot="1" noChangeAspect="1" noMove="1" noResize="1" noEditPoints="1" noAdjustHandles="1" noChangeArrowheads="1" noChangeShapeType="1" noTextEdit="1"/>
+          </p:cNvSpPr>
+          <p:nvPr>
+            <p:extLst>
+              <p:ext uri="{386F3935-93C4-4BCD-93E2-E3B085C9AB24}">
+                <p16:designElem xmlns:p16="http://schemas.microsoft.com/office/powerpoint/2015/main" val="1"/>
+              </p:ext>
+            </p:extLst>
+          </p:nvPr>
+        </p:nvSpPr>
+        <p:spPr>
+          <a:xfrm rot="5400000">
+            <a:off x="3783777" y="-3783778"/>
+            <a:ext cx="1576446" cy="9144002"/>
+          </a:xfrm>
+          <a:prstGeom prst="rect">
+            <a:avLst/>
+          </a:prstGeom>
+          <a:gradFill>
+            <a:gsLst>
+              <a:gs pos="23000">
+                <a:schemeClr val="accent1">
+                  <a:alpha val="0"/>
+                </a:schemeClr>
+              </a:gs>
+              <a:gs pos="99000">
+                <a:srgbClr val="000000">
+                  <a:alpha val="74000"/>
+                </a:srgbClr>
+              </a:gs>
+            </a:gsLst>
+            <a:lin ang="20400000" scaled="0"/>
+          </a:gradFill>
+          <a:ln>
+            <a:noFill/>
+          </a:ln>
+        </p:spPr>
+        <p:style>
+          <a:lnRef idx="2">
+            <a:schemeClr val="accent1">
+              <a:shade val="50000"/>
+            </a:schemeClr>
+          </a:lnRef>
+          <a:fillRef idx="1">
+            <a:schemeClr val="accent1"/>
+          </a:fillRef>
+          <a:effectRef idx="0">
+            <a:schemeClr val="accent1"/>
+          </a:effectRef>
+          <a:fontRef idx="minor">
+            <a:schemeClr val="lt1"/>
+          </a:fontRef>
+        </p:style>
+        <p:txBody>
+          <a:bodyPr rtlCol="0" anchor="ctr"/>
+          <a:lstStyle/>
+          <a:p>
+            <a:pPr algn="ctr"/>
+            <a:endParaRPr lang="en-US" dirty="0"/>
+          </a:p>
+        </p:txBody>
+      </p:sp>
+      <p:sp>
+        <p:nvSpPr>
+          <p:cNvPr id="2" name="Title 1">
+            <a:extLst>
+              <a:ext uri="{FF2B5EF4-FFF2-40B4-BE49-F238E27FC236}">
+                <a16:creationId xmlns:a16="http://schemas.microsoft.com/office/drawing/2014/main" id="{A9134369-CA75-FF7E-80F8-F42AA0854E6A}"/>
+              </a:ext>
+            </a:extLst>
+          </p:cNvPr>
+          <p:cNvSpPr>
+            <a:spLocks noGrp="1"/>
+          </p:cNvSpPr>
+          <p:nvPr>
+            <p:ph type="title"/>
+          </p:nvPr>
+        </p:nvSpPr>
+        <p:spPr>
+          <a:xfrm>
+            <a:off x="1028697" y="348865"/>
+            <a:ext cx="7533018" cy="877729"/>
+          </a:xfrm>
+        </p:spPr>
+        <p:txBody>
+          <a:bodyPr anchor="ctr">
+            <a:normAutofit/>
+          </a:bodyPr>
+          <a:lstStyle/>
+          <a:p>
+            <a:r>
+              <a:rPr lang="en-US" sz="3500" b="1" i="0">
+                <a:solidFill>
+                  <a:srgbClr val="FFFFFF"/>
+                </a:solidFill>
+                <a:effectLst/>
+                <a:latin typeface="ui-sans-serif"/>
+              </a:rPr>
+              <a:t>Potential Challenges</a:t>
+            </a:r>
+            <a:endParaRPr lang="en-US" sz="3500">
+              <a:solidFill>
+                <a:srgbClr val="FFFFFF"/>
+              </a:solidFill>
+            </a:endParaRPr>
+          </a:p>
+        </p:txBody>
+      </p:sp>
+      <p:graphicFrame>
+        <p:nvGraphicFramePr>
+          <p:cNvPr id="5" name="Content Placeholder 2">
+            <a:extLst>
+              <a:ext uri="{FF2B5EF4-FFF2-40B4-BE49-F238E27FC236}">
+                <a16:creationId xmlns:a16="http://schemas.microsoft.com/office/drawing/2014/main" id="{77D20EAE-1145-5800-49C2-5FFAAC33A217}"/>
+              </a:ext>
+            </a:extLst>
+          </p:cNvPr>
+          <p:cNvGraphicFramePr>
+            <a:graphicFrameLocks noGrp="1"/>
+          </p:cNvGraphicFramePr>
+          <p:nvPr>
+            <p:ph idx="1"/>
+            <p:extLst>
+              <p:ext uri="{D42A27DB-BD31-4B8C-83A1-F6EECF244321}">
+                <p14:modId xmlns:p14="http://schemas.microsoft.com/office/powerpoint/2010/main" val="3620390643"/>
+              </p:ext>
+            </p:extLst>
+          </p:nvPr>
+        </p:nvGraphicFramePr>
+        <p:xfrm>
+          <a:off x="483042" y="2112579"/>
+          <a:ext cx="8195871" cy="4192805"/>
+        </p:xfrm>
+        <a:graphic>
+          <a:graphicData uri="http://schemas.openxmlformats.org/drawingml/2006/diagram">
+            <dgm:relIds xmlns:dgm="http://schemas.openxmlformats.org/drawingml/2006/diagram" xmlns:r="http://schemas.openxmlformats.org/officeDocument/2006/relationships" r:dm="rId2" r:lo="rId3" r:qs="rId4" r:cs="rId5"/>
+          </a:graphicData>
+        </a:graphic>
+      </p:graphicFrame>
+      <p:sp>
+        <p:nvSpPr>
+          <p:cNvPr id="4" name="Slide Number Placeholder 3">
+            <a:extLst>
+              <a:ext uri="{FF2B5EF4-FFF2-40B4-BE49-F238E27FC236}">
+                <a16:creationId xmlns:a16="http://schemas.microsoft.com/office/drawing/2014/main" id="{94F7DBB1-A153-4666-3DEA-3A101F79046E}"/>
+              </a:ext>
+            </a:extLst>
+          </p:cNvPr>
+          <p:cNvSpPr>
+            <a:spLocks noGrp="1"/>
+          </p:cNvSpPr>
+          <p:nvPr>
+            <p:ph type="sldNum" sz="quarter" idx="12"/>
+          </p:nvPr>
+        </p:nvSpPr>
+        <p:spPr/>
+        <p:txBody>
+          <a:bodyPr/>
+          <a:lstStyle/>
+          <a:p>
+            <a:fld id="{C1FF6DA9-008F-8B48-92A6-B652298478BF}" type="slidenum">
+              <a:rPr lang="en-US" smtClean="0"/>
+              <a:t>17</a:t>
+            </a:fld>
+            <a:endParaRPr lang="en-US"/>
+          </a:p>
+        </p:txBody>
+      </p:sp>
+    </p:spTree>
+    <p:extLst>
+      <p:ext uri="{BB962C8B-B14F-4D97-AF65-F5344CB8AC3E}">
+        <p14:creationId xmlns:p14="http://schemas.microsoft.com/office/powerpoint/2010/main" val="2673572258"/>
+      </p:ext>
+    </p:extLst>
+  </p:cSld>
+  <p:clrMapOvr>
+    <a:masterClrMapping/>
+  </p:clrMapOvr>
+</p:sld>
+</file>
+
+<file path=ppt/slides/slide18.xml><?xml version="1.0" encoding="utf-8"?>
+<p:sld xmlns:a="http://schemas.openxmlformats.org/drawingml/2006/main" xmlns:r="http://schemas.openxmlformats.org/officeDocument/2006/relationships" xmlns:p="http://schemas.openxmlformats.org/presentationml/2006/main">
+  <p:cSld>
+    <p:bg>
+      <p:bgPr>
+        <a:solidFill>
+          <a:schemeClr val="bg1"/>
+        </a:solidFill>
+        <a:effectLst/>
+      </p:bgPr>
+    </p:bg>
+    <p:spTree>
+      <p:nvGrpSpPr>
+        <p:cNvPr id="1" name=""/>
+        <p:cNvGrpSpPr/>
+        <p:nvPr/>
+      </p:nvGrpSpPr>
+      <p:grpSpPr>
+        <a:xfrm>
+          <a:off x="0" y="0"/>
+          <a:ext cx="0" cy="0"/>
+          <a:chOff x="0" y="0"/>
+          <a:chExt cx="0" cy="0"/>
+        </a:xfrm>
+      </p:grpSpPr>
+      <p:sp useBgFill="1">
+        <p:nvSpPr>
+          <p:cNvPr id="16" name="Rectangle 15">
+            <a:extLst>
+              <a:ext uri="{FF2B5EF4-FFF2-40B4-BE49-F238E27FC236}">
+                <a16:creationId xmlns:a16="http://schemas.microsoft.com/office/drawing/2014/main" id="{BACC6370-2D7E-4714-9D71-7542949D7D5D}"/>
+              </a:ext>
+              <a:ext uri="{C183D7F6-B498-43B3-948B-1728B52AA6E4}">
+                <adec:decorative xmlns:adec="http://schemas.microsoft.com/office/drawing/2017/decorative" val="1"/>
+              </a:ext>
+            </a:extLst>
+          </p:cNvPr>
+          <p:cNvSpPr>
+            <a:spLocks noGrp="1" noRot="1" noChangeAspect="1" noMove="1" noResize="1" noEditPoints="1" noAdjustHandles="1" noChangeArrowheads="1" noChangeShapeType="1" noTextEdit="1"/>
+          </p:cNvSpPr>
+          <p:nvPr>
+            <p:extLst>
+              <p:ext uri="{386F3935-93C4-4BCD-93E2-E3B085C9AB24}">
+                <p16:designElem xmlns:p16="http://schemas.microsoft.com/office/powerpoint/2015/main" val="1"/>
+              </p:ext>
+            </p:extLst>
+          </p:nvPr>
+        </p:nvSpPr>
+        <p:spPr>
+          <a:xfrm>
+            <a:off x="0" y="0"/>
+            <a:ext cx="9144000" cy="6858000"/>
+          </a:xfrm>
+          <a:prstGeom prst="rect">
+            <a:avLst/>
+          </a:prstGeom>
+          <a:ln w="12700" cap="flat" cmpd="sng" algn="ctr">
+            <a:noFill/>
+            <a:prstDash val="solid"/>
+            <a:miter lim="800000"/>
+          </a:ln>
+          <a:effectLst/>
+          <a:extLst>
+            <a:ext uri="{91240B29-F687-4F45-9708-019B960494DF}">
+              <a14:hiddenLine xmlns:a14="http://schemas.microsoft.com/office/drawing/2010/main" w="12700" cap="flat" cmpd="sng" algn="ctr">
+                <a:solidFill>
+                  <a:schemeClr val="accent1">
+                    <a:shade val="50000"/>
+                  </a:schemeClr>
+                </a:solidFill>
+                <a:prstDash val="solid"/>
+                <a:miter lim="800000"/>
+              </a14:hiddenLine>
+            </a:ext>
+          </a:extLst>
+        </p:spPr>
+        <p:style>
+          <a:lnRef idx="2">
+            <a:schemeClr val="accent1">
+              <a:shade val="50000"/>
+            </a:schemeClr>
+          </a:lnRef>
+          <a:fillRef idx="1">
+            <a:schemeClr val="accent1"/>
+          </a:fillRef>
+          <a:effectRef idx="0">
+            <a:schemeClr val="accent1"/>
+          </a:effectRef>
+          <a:fontRef idx="minor">
+            <a:schemeClr val="lt1"/>
+          </a:fontRef>
+        </p:style>
+        <p:txBody>
+          <a:bodyPr rtlCol="0" anchor="ctr"/>
+          <a:lstStyle/>
+          <a:p>
+            <a:pPr algn="ctr"/>
+            <a:endParaRPr lang="en-US"/>
+          </a:p>
+        </p:txBody>
+      </p:sp>
+      <p:sp>
+        <p:nvSpPr>
+          <p:cNvPr id="18" name="Rectangle 17">
+            <a:extLst>
+              <a:ext uri="{FF2B5EF4-FFF2-40B4-BE49-F238E27FC236}">
+                <a16:creationId xmlns:a16="http://schemas.microsoft.com/office/drawing/2014/main" id="{F68B3F68-107C-434F-AA38-110D5EA91B85}"/>
+              </a:ext>
+              <a:ext uri="{C183D7F6-B498-43B3-948B-1728B52AA6E4}">
+                <adec:decorative xmlns:adec="http://schemas.microsoft.com/office/drawing/2017/decorative" val="1"/>
+              </a:ext>
+            </a:extLst>
+          </p:cNvPr>
+          <p:cNvSpPr>
+            <a:spLocks noGrp="1" noRot="1" noChangeAspect="1" noMove="1" noResize="1" noEditPoints="1" noAdjustHandles="1" noChangeArrowheads="1" noChangeShapeType="1" noTextEdit="1"/>
+          </p:cNvSpPr>
+          <p:nvPr>
+            <p:extLst>
+              <p:ext uri="{386F3935-93C4-4BCD-93E2-E3B085C9AB24}">
+                <p16:designElem xmlns:p16="http://schemas.microsoft.com/office/powerpoint/2015/main" val="1"/>
+              </p:ext>
+            </p:extLst>
+          </p:nvPr>
+        </p:nvSpPr>
+        <p:spPr>
+          <a:xfrm flipH="1">
+            <a:off x="1" y="0"/>
+            <a:ext cx="9143999" cy="2170031"/>
+          </a:xfrm>
+          <a:prstGeom prst="rect">
+            <a:avLst/>
+          </a:prstGeom>
+          <a:gradFill>
+            <a:gsLst>
+              <a:gs pos="0">
+                <a:srgbClr val="000000">
+                  <a:alpha val="96000"/>
+                </a:srgbClr>
+              </a:gs>
+              <a:gs pos="100000">
+                <a:schemeClr val="accent1">
+                  <a:lumMod val="75000"/>
+                </a:schemeClr>
+              </a:gs>
+            </a:gsLst>
+            <a:lin ang="19800000" scaled="0"/>
+          </a:gradFill>
+          <a:ln>
+            <a:noFill/>
+          </a:ln>
+        </p:spPr>
+        <p:style>
+          <a:lnRef idx="2">
+            <a:schemeClr val="accent1">
+              <a:shade val="50000"/>
+            </a:schemeClr>
+          </a:lnRef>
+          <a:fillRef idx="1">
+            <a:schemeClr val="accent1"/>
+          </a:fillRef>
+          <a:effectRef idx="0">
+            <a:schemeClr val="accent1"/>
+          </a:effectRef>
+          <a:fontRef idx="minor">
+            <a:schemeClr val="lt1"/>
+          </a:fontRef>
+        </p:style>
+        <p:txBody>
+          <a:bodyPr rtlCol="0" anchor="ctr"/>
+          <a:lstStyle/>
+          <a:p>
+            <a:pPr algn="ctr"/>
+            <a:endParaRPr lang="en-US"/>
+          </a:p>
+        </p:txBody>
+      </p:sp>
+      <p:sp>
+        <p:nvSpPr>
+          <p:cNvPr id="20" name="Rectangle 19">
+            <a:extLst>
+              <a:ext uri="{FF2B5EF4-FFF2-40B4-BE49-F238E27FC236}">
+                <a16:creationId xmlns:a16="http://schemas.microsoft.com/office/drawing/2014/main" id="{AAD0DBB9-1A4B-4391-81D4-CB19F9AB918A}"/>
+              </a:ext>
+              <a:ext uri="{C183D7F6-B498-43B3-948B-1728B52AA6E4}">
+                <adec:decorative xmlns:adec="http://schemas.microsoft.com/office/drawing/2017/decorative" val="1"/>
+              </a:ext>
+            </a:extLst>
+          </p:cNvPr>
+          <p:cNvSpPr>
+            <a:spLocks noGrp="1" noRot="1" noChangeAspect="1" noMove="1" noResize="1" noEditPoints="1" noAdjustHandles="1" noChangeArrowheads="1" noChangeShapeType="1" noTextEdit="1"/>
+          </p:cNvSpPr>
+          <p:nvPr>
+            <p:extLst>
+              <p:ext uri="{386F3935-93C4-4BCD-93E2-E3B085C9AB24}">
+                <p16:designElem xmlns:p16="http://schemas.microsoft.com/office/powerpoint/2015/main" val="1"/>
+              </p:ext>
+            </p:extLst>
+          </p:nvPr>
+        </p:nvSpPr>
+        <p:spPr>
+          <a:xfrm flipH="1">
+            <a:off x="6062114" y="0"/>
+            <a:ext cx="3072908" cy="2170661"/>
+          </a:xfrm>
+          <a:prstGeom prst="rect">
+            <a:avLst/>
+          </a:prstGeom>
+          <a:gradFill>
+            <a:gsLst>
+              <a:gs pos="19000">
+                <a:schemeClr val="accent1">
+                  <a:lumMod val="50000"/>
+                  <a:alpha val="68000"/>
+                </a:schemeClr>
+              </a:gs>
+              <a:gs pos="100000">
+                <a:schemeClr val="accent1">
+                  <a:alpha val="48000"/>
+                </a:schemeClr>
+              </a:gs>
+            </a:gsLst>
+            <a:lin ang="19200000" scaled="0"/>
+          </a:gradFill>
+          <a:ln>
+            <a:noFill/>
+          </a:ln>
+        </p:spPr>
+        <p:style>
+          <a:lnRef idx="2">
+            <a:schemeClr val="accent1">
+              <a:shade val="50000"/>
+            </a:schemeClr>
+          </a:lnRef>
+          <a:fillRef idx="1">
+            <a:schemeClr val="accent1"/>
+          </a:fillRef>
+          <a:effectRef idx="0">
+            <a:schemeClr val="accent1"/>
+          </a:effectRef>
+          <a:fontRef idx="minor">
+            <a:schemeClr val="lt1"/>
+          </a:fontRef>
+        </p:style>
+        <p:txBody>
+          <a:bodyPr rtlCol="0" anchor="ctr"/>
+          <a:lstStyle/>
+          <a:p>
+            <a:pPr algn="ctr"/>
+            <a:endParaRPr lang="en-US"/>
+          </a:p>
+        </p:txBody>
+      </p:sp>
+      <p:sp>
+        <p:nvSpPr>
+          <p:cNvPr id="22" name="Rectangle 21">
+            <a:extLst>
+              <a:ext uri="{FF2B5EF4-FFF2-40B4-BE49-F238E27FC236}">
+                <a16:creationId xmlns:a16="http://schemas.microsoft.com/office/drawing/2014/main" id="{063BBA22-50EA-4C4D-BE05-F1CE4E63AA56}"/>
+              </a:ext>
+              <a:ext uri="{C183D7F6-B498-43B3-948B-1728B52AA6E4}">
+                <adec:decorative xmlns:adec="http://schemas.microsoft.com/office/drawing/2017/decorative" val="1"/>
+              </a:ext>
+            </a:extLst>
+          </p:cNvPr>
+          <p:cNvSpPr>
+            <a:spLocks noGrp="1" noRot="1" noChangeAspect="1" noMove="1" noResize="1" noEditPoints="1" noAdjustHandles="1" noChangeArrowheads="1" noChangeShapeType="1" noTextEdit="1"/>
+          </p:cNvSpPr>
+          <p:nvPr>
+            <p:extLst>
+              <p:ext uri="{386F3935-93C4-4BCD-93E2-E3B085C9AB24}">
+                <p16:designElem xmlns:p16="http://schemas.microsoft.com/office/powerpoint/2015/main" val="1"/>
+              </p:ext>
+            </p:extLst>
+          </p:nvPr>
+        </p:nvSpPr>
+        <p:spPr>
+          <a:xfrm rot="16200000" flipH="1">
+            <a:off x="3486646" y="-3486043"/>
+            <a:ext cx="2170709" cy="9144000"/>
+          </a:xfrm>
+          <a:prstGeom prst="rect">
+            <a:avLst/>
+          </a:prstGeom>
+          <a:gradFill>
+            <a:gsLst>
+              <a:gs pos="23000">
+                <a:schemeClr val="accent1">
+                  <a:lumMod val="75000"/>
+                  <a:alpha val="16000"/>
+                </a:schemeClr>
+              </a:gs>
+              <a:gs pos="99000">
+                <a:srgbClr val="000000">
+                  <a:alpha val="45000"/>
+                </a:srgbClr>
+              </a:gs>
+            </a:gsLst>
+            <a:lin ang="21000000" scaled="0"/>
+          </a:gradFill>
+          <a:ln>
+            <a:noFill/>
+          </a:ln>
+        </p:spPr>
+        <p:style>
+          <a:lnRef idx="2">
+            <a:schemeClr val="accent1">
+              <a:shade val="50000"/>
+            </a:schemeClr>
+          </a:lnRef>
+          <a:fillRef idx="1">
+            <a:schemeClr val="accent1"/>
+          </a:fillRef>
+          <a:effectRef idx="0">
+            <a:schemeClr val="accent1"/>
+          </a:effectRef>
+          <a:fontRef idx="minor">
+            <a:schemeClr val="lt1"/>
+          </a:fontRef>
+        </p:style>
+        <p:txBody>
+          <a:bodyPr rtlCol="0" anchor="ctr"/>
+          <a:lstStyle/>
+          <a:p>
+            <a:pPr algn="ctr"/>
+            <a:endParaRPr lang="en-US" dirty="0"/>
+          </a:p>
+        </p:txBody>
+      </p:sp>
+      <p:sp>
+        <p:nvSpPr>
+          <p:cNvPr id="2" name="Title 1"/>
+          <p:cNvSpPr>
+            <a:spLocks noGrp="1"/>
+          </p:cNvSpPr>
+          <p:nvPr>
+            <p:ph type="title"/>
+          </p:nvPr>
+        </p:nvSpPr>
+        <p:spPr>
+          <a:xfrm>
+            <a:off x="1037673" y="348865"/>
+            <a:ext cx="7288583" cy="1576446"/>
+          </a:xfrm>
+        </p:spPr>
+        <p:txBody>
+          <a:bodyPr anchor="ctr">
+            <a:normAutofit/>
+          </a:bodyPr>
+          <a:lstStyle/>
+          <a:p>
+            <a:r>
+              <a:rPr lang="en-US" sz="3500">
+                <a:solidFill>
+                  <a:srgbClr val="FFFFFF"/>
+                </a:solidFill>
+              </a:rPr>
+              <a:t>8. Conclusion</a:t>
+            </a:r>
+          </a:p>
+        </p:txBody>
+      </p:sp>
+      <p:graphicFrame>
+        <p:nvGraphicFramePr>
+          <p:cNvPr id="5" name="Content Placeholder 2">
+            <a:extLst>
+              <a:ext uri="{FF2B5EF4-FFF2-40B4-BE49-F238E27FC236}">
+                <a16:creationId xmlns:a16="http://schemas.microsoft.com/office/drawing/2014/main" id="{BE744FE1-35FC-DAA3-B65A-12686A214829}"/>
+              </a:ext>
+            </a:extLst>
+          </p:cNvPr>
+          <p:cNvGraphicFramePr>
+            <a:graphicFrameLocks noGrp="1"/>
+          </p:cNvGraphicFramePr>
+          <p:nvPr>
+            <p:ph idx="1"/>
+            <p:extLst>
+              <p:ext uri="{D42A27DB-BD31-4B8C-83A1-F6EECF244321}">
+                <p14:modId xmlns:p14="http://schemas.microsoft.com/office/powerpoint/2010/main" val="4209901168"/>
+              </p:ext>
+            </p:extLst>
+          </p:nvPr>
+        </p:nvGraphicFramePr>
+        <p:xfrm>
+          <a:off x="483042" y="2615979"/>
+          <a:ext cx="8195871" cy="3689405"/>
+        </p:xfrm>
+        <a:graphic>
+          <a:graphicData uri="http://schemas.openxmlformats.org/drawingml/2006/diagram">
+            <dgm:relIds xmlns:dgm="http://schemas.openxmlformats.org/drawingml/2006/diagram" xmlns:r="http://schemas.openxmlformats.org/officeDocument/2006/relationships" r:dm="rId2" r:lo="rId3" r:qs="rId4" r:cs="rId5"/>
+          </a:graphicData>
+        </a:graphic>
+      </p:graphicFrame>
+      <p:sp>
+        <p:nvSpPr>
+          <p:cNvPr id="4" name="Slide Number Placeholder 3">
+            <a:extLst>
+              <a:ext uri="{FF2B5EF4-FFF2-40B4-BE49-F238E27FC236}">
+                <a16:creationId xmlns:a16="http://schemas.microsoft.com/office/drawing/2014/main" id="{D3CEF784-4475-DB58-8F29-A1C85EEB8C56}"/>
+              </a:ext>
+            </a:extLst>
+          </p:cNvPr>
+          <p:cNvSpPr>
+            <a:spLocks noGrp="1"/>
+          </p:cNvSpPr>
+          <p:nvPr>
+            <p:ph type="sldNum" sz="quarter" idx="12"/>
+          </p:nvPr>
+        </p:nvSpPr>
+        <p:spPr/>
+        <p:txBody>
+          <a:bodyPr/>
+          <a:lstStyle/>
+          <a:p>
+            <a:fld id="{C1FF6DA9-008F-8B48-92A6-B652298478BF}" type="slidenum">
+              <a:rPr lang="en-US" smtClean="0"/>
+              <a:t>18</a:t>
+            </a:fld>
+            <a:endParaRPr lang="en-US"/>
+          </a:p>
+        </p:txBody>
+      </p:sp>
+    </p:spTree>
+  </p:cSld>
+  <p:clrMapOvr>
+    <a:masterClrMapping/>
+  </p:clrMapOvr>
+</p:sld>
+</file>
+
+<file path=ppt/slides/slide2.xml><?xml version="1.0" encoding="utf-8"?>
+<p:sld xmlns:a="http://schemas.openxmlformats.org/drawingml/2006/main" xmlns:r="http://schemas.openxmlformats.org/officeDocument/2006/relationships" xmlns:p="http://schemas.openxmlformats.org/presentationml/2006/main">
+  <p:cSld>
+    <p:spTree>
+      <p:nvGrpSpPr>
+        <p:cNvPr id="1" name=""/>
+        <p:cNvGrpSpPr/>
+        <p:nvPr/>
+      </p:nvGrpSpPr>
+      <p:grpSpPr>
+        <a:xfrm>
+          <a:off x="0" y="0"/>
+          <a:ext cx="0" cy="0"/>
+          <a:chOff x="0" y="0"/>
+          <a:chExt cx="0" cy="0"/>
+        </a:xfrm>
+      </p:grpSpPr>
+      <p:sp>
+        <p:nvSpPr>
+          <p:cNvPr id="2" name="Title 1"/>
+          <p:cNvSpPr>
+            <a:spLocks noGrp="1"/>
+          </p:cNvSpPr>
+          <p:nvPr>
+            <p:ph type="title"/>
+          </p:nvPr>
+        </p:nvSpPr>
+        <p:spPr>
+          <a:xfrm>
+            <a:off x="457200" y="688580"/>
+            <a:ext cx="8229600" cy="1143000"/>
+          </a:xfrm>
+        </p:spPr>
+        <p:txBody>
+          <a:bodyPr anchor="ctr">
+            <a:normAutofit/>
+          </a:bodyPr>
+          <a:lstStyle/>
+          <a:p>
+            <a:r>
+              <a:rPr lang="en-US"/>
+              <a:t>1. Project Overview</a:t>
+            </a:r>
+          </a:p>
+        </p:txBody>
+      </p:sp>
+      <p:sp>
+        <p:nvSpPr>
+          <p:cNvPr id="3" name="Content Placeholder 2"/>
+          <p:cNvSpPr>
+            <a:spLocks noGrp="1"/>
+          </p:cNvSpPr>
+          <p:nvPr>
+            <p:ph sz="half" idx="1"/>
+          </p:nvPr>
+        </p:nvSpPr>
+        <p:spPr>
+          <a:xfrm>
+            <a:off x="457200" y="1600200"/>
+            <a:ext cx="4038600" cy="4525963"/>
+          </a:xfrm>
+        </p:spPr>
+        <p:txBody>
+          <a:bodyPr>
+            <a:normAutofit/>
+          </a:bodyPr>
+          <a:lstStyle/>
+          <a:p>
+            <a:pPr>
+              <a:lnSpc>
+                <a:spcPct val="90000"/>
+              </a:lnSpc>
+              <a:spcAft>
+                <a:spcPts val="1200"/>
+              </a:spcAft>
+              <a:buFont typeface="Arial" panose="020B0604020202020204" pitchFamily="34" charset="0"/>
+              <a:buChar char="•"/>
+            </a:pPr>
+            <a:r>
+              <a:rPr lang="en-US" sz="2000" b="0" i="0">
+                <a:effectLst/>
+              </a:rPr>
+              <a:t>Real-time processing of radar data from the sensor.</a:t>
+            </a:r>
+          </a:p>
+          <a:p>
+            <a:pPr>
+              <a:lnSpc>
+                <a:spcPct val="90000"/>
+              </a:lnSpc>
+              <a:spcAft>
+                <a:spcPts val="1200"/>
+              </a:spcAft>
+              <a:buFont typeface="Arial" panose="020B0604020202020204" pitchFamily="34" charset="0"/>
+              <a:buChar char="•"/>
+            </a:pPr>
+            <a:r>
+              <a:rPr lang="en-US" sz="2000" b="0" i="0">
+                <a:effectLst/>
+              </a:rPr>
+              <a:t>Object detection and clustering using DBSCAN algorithm.</a:t>
+            </a:r>
+          </a:p>
+          <a:p>
+            <a:pPr>
+              <a:lnSpc>
+                <a:spcPct val="90000"/>
+              </a:lnSpc>
+              <a:spcAft>
+                <a:spcPts val="1200"/>
+              </a:spcAft>
+              <a:buFont typeface="Arial" panose="020B0604020202020204" pitchFamily="34" charset="0"/>
+              <a:buChar char="•"/>
+            </a:pPr>
+            <a:r>
+              <a:rPr lang="en-US" sz="2000" b="0" i="0">
+                <a:effectLst/>
+              </a:rPr>
+              <a:t>Self-speed estimation based on Doppler velocity.</a:t>
+            </a:r>
+          </a:p>
+          <a:p>
+            <a:pPr>
+              <a:lnSpc>
+                <a:spcPct val="90000"/>
+              </a:lnSpc>
+              <a:spcAft>
+                <a:spcPts val="1200"/>
+              </a:spcAft>
+              <a:buFont typeface="Arial" panose="020B0604020202020204" pitchFamily="34" charset="0"/>
+              <a:buChar char="•"/>
+            </a:pPr>
+            <a:r>
+              <a:rPr lang="en-US" sz="2000" b="0" i="0">
+                <a:effectLst/>
+              </a:rPr>
+              <a:t>Occupancy grid generation for spatial mapping to aid in decision-making.</a:t>
+            </a:r>
+          </a:p>
+          <a:p>
+            <a:pPr>
+              <a:lnSpc>
+                <a:spcPct val="90000"/>
+              </a:lnSpc>
+              <a:spcAft>
+                <a:spcPts val="1200"/>
+              </a:spcAft>
+              <a:buFont typeface="Arial" panose="020B0604020202020204" pitchFamily="34" charset="0"/>
+              <a:buChar char="•"/>
+            </a:pPr>
+            <a:r>
+              <a:rPr lang="en-US" sz="2000" b="0" i="0">
+                <a:effectLst/>
+              </a:rPr>
+              <a:t>Integration with a braking system for collision avoidance.</a:t>
+            </a:r>
+          </a:p>
+        </p:txBody>
+      </p:sp>
+      <p:pic>
+        <p:nvPicPr>
+          <p:cNvPr id="1028" name="Picture 4" descr="IWR6843AOPEVM">
+            <a:extLst>
+              <a:ext uri="{FF2B5EF4-FFF2-40B4-BE49-F238E27FC236}">
+                <a16:creationId xmlns:a16="http://schemas.microsoft.com/office/drawing/2014/main" id="{D4CC1715-B1C8-A105-C79A-2E96BE584974}"/>
+              </a:ext>
+            </a:extLst>
+          </p:cNvPr>
+          <p:cNvPicPr>
+            <a:picLocks noChangeAspect="1" noChangeArrowheads="1"/>
+          </p:cNvPicPr>
+          <p:nvPr/>
+        </p:nvPicPr>
+        <p:blipFill>
+          <a:blip r:embed="rId3">
+            <a:extLst>
+              <a:ext uri="{28A0092B-C50C-407E-A947-70E740481C1C}">
+                <a14:useLocalDpi xmlns:a14="http://schemas.microsoft.com/office/drawing/2010/main" val="0"/>
+              </a:ext>
+            </a:extLst>
+          </a:blip>
+          <a:stretch>
+            <a:fillRect/>
+          </a:stretch>
+        </p:blipFill>
+        <p:spPr bwMode="auto">
+          <a:xfrm>
+            <a:off x="4648200" y="2727325"/>
+            <a:ext cx="4038600" cy="2271712"/>
+          </a:xfrm>
+          <a:prstGeom prst="rect">
+            <a:avLst/>
+          </a:prstGeom>
+          <a:solidFill>
+            <a:srgbClr val="FFFFFF"/>
+          </a:solidFill>
+          <a:extLst>
+            <a:ext uri="{909E8E84-426E-40DD-AFC4-6F175D3DCCD1}">
+              <a14:hiddenFill xmlns:a14="http://schemas.microsoft.com/office/drawing/2010/main">
+                <a:solidFill>
+                  <a:srgbClr val="FFFFFF"/>
+                </a:solidFill>
+              </a14:hiddenFill>
+            </a:ext>
+          </a:extLst>
+        </p:spPr>
+      </p:pic>
+      <p:sp>
+        <p:nvSpPr>
+          <p:cNvPr id="4" name="Slide Number Placeholder 3">
+            <a:extLst>
+              <a:ext uri="{FF2B5EF4-FFF2-40B4-BE49-F238E27FC236}">
+                <a16:creationId xmlns:a16="http://schemas.microsoft.com/office/drawing/2014/main" id="{6921F70D-6C2E-C1B3-9304-4B2F71ED5079}"/>
+              </a:ext>
+            </a:extLst>
+          </p:cNvPr>
+          <p:cNvSpPr>
+            <a:spLocks noGrp="1"/>
+          </p:cNvSpPr>
+          <p:nvPr>
+            <p:ph type="sldNum" sz="quarter" idx="12"/>
+          </p:nvPr>
+        </p:nvSpPr>
+        <p:spPr>
+          <a:xfrm>
+            <a:off x="6553200" y="6356350"/>
+            <a:ext cx="2133600" cy="365125"/>
+          </a:xfrm>
+        </p:spPr>
+        <p:txBody>
+          <a:bodyPr anchor="ctr">
+            <a:normAutofit/>
+          </a:bodyPr>
+          <a:lstStyle/>
+          <a:p>
+            <a:pPr>
+              <a:spcAft>
+                <a:spcPts val="600"/>
+              </a:spcAft>
+            </a:pPr>
+            <a:fld id="{C1FF6DA9-008F-8B48-92A6-B652298478BF}" type="slidenum">
+              <a:rPr lang="en-US" smtClean="0"/>
+              <a:pPr>
+                <a:spcAft>
+                  <a:spcPts val="600"/>
+                </a:spcAft>
+              </a:pPr>
+              <a:t>2</a:t>
+            </a:fld>
+            <a:endParaRPr lang="en-US"/>
+          </a:p>
+        </p:txBody>
+      </p:sp>
+    </p:spTree>
+  </p:cSld>
+  <p:clrMapOvr>
+    <a:masterClrMapping/>
+  </p:clrMapOvr>
+</p:sld>
+</file>
+
+<file path=ppt/slides/slide3.xml><?xml version="1.0" encoding="utf-8"?>
+<p:sld xmlns:a="http://schemas.openxmlformats.org/drawingml/2006/main" xmlns:r="http://schemas.openxmlformats.org/officeDocument/2006/relationships" xmlns:p="http://schemas.openxmlformats.org/presentationml/2006/main">
+  <p:cSld>
+    <p:spTree>
+      <p:nvGrpSpPr>
+        <p:cNvPr id="1" name=""/>
+        <p:cNvGrpSpPr/>
+        <p:nvPr/>
+      </p:nvGrpSpPr>
+      <p:grpSpPr>
+        <a:xfrm>
+          <a:off x="0" y="0"/>
+          <a:ext cx="0" cy="0"/>
+          <a:chOff x="0" y="0"/>
+          <a:chExt cx="0" cy="0"/>
+        </a:xfrm>
+      </p:grpSpPr>
+      <p:sp>
+        <p:nvSpPr>
+          <p:cNvPr id="2" name="Title 1">
+            <a:extLst>
+              <a:ext uri="{FF2B5EF4-FFF2-40B4-BE49-F238E27FC236}">
+                <a16:creationId xmlns:a16="http://schemas.microsoft.com/office/drawing/2014/main" id="{CBF1992A-58F1-979D-04F4-1088507E9B3E}"/>
+              </a:ext>
+            </a:extLst>
+          </p:cNvPr>
+          <p:cNvSpPr>
+            <a:spLocks noGrp="1"/>
+          </p:cNvSpPr>
+          <p:nvPr>
+            <p:ph type="title"/>
+          </p:nvPr>
+        </p:nvSpPr>
+        <p:spPr/>
+        <p:txBody>
+          <a:bodyPr>
+            <a:normAutofit fontScale="90000"/>
+          </a:bodyPr>
+          <a:lstStyle/>
+          <a:p>
+            <a:r>
+              <a:rPr lang="en-US" dirty="0"/>
+              <a:t>Intro to the car</a:t>
+            </a:r>
+            <a:br>
+              <a:rPr lang="en-US" dirty="0"/>
+            </a:br>
+            <a:r>
+              <a:rPr lang="en-US" sz="2700" dirty="0"/>
+              <a:t>Segway </a:t>
+            </a:r>
+            <a:r>
+              <a:rPr lang="en-US" sz="2700" dirty="0" err="1"/>
+              <a:t>Gokart</a:t>
+            </a:r>
+            <a:r>
+              <a:rPr lang="en-US" sz="2700" dirty="0"/>
+              <a:t> Pro2</a:t>
+            </a:r>
+            <a:br>
+              <a:rPr lang="en-US" dirty="0"/>
+            </a:br>
+            <a:endParaRPr lang="en-US" dirty="0"/>
+          </a:p>
+        </p:txBody>
+      </p:sp>
+      <p:sp>
+        <p:nvSpPr>
+          <p:cNvPr id="4" name="Slide Number Placeholder 3">
+            <a:extLst>
+              <a:ext uri="{FF2B5EF4-FFF2-40B4-BE49-F238E27FC236}">
+                <a16:creationId xmlns:a16="http://schemas.microsoft.com/office/drawing/2014/main" id="{AF9B3C86-547D-4523-2434-F8FB2F7884E6}"/>
+              </a:ext>
+            </a:extLst>
+          </p:cNvPr>
+          <p:cNvSpPr>
+            <a:spLocks noGrp="1"/>
+          </p:cNvSpPr>
+          <p:nvPr>
+            <p:ph type="sldNum" sz="quarter" idx="12"/>
+          </p:nvPr>
+        </p:nvSpPr>
+        <p:spPr/>
+        <p:txBody>
+          <a:bodyPr/>
+          <a:lstStyle/>
+          <a:p>
+            <a:fld id="{C1FF6DA9-008F-8B48-92A6-B652298478BF}" type="slidenum">
+              <a:rPr lang="en-US" smtClean="0"/>
+              <a:t>3</a:t>
+            </a:fld>
+            <a:endParaRPr lang="en-US"/>
+          </a:p>
+        </p:txBody>
+      </p:sp>
+      <p:pic>
+        <p:nvPicPr>
+          <p:cNvPr id="1026" name="Picture 2">
+            <a:extLst>
+              <a:ext uri="{FF2B5EF4-FFF2-40B4-BE49-F238E27FC236}">
+                <a16:creationId xmlns:a16="http://schemas.microsoft.com/office/drawing/2014/main" id="{416D1F7B-B2F1-20A8-9EC2-278C465DB0C4}"/>
+              </a:ext>
+            </a:extLst>
+          </p:cNvPr>
+          <p:cNvPicPr>
+            <a:picLocks noChangeAspect="1" noChangeArrowheads="1"/>
+          </p:cNvPicPr>
+          <p:nvPr/>
+        </p:nvPicPr>
+        <p:blipFill>
+          <a:blip r:embed="rId2">
+            <a:extLst>
+              <a:ext uri="{28A0092B-C50C-407E-A947-70E740481C1C}">
+                <a14:useLocalDpi xmlns:a14="http://schemas.microsoft.com/office/drawing/2010/main" val="0"/>
+              </a:ext>
+            </a:extLst>
+          </a:blip>
+          <a:srcRect/>
+          <a:stretch>
+            <a:fillRect/>
+          </a:stretch>
+        </p:blipFill>
+        <p:spPr bwMode="auto">
+          <a:xfrm>
+            <a:off x="0" y="1774825"/>
+            <a:ext cx="9144000" cy="4224337"/>
+          </a:xfrm>
+          <a:prstGeom prst="rect">
+            <a:avLst/>
+          </a:prstGeom>
+          <a:noFill/>
+          <a:extLst>
+            <a:ext uri="{909E8E84-426E-40DD-AFC4-6F175D3DCCD1}">
+              <a14:hiddenFill xmlns:a14="http://schemas.microsoft.com/office/drawing/2010/main">
+                <a:solidFill>
+                  <a:srgbClr val="FFFFFF"/>
+                </a:solidFill>
+              </a14:hiddenFill>
+            </a:ext>
+          </a:extLst>
+        </p:spPr>
+      </p:pic>
+    </p:spTree>
+    <p:extLst>
+      <p:ext uri="{BB962C8B-B14F-4D97-AF65-F5344CB8AC3E}">
+        <p14:creationId xmlns:p14="http://schemas.microsoft.com/office/powerpoint/2010/main" val="1391975663"/>
+      </p:ext>
+    </p:extLst>
+  </p:cSld>
+  <p:clrMapOvr>
+    <a:masterClrMapping/>
+  </p:clrMapOvr>
+</p:sld>
+</file>
+
+<file path=ppt/slides/slide4.xml><?xml version="1.0" encoding="utf-8"?>
+<p:sld xmlns:a="http://schemas.openxmlformats.org/drawingml/2006/main" xmlns:r="http://schemas.openxmlformats.org/officeDocument/2006/relationships" xmlns:p="http://schemas.openxmlformats.org/presentationml/2006/main">
+  <p:cSld>
+    <p:spTree>
+      <p:nvGrpSpPr>
+        <p:cNvPr id="1" name=""/>
+        <p:cNvGrpSpPr/>
+        <p:nvPr/>
+      </p:nvGrpSpPr>
+      <p:grpSpPr>
+        <a:xfrm>
+          <a:off x="0" y="0"/>
+          <a:ext cx="0" cy="0"/>
+          <a:chOff x="0" y="0"/>
+          <a:chExt cx="0" cy="0"/>
+        </a:xfrm>
+      </p:grpSpPr>
+      <p:sp>
+        <p:nvSpPr>
+          <p:cNvPr id="2" name="Title 1">
+            <a:extLst>
+              <a:ext uri="{FF2B5EF4-FFF2-40B4-BE49-F238E27FC236}">
+                <a16:creationId xmlns:a16="http://schemas.microsoft.com/office/drawing/2014/main" id="{B0EAEE75-241A-D4B6-CA14-3ED7EDC69474}"/>
+              </a:ext>
+            </a:extLst>
+          </p:cNvPr>
+          <p:cNvSpPr>
+            <a:spLocks noGrp="1"/>
+          </p:cNvSpPr>
+          <p:nvPr>
+            <p:ph type="title"/>
+          </p:nvPr>
+        </p:nvSpPr>
+        <p:spPr>
+          <a:xfrm>
+            <a:off x="457200" y="935468"/>
+            <a:ext cx="8229600" cy="1143000"/>
+          </a:xfrm>
+        </p:spPr>
+        <p:txBody>
+          <a:bodyPr>
+            <a:normAutofit fontScale="90000"/>
+          </a:bodyPr>
+          <a:lstStyle/>
+          <a:p>
+            <a:r>
+              <a:rPr lang="en-US" dirty="0"/>
+              <a:t>Reverse </a:t>
+            </a:r>
+            <a:r>
+              <a:rPr lang="en-US" dirty="0" err="1"/>
+              <a:t>eng.</a:t>
+            </a:r>
+            <a:r>
+              <a:rPr lang="en-US" dirty="0"/>
+              <a:t> About the car communication system</a:t>
+            </a:r>
+          </a:p>
+        </p:txBody>
+      </p:sp>
+      <p:sp>
+        <p:nvSpPr>
+          <p:cNvPr id="3" name="Content Placeholder 2">
+            <a:extLst>
+              <a:ext uri="{FF2B5EF4-FFF2-40B4-BE49-F238E27FC236}">
+                <a16:creationId xmlns:a16="http://schemas.microsoft.com/office/drawing/2014/main" id="{36E2220E-DCFE-91F8-5493-2336ABD4CEF4}"/>
+              </a:ext>
+            </a:extLst>
+          </p:cNvPr>
+          <p:cNvSpPr>
+            <a:spLocks noGrp="1"/>
+          </p:cNvSpPr>
+          <p:nvPr>
+            <p:ph idx="1"/>
+          </p:nvPr>
+        </p:nvSpPr>
+        <p:spPr>
+          <a:xfrm>
+            <a:off x="457200" y="2337758"/>
+            <a:ext cx="5065776" cy="3788405"/>
+          </a:xfrm>
+        </p:spPr>
+        <p:txBody>
+          <a:bodyPr/>
+          <a:lstStyle/>
+          <a:p>
+            <a:r>
+              <a:rPr lang="en-US" dirty="0"/>
+              <a:t>Understanding of the vehicle architecture.</a:t>
+            </a:r>
+          </a:p>
+          <a:p>
+            <a:r>
+              <a:rPr lang="en-US" dirty="0"/>
+              <a:t>How the system interacts with the real world.</a:t>
+            </a:r>
+          </a:p>
+        </p:txBody>
+      </p:sp>
+      <p:sp>
+        <p:nvSpPr>
+          <p:cNvPr id="4" name="Slide Number Placeholder 3">
+            <a:extLst>
+              <a:ext uri="{FF2B5EF4-FFF2-40B4-BE49-F238E27FC236}">
+                <a16:creationId xmlns:a16="http://schemas.microsoft.com/office/drawing/2014/main" id="{E33C61B1-6DBA-A20A-DE09-BBF0687716B8}"/>
+              </a:ext>
+            </a:extLst>
+          </p:cNvPr>
+          <p:cNvSpPr>
+            <a:spLocks noGrp="1"/>
+          </p:cNvSpPr>
+          <p:nvPr>
+            <p:ph type="sldNum" sz="quarter" idx="12"/>
+          </p:nvPr>
+        </p:nvSpPr>
+        <p:spPr/>
+        <p:txBody>
+          <a:bodyPr/>
+          <a:lstStyle/>
+          <a:p>
+            <a:fld id="{C1FF6DA9-008F-8B48-92A6-B652298478BF}" type="slidenum">
+              <a:rPr lang="en-US" smtClean="0"/>
+              <a:t>4</a:t>
+            </a:fld>
+            <a:endParaRPr lang="en-US"/>
+          </a:p>
+        </p:txBody>
+      </p:sp>
+      <p:pic>
+        <p:nvPicPr>
+          <p:cNvPr id="4098" name="Picture 2">
+            <a:extLst>
+              <a:ext uri="{FF2B5EF4-FFF2-40B4-BE49-F238E27FC236}">
+                <a16:creationId xmlns:a16="http://schemas.microsoft.com/office/drawing/2014/main" id="{0E66EBA0-4273-9E55-B06A-02AE0F73D8BC}"/>
+              </a:ext>
+            </a:extLst>
+          </p:cNvPr>
+          <p:cNvPicPr>
+            <a:picLocks noChangeAspect="1" noChangeArrowheads="1"/>
+          </p:cNvPicPr>
+          <p:nvPr/>
+        </p:nvPicPr>
+        <p:blipFill rotWithShape="1">
+          <a:blip r:embed="rId2">
+            <a:extLst>
+              <a:ext uri="{28A0092B-C50C-407E-A947-70E740481C1C}">
+                <a14:useLocalDpi xmlns:a14="http://schemas.microsoft.com/office/drawing/2010/main" val="0"/>
+              </a:ext>
+            </a:extLst>
+          </a:blip>
+          <a:srcRect b="17867"/>
+          <a:stretch/>
+        </p:blipFill>
+        <p:spPr bwMode="auto">
+          <a:xfrm>
+            <a:off x="5703515" y="2167128"/>
+            <a:ext cx="2562026" cy="4554347"/>
+          </a:xfrm>
+          <a:prstGeom prst="rect">
+            <a:avLst/>
+          </a:prstGeom>
+          <a:noFill/>
+          <a:extLst>
+            <a:ext uri="{909E8E84-426E-40DD-AFC4-6F175D3DCCD1}">
+              <a14:hiddenFill xmlns:a14="http://schemas.microsoft.com/office/drawing/2010/main">
+                <a:solidFill>
+                  <a:srgbClr val="FFFFFF"/>
+                </a:solidFill>
+              </a14:hiddenFill>
+            </a:ext>
+          </a:extLst>
+        </p:spPr>
+      </p:pic>
+    </p:spTree>
+    <p:extLst>
+      <p:ext uri="{BB962C8B-B14F-4D97-AF65-F5344CB8AC3E}">
+        <p14:creationId xmlns:p14="http://schemas.microsoft.com/office/powerpoint/2010/main" val="3851061762"/>
+      </p:ext>
+    </p:extLst>
+  </p:cSld>
+  <p:clrMapOvr>
+    <a:masterClrMapping/>
+  </p:clrMapOvr>
+</p:sld>
+</file>
+
+<file path=ppt/slides/slide5.xml><?xml version="1.0" encoding="utf-8"?>
+<p:sld xmlns:a="http://schemas.openxmlformats.org/drawingml/2006/main" xmlns:r="http://schemas.openxmlformats.org/officeDocument/2006/relationships" xmlns:p="http://schemas.openxmlformats.org/presentationml/2006/main">
+  <p:cSld>
+    <p:spTree>
+      <p:nvGrpSpPr>
+        <p:cNvPr id="1" name="">
+          <a:extLst>
+            <a:ext uri="{FF2B5EF4-FFF2-40B4-BE49-F238E27FC236}">
+              <a16:creationId xmlns:a16="http://schemas.microsoft.com/office/drawing/2014/main" id="{C1D799FC-06D4-679F-2662-BB9B9F9FFF5F}"/>
+            </a:ext>
+          </a:extLst>
+        </p:cNvPr>
+        <p:cNvGrpSpPr/>
+        <p:nvPr/>
+      </p:nvGrpSpPr>
+      <p:grpSpPr>
+        <a:xfrm>
+          <a:off x="0" y="0"/>
+          <a:ext cx="0" cy="0"/>
+          <a:chOff x="0" y="0"/>
+          <a:chExt cx="0" cy="0"/>
+        </a:xfrm>
+      </p:grpSpPr>
+      <p:sp>
+        <p:nvSpPr>
+          <p:cNvPr id="2" name="Title 1">
+            <a:extLst>
+              <a:ext uri="{FF2B5EF4-FFF2-40B4-BE49-F238E27FC236}">
+                <a16:creationId xmlns:a16="http://schemas.microsoft.com/office/drawing/2014/main" id="{004A4078-2C07-B038-4D47-E1A670A3C8DB}"/>
+              </a:ext>
+            </a:extLst>
+          </p:cNvPr>
+          <p:cNvSpPr>
+            <a:spLocks noGrp="1"/>
+          </p:cNvSpPr>
+          <p:nvPr>
+            <p:ph type="title"/>
+          </p:nvPr>
+        </p:nvSpPr>
+        <p:spPr>
+          <a:xfrm>
+            <a:off x="457200" y="944612"/>
+            <a:ext cx="8229600" cy="1143000"/>
+          </a:xfrm>
+        </p:spPr>
+        <p:txBody>
+          <a:bodyPr>
+            <a:normAutofit fontScale="90000"/>
+          </a:bodyPr>
+          <a:lstStyle/>
+          <a:p>
+            <a:r>
+              <a:rPr lang="en-US" dirty="0"/>
+              <a:t>Reverse </a:t>
+            </a:r>
+            <a:r>
+              <a:rPr lang="en-US" dirty="0" err="1"/>
+              <a:t>eng.</a:t>
+            </a:r>
+            <a:r>
+              <a:rPr lang="en-US" dirty="0"/>
+              <a:t> About the car communication system</a:t>
+            </a:r>
+          </a:p>
+        </p:txBody>
+      </p:sp>
+      <p:sp>
+        <p:nvSpPr>
+          <p:cNvPr id="3" name="Content Placeholder 2">
+            <a:extLst>
+              <a:ext uri="{FF2B5EF4-FFF2-40B4-BE49-F238E27FC236}">
+                <a16:creationId xmlns:a16="http://schemas.microsoft.com/office/drawing/2014/main" id="{BC7B1C96-D57D-9DE5-BF7A-7034199BC9BD}"/>
+              </a:ext>
+            </a:extLst>
+          </p:cNvPr>
+          <p:cNvSpPr>
+            <a:spLocks noGrp="1"/>
+          </p:cNvSpPr>
+          <p:nvPr>
+            <p:ph idx="1"/>
+          </p:nvPr>
+        </p:nvSpPr>
+        <p:spPr>
+          <a:xfrm>
+            <a:off x="4972030" y="2363344"/>
+            <a:ext cx="4171970" cy="4121848"/>
+          </a:xfrm>
+        </p:spPr>
+        <p:txBody>
+          <a:bodyPr/>
+          <a:lstStyle/>
+          <a:p>
+            <a:r>
+              <a:rPr lang="en-US" dirty="0"/>
+              <a:t>Understanding of the vehicle architecture.</a:t>
+            </a:r>
+          </a:p>
+          <a:p>
+            <a:r>
+              <a:rPr lang="en-US" dirty="0"/>
+              <a:t>How the system interacts with the real world.</a:t>
+            </a:r>
+          </a:p>
+        </p:txBody>
+      </p:sp>
+      <p:sp>
+        <p:nvSpPr>
+          <p:cNvPr id="4" name="Slide Number Placeholder 3">
+            <a:extLst>
+              <a:ext uri="{FF2B5EF4-FFF2-40B4-BE49-F238E27FC236}">
+                <a16:creationId xmlns:a16="http://schemas.microsoft.com/office/drawing/2014/main" id="{184F44CD-B833-0990-83F7-443268224F79}"/>
+              </a:ext>
+            </a:extLst>
+          </p:cNvPr>
+          <p:cNvSpPr>
+            <a:spLocks noGrp="1"/>
+          </p:cNvSpPr>
+          <p:nvPr>
+            <p:ph type="sldNum" sz="quarter" idx="12"/>
+          </p:nvPr>
+        </p:nvSpPr>
+        <p:spPr/>
+        <p:txBody>
+          <a:bodyPr/>
+          <a:lstStyle/>
+          <a:p>
+            <a:fld id="{C1FF6DA9-008F-8B48-92A6-B652298478BF}" type="slidenum">
+              <a:rPr lang="en-US" smtClean="0"/>
+              <a:t>5</a:t>
+            </a:fld>
+            <a:endParaRPr lang="en-US"/>
+          </a:p>
+        </p:txBody>
+      </p:sp>
+      <p:pic>
+        <p:nvPicPr>
+          <p:cNvPr id="5122" name="Picture 2">
+            <a:extLst>
+              <a:ext uri="{FF2B5EF4-FFF2-40B4-BE49-F238E27FC236}">
+                <a16:creationId xmlns:a16="http://schemas.microsoft.com/office/drawing/2014/main" id="{6A6DF6EC-EE19-7655-18A6-DA652BC9AABC}"/>
+              </a:ext>
+            </a:extLst>
+          </p:cNvPr>
+          <p:cNvPicPr>
+            <a:picLocks noChangeAspect="1" noChangeArrowheads="1"/>
+          </p:cNvPicPr>
+          <p:nvPr/>
+        </p:nvPicPr>
+        <p:blipFill rotWithShape="1">
+          <a:blip r:embed="rId2">
+            <a:extLst>
+              <a:ext uri="{28A0092B-C50C-407E-A947-70E740481C1C}">
+                <a14:useLocalDpi xmlns:a14="http://schemas.microsoft.com/office/drawing/2010/main" val="0"/>
+              </a:ext>
+            </a:extLst>
+          </a:blip>
+          <a:srcRect l="5962" r="37123"/>
+          <a:stretch/>
+        </p:blipFill>
+        <p:spPr bwMode="auto">
+          <a:xfrm>
+            <a:off x="457200" y="2363344"/>
+            <a:ext cx="3650763" cy="2963354"/>
+          </a:xfrm>
+          <a:prstGeom prst="rect">
+            <a:avLst/>
+          </a:prstGeom>
+          <a:noFill/>
+          <a:extLst>
+            <a:ext uri="{909E8E84-426E-40DD-AFC4-6F175D3DCCD1}">
+              <a14:hiddenFill xmlns:a14="http://schemas.microsoft.com/office/drawing/2010/main">
+                <a:solidFill>
+                  <a:srgbClr val="FFFFFF"/>
+                </a:solidFill>
+              </a14:hiddenFill>
+            </a:ext>
+          </a:extLst>
+        </p:spPr>
+      </p:pic>
+    </p:spTree>
+    <p:extLst>
+      <p:ext uri="{BB962C8B-B14F-4D97-AF65-F5344CB8AC3E}">
+        <p14:creationId xmlns:p14="http://schemas.microsoft.com/office/powerpoint/2010/main" val="261156831"/>
+      </p:ext>
+    </p:extLst>
+  </p:cSld>
+  <p:clrMapOvr>
+    <a:masterClrMapping/>
+  </p:clrMapOvr>
+</p:sld>
+</file>
+
+<file path=ppt/slides/slide6.xml><?xml version="1.0" encoding="utf-8"?>
+<p:sld xmlns:a="http://schemas.openxmlformats.org/drawingml/2006/main" xmlns:r="http://schemas.openxmlformats.org/officeDocument/2006/relationships" xmlns:p="http://schemas.openxmlformats.org/presentationml/2006/main">
+  <p:cSld>
+    <p:spTree>
+      <p:nvGrpSpPr>
+        <p:cNvPr id="1" name="">
+          <a:extLst>
+            <a:ext uri="{FF2B5EF4-FFF2-40B4-BE49-F238E27FC236}">
+              <a16:creationId xmlns:a16="http://schemas.microsoft.com/office/drawing/2014/main" id="{81829C56-ADC9-A74E-8E11-C32C539889C2}"/>
+            </a:ext>
+          </a:extLst>
+        </p:cNvPr>
+        <p:cNvGrpSpPr/>
+        <p:nvPr/>
+      </p:nvGrpSpPr>
+      <p:grpSpPr>
+        <a:xfrm>
+          <a:off x="0" y="0"/>
+          <a:ext cx="0" cy="0"/>
+          <a:chOff x="0" y="0"/>
+          <a:chExt cx="0" cy="0"/>
+        </a:xfrm>
+      </p:grpSpPr>
+      <p:sp>
+        <p:nvSpPr>
+          <p:cNvPr id="2" name="Title 1">
+            <a:extLst>
+              <a:ext uri="{FF2B5EF4-FFF2-40B4-BE49-F238E27FC236}">
+                <a16:creationId xmlns:a16="http://schemas.microsoft.com/office/drawing/2014/main" id="{F8D5D329-D8EA-B8F7-95CF-A7470E4212B6}"/>
+              </a:ext>
+            </a:extLst>
+          </p:cNvPr>
+          <p:cNvSpPr>
+            <a:spLocks noGrp="1"/>
+          </p:cNvSpPr>
+          <p:nvPr>
+            <p:ph type="title"/>
+          </p:nvPr>
+        </p:nvSpPr>
+        <p:spPr>
+          <a:xfrm>
+            <a:off x="457200" y="944612"/>
+            <a:ext cx="8229600" cy="1143000"/>
+          </a:xfrm>
+        </p:spPr>
+        <p:txBody>
+          <a:bodyPr>
+            <a:normAutofit fontScale="90000"/>
+          </a:bodyPr>
+          <a:lstStyle/>
+          <a:p>
+            <a:r>
+              <a:rPr lang="en-US" dirty="0"/>
+              <a:t>Reverse </a:t>
+            </a:r>
+            <a:r>
+              <a:rPr lang="en-US" dirty="0" err="1"/>
+              <a:t>eng.</a:t>
+            </a:r>
+            <a:r>
+              <a:rPr lang="en-US" dirty="0"/>
+              <a:t> About the car communication system</a:t>
+            </a:r>
+          </a:p>
+        </p:txBody>
+      </p:sp>
+      <p:sp>
+        <p:nvSpPr>
+          <p:cNvPr id="3" name="Content Placeholder 2">
+            <a:extLst>
+              <a:ext uri="{FF2B5EF4-FFF2-40B4-BE49-F238E27FC236}">
+                <a16:creationId xmlns:a16="http://schemas.microsoft.com/office/drawing/2014/main" id="{0A5CD7C7-9473-26C0-3A85-6F1D8A4C454E}"/>
+              </a:ext>
+            </a:extLst>
+          </p:cNvPr>
+          <p:cNvSpPr>
+            <a:spLocks noGrp="1"/>
+          </p:cNvSpPr>
+          <p:nvPr>
+            <p:ph idx="1"/>
+          </p:nvPr>
+        </p:nvSpPr>
+        <p:spPr>
+          <a:xfrm>
+            <a:off x="4972030" y="2363344"/>
+            <a:ext cx="4171970" cy="4121848"/>
+          </a:xfrm>
+        </p:spPr>
+        <p:txBody>
+          <a:bodyPr/>
+          <a:lstStyle/>
+          <a:p>
+            <a:r>
+              <a:rPr lang="en-US" dirty="0"/>
+              <a:t>Connection to the communication system.</a:t>
+            </a:r>
+          </a:p>
+        </p:txBody>
+      </p:sp>
+      <p:sp>
+        <p:nvSpPr>
+          <p:cNvPr id="4" name="Slide Number Placeholder 3">
+            <a:extLst>
+              <a:ext uri="{FF2B5EF4-FFF2-40B4-BE49-F238E27FC236}">
+                <a16:creationId xmlns:a16="http://schemas.microsoft.com/office/drawing/2014/main" id="{D8037A7D-63A7-F8C6-5D5F-65A9093BFE1E}"/>
+              </a:ext>
+            </a:extLst>
+          </p:cNvPr>
+          <p:cNvSpPr>
+            <a:spLocks noGrp="1"/>
+          </p:cNvSpPr>
+          <p:nvPr>
+            <p:ph type="sldNum" sz="quarter" idx="12"/>
+          </p:nvPr>
+        </p:nvSpPr>
+        <p:spPr/>
+        <p:txBody>
+          <a:bodyPr/>
+          <a:lstStyle/>
+          <a:p>
+            <a:fld id="{C1FF6DA9-008F-8B48-92A6-B652298478BF}" type="slidenum">
+              <a:rPr lang="en-US" smtClean="0"/>
+              <a:t>6</a:t>
+            </a:fld>
+            <a:endParaRPr lang="en-US"/>
+          </a:p>
+        </p:txBody>
+      </p:sp>
+      <p:pic>
+        <p:nvPicPr>
+          <p:cNvPr id="5" name="Picture 4">
+            <a:extLst>
+              <a:ext uri="{FF2B5EF4-FFF2-40B4-BE49-F238E27FC236}">
+                <a16:creationId xmlns:a16="http://schemas.microsoft.com/office/drawing/2014/main" id="{2100992E-0768-ED84-0692-AFF826EAF620}"/>
+              </a:ext>
+            </a:extLst>
+          </p:cNvPr>
+          <p:cNvPicPr>
+            <a:picLocks noChangeAspect="1" noChangeArrowheads="1"/>
+          </p:cNvPicPr>
+          <p:nvPr/>
+        </p:nvPicPr>
+        <p:blipFill rotWithShape="1">
+          <a:blip r:embed="rId2">
+            <a:alphaModFix amt="35000"/>
+            <a:extLst>
+              <a:ext uri="{28A0092B-C50C-407E-A947-70E740481C1C}">
+                <a14:useLocalDpi xmlns:a14="http://schemas.microsoft.com/office/drawing/2010/main" val="0"/>
+              </a:ext>
+            </a:extLst>
+          </a:blip>
+          <a:srcRect l="28399" t="29850" r="11901"/>
+          <a:stretch/>
+        </p:blipFill>
+        <p:spPr bwMode="auto">
+          <a:xfrm>
+            <a:off x="137160" y="2363344"/>
+            <a:ext cx="4834870" cy="2624568"/>
+          </a:xfrm>
+          <a:prstGeom prst="rect">
+            <a:avLst/>
+          </a:prstGeom>
+          <a:noFill/>
+          <a:extLst>
+            <a:ext uri="{909E8E84-426E-40DD-AFC4-6F175D3DCCD1}">
+              <a14:hiddenFill xmlns:a14="http://schemas.microsoft.com/office/drawing/2010/main">
+                <a:solidFill>
+                  <a:srgbClr val="FFFFFF"/>
+                </a:solidFill>
+              </a14:hiddenFill>
+            </a:ext>
+          </a:extLst>
+        </p:spPr>
+      </p:pic>
+      <p:pic>
+        <p:nvPicPr>
+          <p:cNvPr id="6" name="Picture 5">
+            <a:extLst>
+              <a:ext uri="{FF2B5EF4-FFF2-40B4-BE49-F238E27FC236}">
+                <a16:creationId xmlns:a16="http://schemas.microsoft.com/office/drawing/2014/main" id="{3DD8F3E8-F629-56EE-AA1F-892D7FA2BBAE}"/>
+              </a:ext>
+            </a:extLst>
+          </p:cNvPr>
+          <p:cNvPicPr>
+            <a:picLocks noChangeAspect="1" noChangeArrowheads="1"/>
+          </p:cNvPicPr>
+          <p:nvPr/>
+        </p:nvPicPr>
+        <p:blipFill rotWithShape="1">
+          <a:blip r:embed="rId2">
+            <a:extLst>
+              <a:ext uri="{28A0092B-C50C-407E-A947-70E740481C1C}">
+                <a14:useLocalDpi xmlns:a14="http://schemas.microsoft.com/office/drawing/2010/main" val="0"/>
+              </a:ext>
+            </a:extLst>
+          </a:blip>
+          <a:srcRect l="61142" t="29849" r="16840" b="35557"/>
+          <a:stretch/>
+        </p:blipFill>
+        <p:spPr bwMode="auto">
+          <a:xfrm>
+            <a:off x="2788920" y="2363344"/>
+            <a:ext cx="1783080" cy="1294256"/>
+          </a:xfrm>
+          <a:prstGeom prst="ellipse">
+            <a:avLst/>
+          </a:prstGeom>
+          <a:noFill/>
+          <a:extLst>
+            <a:ext uri="{909E8E84-426E-40DD-AFC4-6F175D3DCCD1}">
+              <a14:hiddenFill xmlns:a14="http://schemas.microsoft.com/office/drawing/2010/main">
+                <a:solidFill>
+                  <a:srgbClr val="FFFFFF"/>
+                </a:solidFill>
+              </a14:hiddenFill>
+            </a:ext>
+          </a:extLst>
+        </p:spPr>
+      </p:pic>
+    </p:spTree>
+    <p:extLst>
+      <p:ext uri="{BB962C8B-B14F-4D97-AF65-F5344CB8AC3E}">
+        <p14:creationId xmlns:p14="http://schemas.microsoft.com/office/powerpoint/2010/main" val="3863964804"/>
+      </p:ext>
+    </p:extLst>
+  </p:cSld>
+  <p:clrMapOvr>
+    <a:masterClrMapping/>
+  </p:clrMapOvr>
+</p:sld>
+</file>
+
+<file path=ppt/slides/slide7.xml><?xml version="1.0" encoding="utf-8"?>
+<p:sld xmlns:a="http://schemas.openxmlformats.org/drawingml/2006/main" xmlns:r="http://schemas.openxmlformats.org/officeDocument/2006/relationships" xmlns:p="http://schemas.openxmlformats.org/presentationml/2006/main">
+  <p:cSld>
+    <p:spTree>
+      <p:nvGrpSpPr>
+        <p:cNvPr id="1" name=""/>
+        <p:cNvGrpSpPr/>
+        <p:nvPr/>
+      </p:nvGrpSpPr>
+      <p:grpSpPr>
+        <a:xfrm>
+          <a:off x="0" y="0"/>
+          <a:ext cx="0" cy="0"/>
+          <a:chOff x="0" y="0"/>
+          <a:chExt cx="0" cy="0"/>
+        </a:xfrm>
+      </p:grpSpPr>
+      <p:sp>
+        <p:nvSpPr>
+          <p:cNvPr id="2" name="Title 1">
+            <a:extLst>
+              <a:ext uri="{FF2B5EF4-FFF2-40B4-BE49-F238E27FC236}">
+                <a16:creationId xmlns:a16="http://schemas.microsoft.com/office/drawing/2014/main" id="{CAD430A5-A005-C9D7-ADFD-35B28EE5D296}"/>
+              </a:ext>
+            </a:extLst>
+          </p:cNvPr>
+          <p:cNvSpPr>
+            <a:spLocks noGrp="1"/>
+          </p:cNvSpPr>
+          <p:nvPr>
+            <p:ph type="title"/>
+          </p:nvPr>
+        </p:nvSpPr>
+        <p:spPr/>
+        <p:txBody>
+          <a:bodyPr/>
+          <a:lstStyle/>
+          <a:p>
+            <a:r>
+              <a:rPr lang="en-US" dirty="0"/>
+              <a:t>Info about the sensor</a:t>
+            </a:r>
+          </a:p>
+        </p:txBody>
+      </p:sp>
+      <p:sp>
+        <p:nvSpPr>
+          <p:cNvPr id="3" name="Content Placeholder 2">
+            <a:extLst>
+              <a:ext uri="{FF2B5EF4-FFF2-40B4-BE49-F238E27FC236}">
+                <a16:creationId xmlns:a16="http://schemas.microsoft.com/office/drawing/2014/main" id="{503C9150-0C6F-98D7-2996-EB7C276C0110}"/>
+              </a:ext>
+            </a:extLst>
+          </p:cNvPr>
+          <p:cNvSpPr>
+            <a:spLocks noGrp="1"/>
+          </p:cNvSpPr>
+          <p:nvPr>
+            <p:ph idx="1"/>
+          </p:nvPr>
+        </p:nvSpPr>
+        <p:spPr/>
+        <p:txBody>
+          <a:bodyPr/>
+          <a:lstStyle/>
+          <a:p>
+            <a:r>
+              <a:rPr lang="en-US" dirty="0"/>
+              <a:t>30 Frames per Second</a:t>
+            </a:r>
+          </a:p>
+          <a:p>
+            <a:r>
+              <a:rPr lang="en-US" dirty="0"/>
+              <a:t>Parameters</a:t>
+            </a:r>
+          </a:p>
+          <a:p>
+            <a:r>
+              <a:rPr lang="en-US" dirty="0" err="1"/>
+              <a:t>Etc</a:t>
+            </a:r>
+            <a:endParaRPr lang="en-US" dirty="0"/>
+          </a:p>
+          <a:p>
+            <a:endParaRPr lang="en-US" dirty="0"/>
+          </a:p>
+        </p:txBody>
+      </p:sp>
+      <p:sp>
+        <p:nvSpPr>
+          <p:cNvPr id="4" name="Slide Number Placeholder 3">
+            <a:extLst>
+              <a:ext uri="{FF2B5EF4-FFF2-40B4-BE49-F238E27FC236}">
+                <a16:creationId xmlns:a16="http://schemas.microsoft.com/office/drawing/2014/main" id="{1645BD74-F203-2D5B-34B3-95D3C5EA8E41}"/>
+              </a:ext>
+            </a:extLst>
+          </p:cNvPr>
+          <p:cNvSpPr>
+            <a:spLocks noGrp="1"/>
+          </p:cNvSpPr>
+          <p:nvPr>
+            <p:ph type="sldNum" sz="quarter" idx="12"/>
+          </p:nvPr>
+        </p:nvSpPr>
+        <p:spPr/>
+        <p:txBody>
+          <a:bodyPr/>
+          <a:lstStyle/>
+          <a:p>
+            <a:fld id="{C1FF6DA9-008F-8B48-92A6-B652298478BF}" type="slidenum">
+              <a:rPr lang="en-US" smtClean="0"/>
+              <a:t>7</a:t>
+            </a:fld>
+            <a:endParaRPr lang="en-US"/>
+          </a:p>
+        </p:txBody>
+      </p:sp>
+      <p:pic>
+        <p:nvPicPr>
+          <p:cNvPr id="6146" name="Picture 2">
+            <a:extLst>
+              <a:ext uri="{FF2B5EF4-FFF2-40B4-BE49-F238E27FC236}">
+                <a16:creationId xmlns:a16="http://schemas.microsoft.com/office/drawing/2014/main" id="{917911EA-DCDD-EDA8-826D-3D3A28069377}"/>
+              </a:ext>
+            </a:extLst>
+          </p:cNvPr>
+          <p:cNvPicPr>
+            <a:picLocks noChangeAspect="1" noChangeArrowheads="1"/>
+          </p:cNvPicPr>
+          <p:nvPr/>
+        </p:nvPicPr>
+        <p:blipFill rotWithShape="1">
+          <a:blip r:embed="rId2">
+            <a:alphaModFix amt="35000"/>
+            <a:extLst>
+              <a:ext uri="{28A0092B-C50C-407E-A947-70E740481C1C}">
+                <a14:useLocalDpi xmlns:a14="http://schemas.microsoft.com/office/drawing/2010/main" val="0"/>
+              </a:ext>
+            </a:extLst>
+          </a:blip>
+          <a:srcRect t="28133" b="12533"/>
+          <a:stretch/>
+        </p:blipFill>
+        <p:spPr bwMode="auto">
+          <a:xfrm>
+            <a:off x="5975350" y="1929384"/>
+            <a:ext cx="3168650" cy="4069080"/>
+          </a:xfrm>
+          <a:prstGeom prst="rect">
+            <a:avLst/>
+          </a:prstGeom>
+          <a:noFill/>
+          <a:extLst>
+            <a:ext uri="{909E8E84-426E-40DD-AFC4-6F175D3DCCD1}">
+              <a14:hiddenFill xmlns:a14="http://schemas.microsoft.com/office/drawing/2010/main">
+                <a:solidFill>
+                  <a:srgbClr val="FFFFFF"/>
+                </a:solidFill>
+              </a14:hiddenFill>
+            </a:ext>
+          </a:extLst>
+        </p:spPr>
+      </p:pic>
+      <p:pic>
+        <p:nvPicPr>
+          <p:cNvPr id="5" name="Picture 2">
+            <a:extLst>
+              <a:ext uri="{FF2B5EF4-FFF2-40B4-BE49-F238E27FC236}">
+                <a16:creationId xmlns:a16="http://schemas.microsoft.com/office/drawing/2014/main" id="{757EAA71-3BB6-E6DF-4698-5F198FEF324D}"/>
+              </a:ext>
+            </a:extLst>
+          </p:cNvPr>
+          <p:cNvPicPr>
+            <a:picLocks noChangeAspect="1" noChangeArrowheads="1"/>
+          </p:cNvPicPr>
+          <p:nvPr/>
+        </p:nvPicPr>
+        <p:blipFill rotWithShape="1">
+          <a:blip r:embed="rId2">
+            <a:extLst>
+              <a:ext uri="{28A0092B-C50C-407E-A947-70E740481C1C}">
+                <a14:useLocalDpi xmlns:a14="http://schemas.microsoft.com/office/drawing/2010/main" val="0"/>
+              </a:ext>
+            </a:extLst>
+          </a:blip>
+          <a:srcRect l="37090" t="32662" r="8369" b="45332"/>
+          <a:stretch/>
+        </p:blipFill>
+        <p:spPr bwMode="auto">
+          <a:xfrm>
+            <a:off x="7150608" y="2239954"/>
+            <a:ext cx="1728216" cy="1509086"/>
+          </a:xfrm>
+          <a:prstGeom prst="ellipse">
+            <a:avLst/>
+          </a:prstGeom>
+          <a:noFill/>
+          <a:extLst>
+            <a:ext uri="{909E8E84-426E-40DD-AFC4-6F175D3DCCD1}">
+              <a14:hiddenFill xmlns:a14="http://schemas.microsoft.com/office/drawing/2010/main">
+                <a:solidFill>
+                  <a:srgbClr val="FFFFFF"/>
+                </a:solidFill>
+              </a14:hiddenFill>
+            </a:ext>
+          </a:extLst>
+        </p:spPr>
+      </p:pic>
+    </p:spTree>
+    <p:extLst>
+      <p:ext uri="{BB962C8B-B14F-4D97-AF65-F5344CB8AC3E}">
+        <p14:creationId xmlns:p14="http://schemas.microsoft.com/office/powerpoint/2010/main" val="1849277924"/>
+      </p:ext>
+    </p:extLst>
+  </p:cSld>
+  <p:clrMapOvr>
+    <a:masterClrMapping/>
+  </p:clrMapOvr>
+</p:sld>
+</file>
+
+<file path=ppt/slides/slide8.xml><?xml version="1.0" encoding="utf-8"?>
+<p:sld xmlns:a="http://schemas.openxmlformats.org/drawingml/2006/main" xmlns:r="http://schemas.openxmlformats.org/officeDocument/2006/relationships" xmlns:p="http://schemas.openxmlformats.org/presentationml/2006/main">
+  <p:cSld>
+    <p:bg>
+      <p:bgPr>
+        <a:solidFill>
+          <a:schemeClr val="bg1"/>
+        </a:solidFill>
+        <a:effectLst/>
+      </p:bgPr>
+    </p:bg>
+    <p:spTree>
+      <p:nvGrpSpPr>
+        <p:cNvPr id="1" name=""/>
+        <p:cNvGrpSpPr/>
+        <p:nvPr/>
+      </p:nvGrpSpPr>
+      <p:grpSpPr>
+        <a:xfrm>
+          <a:off x="0" y="0"/>
+          <a:ext cx="0" cy="0"/>
+          <a:chOff x="0" y="0"/>
+          <a:chExt cx="0" cy="0"/>
+        </a:xfrm>
+      </p:grpSpPr>
+      <p:sp useBgFill="1">
+        <p:nvSpPr>
+          <p:cNvPr id="34" name="Rectangle 33">
+            <a:extLst>
+              <a:ext uri="{FF2B5EF4-FFF2-40B4-BE49-F238E27FC236}">
+                <a16:creationId xmlns:a16="http://schemas.microsoft.com/office/drawing/2014/main" id="{3346177D-ADC4-4968-B747-5CFCD390B5B9}"/>
+              </a:ext>
+              <a:ext uri="{C183D7F6-B498-43B3-948B-1728B52AA6E4}">
+                <adec:decorative xmlns:adec="http://schemas.microsoft.com/office/drawing/2017/decorative" val="1"/>
+              </a:ext>
+            </a:extLst>
+          </p:cNvPr>
+          <p:cNvSpPr>
+            <a:spLocks noGrp="1" noRot="1" noChangeAspect="1" noMove="1" noResize="1" noEditPoints="1" noAdjustHandles="1" noChangeArrowheads="1" noChangeShapeType="1" noTextEdit="1"/>
+          </p:cNvSpPr>
+          <p:nvPr>
+            <p:extLst>
+              <p:ext uri="{386F3935-93C4-4BCD-93E2-E3B085C9AB24}">
+                <p16:designElem xmlns:p16="http://schemas.microsoft.com/office/powerpoint/2015/main" val="1"/>
+              </p:ext>
+            </p:extLst>
+          </p:nvPr>
+        </p:nvSpPr>
+        <p:spPr>
+          <a:xfrm>
+            <a:off x="0" y="0"/>
+            <a:ext cx="9144000" cy="6858000"/>
+          </a:xfrm>
+          <a:prstGeom prst="rect">
+            <a:avLst/>
+          </a:prstGeom>
+          <a:ln w="12700" cap="flat" cmpd="sng" algn="ctr">
+            <a:noFill/>
+            <a:prstDash val="solid"/>
+            <a:miter lim="800000"/>
+          </a:ln>
+          <a:effectLst/>
+          <a:extLst>
+            <a:ext uri="{91240B29-F687-4F45-9708-019B960494DF}">
+              <a14:hiddenLine xmlns:a14="http://schemas.microsoft.com/office/drawing/2010/main" w="12700" cap="flat" cmpd="sng" algn="ctr">
+                <a:solidFill>
+                  <a:schemeClr val="accent1">
+                    <a:shade val="50000"/>
+                  </a:schemeClr>
+                </a:solidFill>
+                <a:prstDash val="solid"/>
+                <a:miter lim="800000"/>
+              </a14:hiddenLine>
+            </a:ext>
+          </a:extLst>
+        </p:spPr>
+        <p:style>
+          <a:lnRef idx="2">
+            <a:schemeClr val="accent1">
+              <a:shade val="50000"/>
+            </a:schemeClr>
+          </a:lnRef>
+          <a:fillRef idx="1">
+            <a:schemeClr val="accent1"/>
+          </a:fillRef>
+          <a:effectRef idx="0">
+            <a:schemeClr val="accent1"/>
+          </a:effectRef>
+          <a:fontRef idx="minor">
+            <a:schemeClr val="lt1"/>
+          </a:fontRef>
+        </p:style>
+        <p:txBody>
+          <a:bodyPr rtlCol="0" anchor="ctr"/>
+          <a:lstStyle/>
+          <a:p>
+            <a:pPr algn="ctr"/>
+            <a:endParaRPr lang="en-US"/>
+          </a:p>
+        </p:txBody>
+      </p:sp>
+      <p:pic>
+        <p:nvPicPr>
+          <p:cNvPr id="7" name="Graphic 6" descr="Satellite dish">
+            <a:extLst>
+              <a:ext uri="{FF2B5EF4-FFF2-40B4-BE49-F238E27FC236}">
+                <a16:creationId xmlns:a16="http://schemas.microsoft.com/office/drawing/2014/main" id="{7B2F9241-98BD-F3E0-9287-3C6E9EBB6C89}"/>
+              </a:ext>
+            </a:extLst>
+          </p:cNvPr>
+          <p:cNvPicPr>
+            <a:picLocks noChangeAspect="1"/>
+          </p:cNvPicPr>
+          <p:nvPr/>
+        </p:nvPicPr>
+        <p:blipFill>
+          <a:blip r:embed="rId2">
+            <a:extLst>
+              <a:ext uri="{28A0092B-C50C-407E-A947-70E740481C1C}">
+                <a14:useLocalDpi xmlns:a14="http://schemas.microsoft.com/office/drawing/2010/main" val="0"/>
+              </a:ext>
+              <a:ext uri="{96DAC541-7B7A-43D3-8B79-37D633B846F1}">
+                <asvg:svgBlip xmlns:asvg="http://schemas.microsoft.com/office/drawing/2016/SVG/main" r:embed="rId3"/>
+              </a:ext>
+            </a:extLst>
+          </a:blip>
+          <a:stretch>
+            <a:fillRect/>
+          </a:stretch>
+        </p:blipFill>
+        <p:spPr>
+          <a:xfrm>
+            <a:off x="801097" y="1759590"/>
+            <a:ext cx="2907124" cy="2907124"/>
+          </a:xfrm>
+          <a:prstGeom prst="rect">
+            <a:avLst/>
+          </a:prstGeom>
+        </p:spPr>
+      </p:pic>
+      <p:sp>
+        <p:nvSpPr>
+          <p:cNvPr id="3" name="Content Placeholder 2">
+            <a:extLst>
+              <a:ext uri="{FF2B5EF4-FFF2-40B4-BE49-F238E27FC236}">
+                <a16:creationId xmlns:a16="http://schemas.microsoft.com/office/drawing/2014/main" id="{ADD6DE5D-533A-6B6A-067D-3128F6BD079D}"/>
+              </a:ext>
+            </a:extLst>
+          </p:cNvPr>
+          <p:cNvSpPr>
+            <a:spLocks noGrp="1"/>
+          </p:cNvSpPr>
+          <p:nvPr>
+            <p:ph idx="1"/>
+          </p:nvPr>
+        </p:nvSpPr>
+        <p:spPr>
+          <a:xfrm>
+            <a:off x="4197376" y="2405894"/>
+            <a:ext cx="4316172" cy="3197464"/>
+          </a:xfrm>
+        </p:spPr>
+        <p:txBody>
+          <a:bodyPr anchor="t">
+            <a:normAutofit/>
+          </a:bodyPr>
+          <a:lstStyle/>
+          <a:p>
+            <a:r>
+              <a:rPr lang="en-US" sz="1700" b="0" i="0" dirty="0">
+                <a:effectLst/>
+                <a:latin typeface="ui-sans-serif"/>
+              </a:rPr>
+              <a:t>This project aims to develop a real-time object detection and collision avoidance system using the IWR6843AOPEVM </a:t>
+            </a:r>
+            <a:r>
+              <a:rPr lang="en-US" sz="1700" b="0" i="0" dirty="0" err="1">
+                <a:effectLst/>
+                <a:latin typeface="ui-sans-serif"/>
+              </a:rPr>
+              <a:t>mmWave</a:t>
+            </a:r>
+            <a:r>
+              <a:rPr lang="en-US" sz="1700" b="0" i="0" dirty="0">
+                <a:effectLst/>
+                <a:latin typeface="ui-sans-serif"/>
+              </a:rPr>
+              <a:t> radar sensor. The system processes raw radar data to extract meaningful information about surroundings, estimate self-speed, detect obstacles, and trigger a braking mechanism when necessary.</a:t>
+            </a:r>
+            <a:endParaRPr lang="en-US" sz="1700" dirty="0"/>
+          </a:p>
+        </p:txBody>
+      </p:sp>
+      <p:sp>
+        <p:nvSpPr>
+          <p:cNvPr id="36" name="Rectangle 35">
+            <a:extLst>
+              <a:ext uri="{FF2B5EF4-FFF2-40B4-BE49-F238E27FC236}">
+                <a16:creationId xmlns:a16="http://schemas.microsoft.com/office/drawing/2014/main" id="{0844A943-BF79-4FEA-ABB1-3BD54D236606}"/>
+              </a:ext>
+              <a:ext uri="{C183D7F6-B498-43B3-948B-1728B52AA6E4}">
+                <adec:decorative xmlns:adec="http://schemas.microsoft.com/office/drawing/2017/decorative" val="1"/>
+              </a:ext>
+            </a:extLst>
+          </p:cNvPr>
+          <p:cNvSpPr>
+            <a:spLocks noGrp="1" noRot="1" noChangeAspect="1" noMove="1" noResize="1" noEditPoints="1" noAdjustHandles="1" noChangeArrowheads="1" noChangeShapeType="1" noTextEdit="1"/>
+          </p:cNvSpPr>
+          <p:nvPr>
+            <p:extLst>
+              <p:ext uri="{386F3935-93C4-4BCD-93E2-E3B085C9AB24}">
+                <p16:designElem xmlns:p16="http://schemas.microsoft.com/office/powerpoint/2015/main" val="1"/>
+              </p:ext>
+            </p:extLst>
+          </p:nvPr>
+        </p:nvSpPr>
+        <p:spPr>
+          <a:xfrm rot="10800000" flipH="1">
+            <a:off x="0" y="6400799"/>
+            <a:ext cx="9144000" cy="456773"/>
+          </a:xfrm>
+          <a:prstGeom prst="rect">
+            <a:avLst/>
+          </a:prstGeom>
+          <a:gradFill>
+            <a:gsLst>
+              <a:gs pos="0">
+                <a:schemeClr val="accent1"/>
+              </a:gs>
+              <a:gs pos="90000">
+                <a:srgbClr val="000000"/>
+              </a:gs>
+            </a:gsLst>
+            <a:lin ang="2400000" scaled="0"/>
+          </a:gradFill>
+          <a:ln>
+            <a:noFill/>
+          </a:ln>
+        </p:spPr>
+        <p:style>
+          <a:lnRef idx="2">
+            <a:schemeClr val="accent1">
+              <a:shade val="50000"/>
+            </a:schemeClr>
+          </a:lnRef>
+          <a:fillRef idx="1">
+            <a:schemeClr val="accent1"/>
+          </a:fillRef>
+          <a:effectRef idx="0">
+            <a:schemeClr val="accent1"/>
+          </a:effectRef>
+          <a:fontRef idx="minor">
+            <a:schemeClr val="lt1"/>
+          </a:fontRef>
+        </p:style>
+        <p:txBody>
+          <a:bodyPr rtlCol="0" anchor="ctr"/>
+          <a:lstStyle/>
+          <a:p>
+            <a:pPr algn="ctr"/>
+            <a:endParaRPr lang="en-US"/>
+          </a:p>
+        </p:txBody>
+      </p:sp>
+      <p:sp>
+        <p:nvSpPr>
+          <p:cNvPr id="38" name="Rectangle 37">
+            <a:extLst>
+              <a:ext uri="{FF2B5EF4-FFF2-40B4-BE49-F238E27FC236}">
+                <a16:creationId xmlns:a16="http://schemas.microsoft.com/office/drawing/2014/main" id="{6437CC72-F4A8-4DC3-AFAB-D22C482C8100}"/>
+              </a:ext>
+              <a:ext uri="{C183D7F6-B498-43B3-948B-1728B52AA6E4}">
+                <adec:decorative xmlns:adec="http://schemas.microsoft.com/office/drawing/2017/decorative" val="1"/>
+              </a:ext>
+            </a:extLst>
+          </p:cNvPr>
+          <p:cNvSpPr>
+            <a:spLocks noGrp="1" noRot="1" noChangeAspect="1" noMove="1" noResize="1" noEditPoints="1" noAdjustHandles="1" noChangeArrowheads="1" noChangeShapeType="1" noTextEdit="1"/>
+          </p:cNvSpPr>
+          <p:nvPr>
+            <p:extLst>
+              <p:ext uri="{386F3935-93C4-4BCD-93E2-E3B085C9AB24}">
+                <p16:designElem xmlns:p16="http://schemas.microsoft.com/office/powerpoint/2015/main" val="1"/>
+              </p:ext>
+            </p:extLst>
+          </p:nvPr>
+        </p:nvSpPr>
+        <p:spPr>
+          <a:xfrm flipH="1">
+            <a:off x="3028950" y="6400799"/>
+            <a:ext cx="6115048" cy="456772"/>
+          </a:xfrm>
+          <a:prstGeom prst="rect">
+            <a:avLst/>
+          </a:prstGeom>
+          <a:gradFill>
+            <a:gsLst>
+              <a:gs pos="0">
+                <a:srgbClr val="000000">
+                  <a:alpha val="50000"/>
+                </a:srgbClr>
+              </a:gs>
+              <a:gs pos="100000">
+                <a:schemeClr val="accent1">
+                  <a:lumMod val="75000"/>
+                </a:schemeClr>
+              </a:gs>
+            </a:gsLst>
+            <a:lin ang="13800000" scaled="0"/>
+          </a:gradFill>
+          <a:ln>
+            <a:noFill/>
+          </a:ln>
+        </p:spPr>
+        <p:style>
+          <a:lnRef idx="2">
+            <a:schemeClr val="accent1">
+              <a:shade val="50000"/>
+            </a:schemeClr>
+          </a:lnRef>
+          <a:fillRef idx="1">
+            <a:schemeClr val="accent1"/>
+          </a:fillRef>
+          <a:effectRef idx="0">
+            <a:schemeClr val="accent1"/>
+          </a:effectRef>
+          <a:fontRef idx="minor">
+            <a:schemeClr val="lt1"/>
+          </a:fontRef>
+        </p:style>
+        <p:txBody>
+          <a:bodyPr rtlCol="0" anchor="ctr"/>
+          <a:lstStyle/>
+          <a:p>
+            <a:pPr algn="ctr"/>
+            <a:endParaRPr lang="en-US"/>
+          </a:p>
+        </p:txBody>
+      </p:sp>
+      <p:sp>
+        <p:nvSpPr>
+          <p:cNvPr id="4" name="Slide Number Placeholder 3">
+            <a:extLst>
+              <a:ext uri="{FF2B5EF4-FFF2-40B4-BE49-F238E27FC236}">
+                <a16:creationId xmlns:a16="http://schemas.microsoft.com/office/drawing/2014/main" id="{DE7BAE5B-B1B1-EC40-CA25-39B218A75B95}"/>
+              </a:ext>
+            </a:extLst>
+          </p:cNvPr>
+          <p:cNvSpPr>
+            <a:spLocks noGrp="1"/>
+          </p:cNvSpPr>
+          <p:nvPr>
+            <p:ph type="sldNum" sz="quarter" idx="12"/>
+          </p:nvPr>
+        </p:nvSpPr>
+        <p:spPr/>
+        <p:txBody>
+          <a:bodyPr/>
+          <a:lstStyle/>
+          <a:p>
+            <a:fld id="{C1FF6DA9-008F-8B48-92A6-B652298478BF}" type="slidenum">
+              <a:rPr lang="en-US" smtClean="0"/>
+              <a:t>8</a:t>
+            </a:fld>
+            <a:endParaRPr lang="en-US"/>
+          </a:p>
+        </p:txBody>
+      </p:sp>
+    </p:spTree>
+    <p:extLst>
+      <p:ext uri="{BB962C8B-B14F-4D97-AF65-F5344CB8AC3E}">
+        <p14:creationId xmlns:p14="http://schemas.microsoft.com/office/powerpoint/2010/main" val="216058076"/>
+      </p:ext>
+    </p:extLst>
+  </p:cSld>
+  <p:clrMapOvr>
+    <a:masterClrMapping/>
+  </p:clrMapOvr>
+</p:sld>
+</file>
+
+<file path=ppt/slides/slide9.xml><?xml version="1.0" encoding="utf-8"?>
+<p:sld xmlns:a="http://schemas.openxmlformats.org/drawingml/2006/main" xmlns:r="http://schemas.openxmlformats.org/officeDocument/2006/relationships" xmlns:p="http://schemas.openxmlformats.org/presentationml/2006/main">
+  <p:cSld>
+    <p:bg>
+      <p:bgPr>
+        <a:solidFill>
+          <a:schemeClr val="bg1"/>
+        </a:solidFill>
+        <a:effectLst/>
+      </p:bgPr>
+    </p:bg>
+    <p:spTree>
+      <p:nvGrpSpPr>
+        <p:cNvPr id="1" name=""/>
+        <p:cNvGrpSpPr/>
+        <p:nvPr/>
+      </p:nvGrpSpPr>
+      <p:grpSpPr>
+        <a:xfrm>
+          <a:off x="0" y="0"/>
+          <a:ext cx="0" cy="0"/>
+          <a:chOff x="0" y="0"/>
+          <a:chExt cx="0" cy="0"/>
+        </a:xfrm>
+      </p:grpSpPr>
+      <p:sp useBgFill="1">
+        <p:nvSpPr>
+          <p:cNvPr id="9" name="Rectangle 8">
+            <a:extLst>
+              <a:ext uri="{FF2B5EF4-FFF2-40B4-BE49-F238E27FC236}">
+                <a16:creationId xmlns:a16="http://schemas.microsoft.com/office/drawing/2014/main" id="{BACC6370-2D7E-4714-9D71-7542949D7D5D}"/>
+              </a:ext>
+              <a:ext uri="{C183D7F6-B498-43B3-948B-1728B52AA6E4}">
+                <adec:decorative xmlns:adec="http://schemas.microsoft.com/office/drawing/2017/decorative" val="1"/>
+              </a:ext>
+            </a:extLst>
+          </p:cNvPr>
+          <p:cNvSpPr>
+            <a:spLocks noGrp="1" noRot="1" noChangeAspect="1" noMove="1" noResize="1" noEditPoints="1" noAdjustHandles="1" noChangeArrowheads="1" noChangeShapeType="1" noTextEdit="1"/>
+          </p:cNvSpPr>
+          <p:nvPr>
+            <p:extLst>
+              <p:ext uri="{386F3935-93C4-4BCD-93E2-E3B085C9AB24}">
+                <p16:designElem xmlns:p16="http://schemas.microsoft.com/office/powerpoint/2015/main" val="1"/>
+              </p:ext>
+            </p:extLst>
+          </p:nvPr>
+        </p:nvSpPr>
+        <p:spPr>
+          <a:xfrm>
+            <a:off x="0" y="0"/>
+            <a:ext cx="9144000" cy="6858000"/>
+          </a:xfrm>
+          <a:prstGeom prst="rect">
+            <a:avLst/>
+          </a:prstGeom>
+          <a:ln w="12700" cap="flat" cmpd="sng" algn="ctr">
+            <a:noFill/>
+            <a:prstDash val="solid"/>
+            <a:miter lim="800000"/>
+          </a:ln>
+          <a:effectLst/>
+          <a:extLst>
+            <a:ext uri="{91240B29-F687-4F45-9708-019B960494DF}">
+              <a14:hiddenLine xmlns:a14="http://schemas.microsoft.com/office/drawing/2010/main" w="12700" cap="flat" cmpd="sng" algn="ctr">
+                <a:solidFill>
+                  <a:schemeClr val="accent1">
+                    <a:shade val="50000"/>
+                  </a:schemeClr>
+                </a:solidFill>
+                <a:prstDash val="solid"/>
+                <a:miter lim="800000"/>
+              </a14:hiddenLine>
+            </a:ext>
+          </a:extLst>
+        </p:spPr>
+        <p:style>
+          <a:lnRef idx="2">
+            <a:schemeClr val="accent1">
+              <a:shade val="50000"/>
+            </a:schemeClr>
+          </a:lnRef>
+          <a:fillRef idx="1">
+            <a:schemeClr val="accent1"/>
+          </a:fillRef>
+          <a:effectRef idx="0">
+            <a:schemeClr val="accent1"/>
+          </a:effectRef>
+          <a:fontRef idx="minor">
+            <a:schemeClr val="lt1"/>
+          </a:fontRef>
+        </p:style>
+        <p:txBody>
+          <a:bodyPr rtlCol="0" anchor="ctr"/>
+          <a:lstStyle/>
+          <a:p>
+            <a:pPr algn="ctr"/>
+            <a:endParaRPr lang="en-US"/>
+          </a:p>
+        </p:txBody>
+      </p:sp>
+      <p:sp>
+        <p:nvSpPr>
+          <p:cNvPr id="11" name="Rectangle 10">
+            <a:extLst>
+              <a:ext uri="{FF2B5EF4-FFF2-40B4-BE49-F238E27FC236}">
+                <a16:creationId xmlns:a16="http://schemas.microsoft.com/office/drawing/2014/main" id="{F68B3F68-107C-434F-AA38-110D5EA91B85}"/>
+              </a:ext>
+              <a:ext uri="{C183D7F6-B498-43B3-948B-1728B52AA6E4}">
+                <adec:decorative xmlns:adec="http://schemas.microsoft.com/office/drawing/2017/decorative" val="1"/>
+              </a:ext>
+            </a:extLst>
+          </p:cNvPr>
+          <p:cNvSpPr>
+            <a:spLocks noGrp="1" noRot="1" noChangeAspect="1" noMove="1" noResize="1" noEditPoints="1" noAdjustHandles="1" noChangeArrowheads="1" noChangeShapeType="1" noTextEdit="1"/>
+          </p:cNvSpPr>
+          <p:nvPr>
+            <p:extLst>
+              <p:ext uri="{386F3935-93C4-4BCD-93E2-E3B085C9AB24}">
+                <p16:designElem xmlns:p16="http://schemas.microsoft.com/office/powerpoint/2015/main" val="1"/>
+              </p:ext>
+            </p:extLst>
+          </p:nvPr>
+        </p:nvSpPr>
+        <p:spPr>
+          <a:xfrm flipH="1">
+            <a:off x="1" y="0"/>
+            <a:ext cx="9143999" cy="1575955"/>
+          </a:xfrm>
+          <a:prstGeom prst="rect">
+            <a:avLst/>
+          </a:prstGeom>
+          <a:gradFill>
+            <a:gsLst>
+              <a:gs pos="0">
+                <a:srgbClr val="000000">
+                  <a:alpha val="96000"/>
+                </a:srgbClr>
+              </a:gs>
+              <a:gs pos="100000">
+                <a:schemeClr val="accent1">
+                  <a:lumMod val="75000"/>
+                </a:schemeClr>
+              </a:gs>
+            </a:gsLst>
+            <a:lin ang="8400000" scaled="0"/>
+          </a:gradFill>
+          <a:ln>
+            <a:noFill/>
+          </a:ln>
+        </p:spPr>
+        <p:style>
+          <a:lnRef idx="2">
+            <a:schemeClr val="accent1">
+              <a:shade val="50000"/>
+            </a:schemeClr>
+          </a:lnRef>
+          <a:fillRef idx="1">
+            <a:schemeClr val="accent1"/>
+          </a:fillRef>
+          <a:effectRef idx="0">
+            <a:schemeClr val="accent1"/>
+          </a:effectRef>
+          <a:fontRef idx="minor">
+            <a:schemeClr val="lt1"/>
+          </a:fontRef>
+        </p:style>
+        <p:txBody>
+          <a:bodyPr rtlCol="0" anchor="ctr"/>
+          <a:lstStyle/>
+          <a:p>
+            <a:pPr algn="ctr"/>
+            <a:endParaRPr lang="en-US"/>
+          </a:p>
+        </p:txBody>
+      </p:sp>
+      <p:sp>
+        <p:nvSpPr>
+          <p:cNvPr id="13" name="Rectangle 12">
+            <a:extLst>
+              <a:ext uri="{FF2B5EF4-FFF2-40B4-BE49-F238E27FC236}">
+                <a16:creationId xmlns:a16="http://schemas.microsoft.com/office/drawing/2014/main" id="{AAD0DBB9-1A4B-4391-81D4-CB19F9AB918A}"/>
+              </a:ext>
+              <a:ext uri="{C183D7F6-B498-43B3-948B-1728B52AA6E4}">
+                <adec:decorative xmlns:adec="http://schemas.microsoft.com/office/drawing/2017/decorative" val="1"/>
+              </a:ext>
+            </a:extLst>
+          </p:cNvPr>
+          <p:cNvSpPr>
+            <a:spLocks noGrp="1" noRot="1" noChangeAspect="1" noMove="1" noResize="1" noEditPoints="1" noAdjustHandles="1" noChangeArrowheads="1" noChangeShapeType="1" noTextEdit="1"/>
+          </p:cNvSpPr>
+          <p:nvPr>
+            <p:extLst>
+              <p:ext uri="{386F3935-93C4-4BCD-93E2-E3B085C9AB24}">
+                <p16:designElem xmlns:p16="http://schemas.microsoft.com/office/powerpoint/2015/main" val="1"/>
+              </p:ext>
+            </p:extLst>
+          </p:nvPr>
+        </p:nvSpPr>
+        <p:spPr>
+          <a:xfrm rot="10800000" flipH="1">
+            <a:off x="6096642" y="0"/>
+            <a:ext cx="3047358" cy="1576412"/>
+          </a:xfrm>
+          <a:prstGeom prst="rect">
+            <a:avLst/>
+          </a:prstGeom>
+          <a:gradFill>
+            <a:gsLst>
+              <a:gs pos="19000">
+                <a:schemeClr val="accent1">
+                  <a:lumMod val="50000"/>
+                  <a:alpha val="68000"/>
+                </a:schemeClr>
+              </a:gs>
+              <a:gs pos="100000">
+                <a:schemeClr val="accent1">
+                  <a:alpha val="79000"/>
+                </a:schemeClr>
+              </a:gs>
+            </a:gsLst>
+            <a:lin ang="19200000" scaled="0"/>
+          </a:gradFill>
+          <a:ln>
+            <a:noFill/>
+          </a:ln>
+        </p:spPr>
+        <p:style>
+          <a:lnRef idx="2">
+            <a:schemeClr val="accent1">
+              <a:shade val="50000"/>
+            </a:schemeClr>
+          </a:lnRef>
+          <a:fillRef idx="1">
+            <a:schemeClr val="accent1"/>
+          </a:fillRef>
+          <a:effectRef idx="0">
+            <a:schemeClr val="accent1"/>
+          </a:effectRef>
+          <a:fontRef idx="minor">
+            <a:schemeClr val="lt1"/>
+          </a:fontRef>
+        </p:style>
+        <p:txBody>
+          <a:bodyPr rtlCol="0" anchor="ctr"/>
+          <a:lstStyle/>
+          <a:p>
+            <a:pPr algn="ctr"/>
+            <a:endParaRPr lang="en-US"/>
+          </a:p>
+        </p:txBody>
+      </p:sp>
+      <p:sp>
+        <p:nvSpPr>
+          <p:cNvPr id="15" name="Rectangle 14">
+            <a:extLst>
+              <a:ext uri="{FF2B5EF4-FFF2-40B4-BE49-F238E27FC236}">
+                <a16:creationId xmlns:a16="http://schemas.microsoft.com/office/drawing/2014/main" id="{063BBA22-50EA-4C4D-BE05-F1CE4E63AA56}"/>
+              </a:ext>
+              <a:ext uri="{C183D7F6-B498-43B3-948B-1728B52AA6E4}">
+                <adec:decorative xmlns:adec="http://schemas.microsoft.com/office/drawing/2017/decorative" val="1"/>
+              </a:ext>
+            </a:extLst>
+          </p:cNvPr>
+          <p:cNvSpPr>
+            <a:spLocks noGrp="1" noRot="1" noChangeAspect="1" noMove="1" noResize="1" noEditPoints="1" noAdjustHandles="1" noChangeArrowheads="1" noChangeShapeType="1" noTextEdit="1"/>
+          </p:cNvSpPr>
+          <p:nvPr>
+            <p:extLst>
+              <p:ext uri="{386F3935-93C4-4BCD-93E2-E3B085C9AB24}">
+                <p16:designElem xmlns:p16="http://schemas.microsoft.com/office/powerpoint/2015/main" val="1"/>
+              </p:ext>
+            </p:extLst>
+          </p:nvPr>
+        </p:nvSpPr>
+        <p:spPr>
+          <a:xfrm rot="5400000">
+            <a:off x="3783777" y="-3783778"/>
+            <a:ext cx="1576446" cy="9144002"/>
+          </a:xfrm>
+          <a:prstGeom prst="rect">
+            <a:avLst/>
+          </a:prstGeom>
+          <a:gradFill>
+            <a:gsLst>
+              <a:gs pos="23000">
+                <a:schemeClr val="accent1">
+                  <a:alpha val="0"/>
+                </a:schemeClr>
+              </a:gs>
+              <a:gs pos="99000">
+                <a:srgbClr val="000000">
+                  <a:alpha val="74000"/>
+                </a:srgbClr>
+              </a:gs>
+            </a:gsLst>
+            <a:lin ang="20400000" scaled="0"/>
+          </a:gradFill>
+          <a:ln>
+            <a:noFill/>
+          </a:ln>
+        </p:spPr>
+        <p:style>
+          <a:lnRef idx="2">
+            <a:schemeClr val="accent1">
+              <a:shade val="50000"/>
+            </a:schemeClr>
+          </a:lnRef>
+          <a:fillRef idx="1">
+            <a:schemeClr val="accent1"/>
+          </a:fillRef>
+          <a:effectRef idx="0">
+            <a:schemeClr val="accent1"/>
+          </a:effectRef>
+          <a:fontRef idx="minor">
+            <a:schemeClr val="lt1"/>
+          </a:fontRef>
+        </p:style>
+        <p:txBody>
+          <a:bodyPr rtlCol="0" anchor="ctr"/>
+          <a:lstStyle/>
+          <a:p>
+            <a:pPr algn="ctr"/>
+            <a:endParaRPr lang="en-US" dirty="0"/>
+          </a:p>
+        </p:txBody>
+      </p:sp>
+      <p:sp>
+        <p:nvSpPr>
+          <p:cNvPr id="2" name="Title 1"/>
+          <p:cNvSpPr>
+            <a:spLocks noGrp="1"/>
+          </p:cNvSpPr>
+          <p:nvPr>
+            <p:ph type="title"/>
+          </p:nvPr>
+        </p:nvSpPr>
+        <p:spPr>
+          <a:xfrm>
+            <a:off x="1028697" y="348865"/>
+            <a:ext cx="7533018" cy="877729"/>
+          </a:xfrm>
+        </p:spPr>
+        <p:txBody>
+          <a:bodyPr anchor="ctr">
+            <a:normAutofit/>
+          </a:bodyPr>
+          <a:lstStyle/>
+          <a:p>
+            <a:r>
+              <a:rPr lang="en-US" sz="3500">
+                <a:solidFill>
+                  <a:srgbClr val="FFFFFF"/>
+                </a:solidFill>
+              </a:rPr>
+              <a:t>2. System Architecture</a:t>
+            </a:r>
+          </a:p>
+        </p:txBody>
+      </p:sp>
+      <p:graphicFrame>
+        <p:nvGraphicFramePr>
+          <p:cNvPr id="5" name="Content Placeholder 2">
+            <a:extLst>
+              <a:ext uri="{FF2B5EF4-FFF2-40B4-BE49-F238E27FC236}">
+                <a16:creationId xmlns:a16="http://schemas.microsoft.com/office/drawing/2014/main" id="{2C8BD23D-058D-DFCB-487E-4BEC63337A54}"/>
+              </a:ext>
+            </a:extLst>
+          </p:cNvPr>
+          <p:cNvGraphicFramePr>
+            <a:graphicFrameLocks noGrp="1"/>
+          </p:cNvGraphicFramePr>
+          <p:nvPr>
+            <p:ph idx="1"/>
+            <p:extLst>
+              <p:ext uri="{D42A27DB-BD31-4B8C-83A1-F6EECF244321}">
+                <p14:modId xmlns:p14="http://schemas.microsoft.com/office/powerpoint/2010/main" val="1650139878"/>
+              </p:ext>
+            </p:extLst>
+          </p:nvPr>
+        </p:nvGraphicFramePr>
+        <p:xfrm>
+          <a:off x="483042" y="2112579"/>
+          <a:ext cx="8195871" cy="4192805"/>
+        </p:xfrm>
+        <a:graphic>
+          <a:graphicData uri="http://schemas.openxmlformats.org/drawingml/2006/diagram">
+            <dgm:relIds xmlns:dgm="http://schemas.openxmlformats.org/drawingml/2006/diagram" xmlns:r="http://schemas.openxmlformats.org/officeDocument/2006/relationships" r:dm="rId2" r:lo="rId3" r:qs="rId4" r:cs="rId5"/>
+          </a:graphicData>
+        </a:graphic>
+      </p:graphicFrame>
+      <p:sp>
+        <p:nvSpPr>
+          <p:cNvPr id="4" name="Slide Number Placeholder 3">
+            <a:extLst>
+              <a:ext uri="{FF2B5EF4-FFF2-40B4-BE49-F238E27FC236}">
+                <a16:creationId xmlns:a16="http://schemas.microsoft.com/office/drawing/2014/main" id="{295EA7C6-197E-013F-A3B9-64FED00249D8}"/>
+              </a:ext>
+            </a:extLst>
+          </p:cNvPr>
+          <p:cNvSpPr>
+            <a:spLocks noGrp="1"/>
+          </p:cNvSpPr>
+          <p:nvPr>
+            <p:ph type="sldNum" sz="quarter" idx="12"/>
+          </p:nvPr>
+        </p:nvSpPr>
+        <p:spPr/>
+        <p:txBody>
+          <a:bodyPr/>
+          <a:lstStyle/>
+          <a:p>
+            <a:fld id="{C1FF6DA9-008F-8B48-92A6-B652298478BF}" type="slidenum">
+              <a:rPr lang="en-US" smtClean="0"/>
+              <a:t>9</a:t>
+            </a:fld>
+            <a:endParaRPr lang="en-US"/>
+          </a:p>
+        </p:txBody>
+      </p:sp>
+    </p:spTree>
   </p:cSld>
   <p:clrMapOvr>
     <a:masterClrMapping/>
